--- a/data/GS3_チーム2_仕様書.pptx
+++ b/data/GS3_チーム2_仕様書.pptx
@@ -3388,7 +3388,7 @@
         <p:spPr>
           <a:xfrm>
             <a:off x="600695" y="1090302"/>
-            <a:ext cx="10990610" cy="4431267"/>
+            <a:ext cx="10990610" cy="4774167"/>
           </a:xfrm>
           <a:prstGeom prst="roundRect">
             <a:avLst>
@@ -3487,7 +3487,7 @@
         <p:spPr>
           <a:xfrm>
             <a:off x="690171" y="1348959"/>
-            <a:ext cx="8494633" cy="3416320"/>
+            <a:ext cx="8494633" cy="4154984"/>
           </a:xfrm>
           <a:prstGeom prst="rect">
             <a:avLst/>
@@ -3672,6 +3672,16 @@
               <a:rPr lang="en-US" altLang="ja-JP" sz="2400" b="1" dirty="0" smtClean="0"/>
               <a:t>】</a:t>
             </a:r>
+          </a:p>
+          <a:p>
+            <a:endParaRPr lang="en-US" altLang="ja-JP" sz="2400" b="1" dirty="0"/>
+          </a:p>
+          <a:p>
+            <a:r>
+              <a:rPr lang="ja-JP" altLang="en-US" sz="2400" b="1" dirty="0" smtClean="0"/>
+              <a:t>・背景は画像スクロール等で動きを付ける。</a:t>
+            </a:r>
+            <a:endParaRPr lang="en-US" altLang="ja-JP" sz="2400" b="1" dirty="0" smtClean="0"/>
           </a:p>
         </p:txBody>
       </p:sp>
@@ -6895,7 +6905,7 @@
         <p:spPr>
           <a:xfrm>
             <a:off x="690171" y="1313790"/>
-            <a:ext cx="8905002" cy="3477875"/>
+            <a:ext cx="8905002" cy="4093428"/>
           </a:xfrm>
           <a:prstGeom prst="rect">
             <a:avLst/>
@@ -6968,7 +6978,21 @@
           <a:p>
             <a:r>
               <a:rPr lang="ja-JP" altLang="en-US" sz="2000" b="1" dirty="0" smtClean="0"/>
-              <a:t>・プレビューのモデルは、ニュートラルモーションさせる。</a:t>
+              <a:t>・プレビューのモデルは、ニュートラルモーションさせる</a:t>
+            </a:r>
+            <a:r>
+              <a:rPr lang="ja-JP" altLang="en-US" sz="2000" b="1" dirty="0" smtClean="0"/>
+              <a:t>。</a:t>
+            </a:r>
+            <a:endParaRPr lang="en-US" altLang="ja-JP" sz="2000" b="1" dirty="0" smtClean="0"/>
+          </a:p>
+          <a:p>
+            <a:endParaRPr lang="en-US" altLang="ja-JP" sz="2000" b="1" dirty="0"/>
+          </a:p>
+          <a:p>
+            <a:r>
+              <a:rPr lang="ja-JP" altLang="en-US" sz="2000" b="1" dirty="0" smtClean="0"/>
+              <a:t>・背景は画像スクロール等で動きを付ける。</a:t>
             </a:r>
             <a:endParaRPr lang="en-US" altLang="ja-JP" sz="2000" b="1" dirty="0" smtClean="0"/>
           </a:p>
@@ -9976,8 +10000,8 @@
         </p:nvSpPr>
         <p:spPr>
           <a:xfrm>
-            <a:off x="600695" y="1143055"/>
-            <a:ext cx="10990610" cy="3121214"/>
+            <a:off x="600695" y="1143054"/>
+            <a:ext cx="10990610" cy="3501809"/>
           </a:xfrm>
           <a:prstGeom prst="roundRect">
             <a:avLst>
@@ -10076,7 +10100,7 @@
         <p:spPr>
           <a:xfrm>
             <a:off x="690171" y="1474765"/>
-            <a:ext cx="10187404" cy="2554545"/>
+            <a:ext cx="10187404" cy="3170099"/>
           </a:xfrm>
           <a:prstGeom prst="rect">
             <a:avLst/>
@@ -10121,7 +10145,21 @@
           <a:p>
             <a:r>
               <a:rPr lang="ja-JP" altLang="en-US" sz="2000" b="1" dirty="0" smtClean="0"/>
-              <a:t>・左右を押したときに、プレビュー画像と名前のテクスチャを変更する。</a:t>
+              <a:t>・左右を押したときに、プレビュー画像と名前のテクスチャを変更する</a:t>
+            </a:r>
+            <a:r>
+              <a:rPr lang="ja-JP" altLang="en-US" sz="2000" b="1" dirty="0" smtClean="0"/>
+              <a:t>。</a:t>
+            </a:r>
+            <a:endParaRPr lang="en-US" altLang="ja-JP" sz="2000" b="1" dirty="0" smtClean="0"/>
+          </a:p>
+          <a:p>
+            <a:endParaRPr lang="en-US" altLang="ja-JP" sz="2000" b="1" dirty="0"/>
+          </a:p>
+          <a:p>
+            <a:r>
+              <a:rPr lang="ja-JP" altLang="en-US" sz="2000" b="1" dirty="0" smtClean="0"/>
+              <a:t>・背景は画像スクロール等で動きを付ける。</a:t>
             </a:r>
             <a:endParaRPr lang="en-US" altLang="ja-JP" sz="2000" b="1" dirty="0" smtClean="0"/>
           </a:p>
@@ -12358,8 +12396,17 @@
             </a:r>
             <a:r>
               <a:rPr lang="en-US" altLang="ja-JP" sz="2000" b="1" dirty="0" smtClean="0"/>
-              <a:t>35P</a:t>
-            </a:r>
+              <a:t>35P </a:t>
+            </a:r>
+            <a:r>
+              <a:rPr lang="ja-JP" altLang="en-US" sz="2000" b="1" dirty="0" smtClean="0"/>
+              <a:t>～ </a:t>
+            </a:r>
+            <a:r>
+              <a:rPr lang="en-US" altLang="ja-JP" sz="2000" b="1" dirty="0" smtClean="0"/>
+              <a:t>36P</a:t>
+            </a:r>
+            <a:endParaRPr lang="en-US" altLang="ja-JP" sz="2000" b="1" dirty="0" smtClean="0"/>
           </a:p>
           <a:p>
             <a:endParaRPr lang="en-US" altLang="ja-JP" sz="2000" b="1" dirty="0" smtClean="0"/>
@@ -12395,7 +12442,7 @@
             </a:r>
             <a:r>
               <a:rPr lang="en-US" altLang="ja-JP" sz="2000" b="1" dirty="0" smtClean="0"/>
-              <a:t>36P </a:t>
+              <a:t>37P </a:t>
             </a:r>
             <a:r>
               <a:rPr lang="ja-JP" altLang="en-US" sz="2000" b="1" dirty="0"/>
@@ -12403,7 +12450,7 @@
             </a:r>
             <a:r>
               <a:rPr lang="en-US" altLang="ja-JP" sz="2000" b="1" dirty="0" smtClean="0"/>
-              <a:t>38P</a:t>
+              <a:t>39P</a:t>
             </a:r>
             <a:endParaRPr lang="en-US" altLang="ja-JP" sz="2000" b="1" dirty="0"/>
           </a:p>
@@ -37738,11 +37785,7 @@
             <a:pPr algn="ctr"/>
             <a:r>
               <a:rPr kumimoji="1" lang="ja-JP" altLang="en-US" sz="1400" b="1" dirty="0" smtClean="0"/>
-              <a:t>ステージ上のパネルを一つランダムに</a:t>
-            </a:r>
-            <a:r>
-              <a:rPr kumimoji="1" lang="ja-JP" altLang="en-US" sz="1400" b="1" dirty="0" smtClean="0"/>
-              <a:t>選出</a:t>
+              <a:t>ステージ上のパネルを一つランダムに選出</a:t>
             </a:r>
             <a:r>
               <a:rPr kumimoji="1" lang="en-US" altLang="ja-JP" sz="1400" b="1" dirty="0" smtClean="0"/>
@@ -37999,11 +38042,7 @@
             <a:pPr algn="ctr"/>
             <a:r>
               <a:rPr kumimoji="1" lang="ja-JP" altLang="en-US" sz="1400" b="1" dirty="0" smtClean="0"/>
-              <a:t>エリア内のパネルの塗り状態をリセット</a:t>
-            </a:r>
-            <a:r>
-              <a:rPr kumimoji="1" lang="ja-JP" altLang="en-US" sz="1400" b="1" dirty="0" smtClean="0"/>
-              <a:t>する</a:t>
+              <a:t>エリア内のパネルの塗り状態をリセットする</a:t>
             </a:r>
             <a:r>
               <a:rPr kumimoji="1" lang="en-US" altLang="ja-JP" sz="1400" b="1" dirty="0" smtClean="0"/>
@@ -38648,7 +38687,6 @@
               <a:rPr lang="en-US" altLang="ja-JP" sz="1600" b="1" dirty="0" smtClean="0"/>
               <a:t>※2</a:t>
             </a:r>
-            <a:endParaRPr lang="en-US" altLang="ja-JP" sz="1600" b="1" dirty="0" smtClean="0"/>
           </a:p>
           <a:p>
             <a:r>
@@ -38668,11 +38706,7 @@
             </a:r>
             <a:r>
               <a:rPr lang="ja-JP" altLang="en-US" sz="1600" b="1" dirty="0" smtClean="0"/>
-              <a:t>、エリアであることを表現する</a:t>
-            </a:r>
-            <a:r>
-              <a:rPr lang="ja-JP" altLang="en-US" sz="1600" b="1" dirty="0" smtClean="0"/>
-              <a:t>。</a:t>
+              <a:t>、エリアであることを表現する。</a:t>
             </a:r>
             <a:endParaRPr lang="en-US" altLang="ja-JP" sz="1600" b="1" dirty="0" smtClean="0"/>
           </a:p>
@@ -39663,7 +39697,6 @@
               <a:rPr lang="en-US" altLang="ja-JP" sz="1600" b="1" dirty="0" smtClean="0"/>
               <a:t>※2</a:t>
             </a:r>
-            <a:endParaRPr lang="en-US" altLang="ja-JP" sz="1600" b="1" dirty="0" smtClean="0"/>
           </a:p>
           <a:p>
             <a:r>
@@ -43230,8 +43263,8 @@
         </p:nvSpPr>
         <p:spPr>
           <a:xfrm>
-            <a:off x="600695" y="1187017"/>
-            <a:ext cx="10990610" cy="5204991"/>
+            <a:off x="600695" y="1037552"/>
+            <a:ext cx="10990610" cy="5618226"/>
           </a:xfrm>
           <a:prstGeom prst="roundRect">
             <a:avLst>
@@ -43325,8 +43358,8 @@
         </p:nvSpPr>
         <p:spPr>
           <a:xfrm>
-            <a:off x="690171" y="1375336"/>
-            <a:ext cx="8956298" cy="4801314"/>
+            <a:off x="690171" y="1225871"/>
+            <a:ext cx="8956298" cy="5355312"/>
           </a:xfrm>
           <a:prstGeom prst="rect">
             <a:avLst/>
@@ -43341,7 +43374,11 @@
           <a:p>
             <a:r>
               <a:rPr lang="ja-JP" altLang="en-US" b="1" dirty="0" smtClean="0"/>
-              <a:t>・操作やルールを記載した画像を作成して表示する。</a:t>
+              <a:t>・</a:t>
+            </a:r>
+            <a:r>
+              <a:rPr lang="ja-JP" altLang="en-US" b="1" dirty="0" smtClean="0"/>
+              <a:t>操作やルールを記載した画像を作成して表示する。</a:t>
             </a:r>
             <a:r>
               <a:rPr lang="en-US" altLang="ja-JP" b="1" dirty="0" smtClean="0"/>
@@ -43372,6 +43409,16 @@
             <a:endParaRPr lang="en-US" altLang="ja-JP" b="1" dirty="0" smtClean="0"/>
           </a:p>
           <a:p>
+            <a:endParaRPr kumimoji="1" lang="en-US" altLang="ja-JP" b="1" dirty="0" smtClean="0"/>
+          </a:p>
+          <a:p>
+            <a:r>
+              <a:rPr lang="ja-JP" altLang="en-US" b="1" dirty="0" smtClean="0"/>
+              <a:t>・背景は画像スクロール等で動きを付ける。</a:t>
+            </a:r>
+            <a:endParaRPr lang="en-US" altLang="ja-JP" b="1" dirty="0"/>
+          </a:p>
+          <a:p>
             <a:endParaRPr kumimoji="1" lang="en-US" altLang="ja-JP" b="1" dirty="0"/>
           </a:p>
           <a:p>
@@ -43472,10 +43519,9 @@
               <a:t>→コントローラーのイラスト等を使って各ボタンの説明</a:t>
             </a:r>
             <a:r>
-              <a:rPr lang="ja-JP" altLang="en-US" b="1" dirty="0"/>
+              <a:rPr lang="ja-JP" altLang="en-US" b="1" dirty="0" smtClean="0"/>
               <a:t>。</a:t>
             </a:r>
-            <a:endParaRPr lang="en-US" altLang="ja-JP" b="1" dirty="0" smtClean="0"/>
           </a:p>
         </p:txBody>
       </p:sp>

--- a/data/GS3_チーム2_仕様書.pptx
+++ b/data/GS3_チーム2_仕様書.pptx
@@ -44,6 +44,8 @@
     <p:sldId id="280" r:id="rId38"/>
     <p:sldId id="282" r:id="rId39"/>
     <p:sldId id="281" r:id="rId40"/>
+    <p:sldId id="298" r:id="rId41"/>
+    <p:sldId id="299" r:id="rId42"/>
   </p:sldIdLst>
   <p:sldSz cx="12192000" cy="6858000"/>
   <p:notesSz cx="6858000" cy="9144000"/>
@@ -281,7 +283,7 @@
           <a:p>
             <a:fld id="{A666E8CF-15D4-41D8-B0AD-7E6B72D4A5E0}" type="datetimeFigureOut">
               <a:rPr kumimoji="1" lang="ja-JP" altLang="en-US" smtClean="0"/>
-              <a:t>2023/5/17</a:t>
+              <a:t>2023/5/19</a:t>
             </a:fld>
             <a:endParaRPr kumimoji="1" lang="ja-JP" altLang="en-US"/>
           </a:p>
@@ -483,7 +485,7 @@
           <a:p>
             <a:fld id="{A666E8CF-15D4-41D8-B0AD-7E6B72D4A5E0}" type="datetimeFigureOut">
               <a:rPr kumimoji="1" lang="ja-JP" altLang="en-US" smtClean="0"/>
-              <a:t>2023/5/17</a:t>
+              <a:t>2023/5/19</a:t>
             </a:fld>
             <a:endParaRPr kumimoji="1" lang="ja-JP" altLang="en-US"/>
           </a:p>
@@ -695,7 +697,7 @@
           <a:p>
             <a:fld id="{A666E8CF-15D4-41D8-B0AD-7E6B72D4A5E0}" type="datetimeFigureOut">
               <a:rPr kumimoji="1" lang="ja-JP" altLang="en-US" smtClean="0"/>
-              <a:t>2023/5/17</a:t>
+              <a:t>2023/5/19</a:t>
             </a:fld>
             <a:endParaRPr kumimoji="1" lang="ja-JP" altLang="en-US"/>
           </a:p>
@@ -897,7 +899,7 @@
           <a:p>
             <a:fld id="{A666E8CF-15D4-41D8-B0AD-7E6B72D4A5E0}" type="datetimeFigureOut">
               <a:rPr kumimoji="1" lang="ja-JP" altLang="en-US" smtClean="0"/>
-              <a:t>2023/5/17</a:t>
+              <a:t>2023/5/19</a:t>
             </a:fld>
             <a:endParaRPr kumimoji="1" lang="ja-JP" altLang="en-US"/>
           </a:p>
@@ -1143,7 +1145,7 @@
           <a:p>
             <a:fld id="{A666E8CF-15D4-41D8-B0AD-7E6B72D4A5E0}" type="datetimeFigureOut">
               <a:rPr kumimoji="1" lang="ja-JP" altLang="en-US" smtClean="0"/>
-              <a:t>2023/5/17</a:t>
+              <a:t>2023/5/19</a:t>
             </a:fld>
             <a:endParaRPr kumimoji="1" lang="ja-JP" altLang="en-US"/>
           </a:p>
@@ -1439,7 +1441,7 @@
           <a:p>
             <a:fld id="{A666E8CF-15D4-41D8-B0AD-7E6B72D4A5E0}" type="datetimeFigureOut">
               <a:rPr kumimoji="1" lang="ja-JP" altLang="en-US" smtClean="0"/>
-              <a:t>2023/5/17</a:t>
+              <a:t>2023/5/19</a:t>
             </a:fld>
             <a:endParaRPr kumimoji="1" lang="ja-JP" altLang="en-US"/>
           </a:p>
@@ -1870,7 +1872,7 @@
           <a:p>
             <a:fld id="{A666E8CF-15D4-41D8-B0AD-7E6B72D4A5E0}" type="datetimeFigureOut">
               <a:rPr kumimoji="1" lang="ja-JP" altLang="en-US" smtClean="0"/>
-              <a:t>2023/5/17</a:t>
+              <a:t>2023/5/19</a:t>
             </a:fld>
             <a:endParaRPr kumimoji="1" lang="ja-JP" altLang="en-US"/>
           </a:p>
@@ -1988,7 +1990,7 @@
           <a:p>
             <a:fld id="{A666E8CF-15D4-41D8-B0AD-7E6B72D4A5E0}" type="datetimeFigureOut">
               <a:rPr kumimoji="1" lang="ja-JP" altLang="en-US" smtClean="0"/>
-              <a:t>2023/5/17</a:t>
+              <a:t>2023/5/19</a:t>
             </a:fld>
             <a:endParaRPr kumimoji="1" lang="ja-JP" altLang="en-US"/>
           </a:p>
@@ -2083,7 +2085,7 @@
           <a:p>
             <a:fld id="{A666E8CF-15D4-41D8-B0AD-7E6B72D4A5E0}" type="datetimeFigureOut">
               <a:rPr kumimoji="1" lang="ja-JP" altLang="en-US" smtClean="0"/>
-              <a:t>2023/5/17</a:t>
+              <a:t>2023/5/19</a:t>
             </a:fld>
             <a:endParaRPr kumimoji="1" lang="ja-JP" altLang="en-US"/>
           </a:p>
@@ -2392,7 +2394,7 @@
           <a:p>
             <a:fld id="{A666E8CF-15D4-41D8-B0AD-7E6B72D4A5E0}" type="datetimeFigureOut">
               <a:rPr kumimoji="1" lang="ja-JP" altLang="en-US" smtClean="0"/>
-              <a:t>2023/5/17</a:t>
+              <a:t>2023/5/19</a:t>
             </a:fld>
             <a:endParaRPr kumimoji="1" lang="ja-JP" altLang="en-US"/>
           </a:p>
@@ -2645,7 +2647,7 @@
           <a:p>
             <a:fld id="{A666E8CF-15D4-41D8-B0AD-7E6B72D4A5E0}" type="datetimeFigureOut">
               <a:rPr kumimoji="1" lang="ja-JP" altLang="en-US" smtClean="0"/>
-              <a:t>2023/5/17</a:t>
+              <a:t>2023/5/19</a:t>
             </a:fld>
             <a:endParaRPr kumimoji="1" lang="ja-JP" altLang="en-US"/>
           </a:p>
@@ -2899,7 +2901,7 @@
           <a:p>
             <a:fld id="{A666E8CF-15D4-41D8-B0AD-7E6B72D4A5E0}" type="datetimeFigureOut">
               <a:rPr kumimoji="1" lang="ja-JP" altLang="en-US" smtClean="0"/>
-              <a:t>2023/5/17</a:t>
+              <a:t>2023/5/19</a:t>
             </a:fld>
             <a:endParaRPr kumimoji="1" lang="ja-JP" altLang="en-US"/>
           </a:p>
@@ -6978,11 +6980,7 @@
           <a:p>
             <a:r>
               <a:rPr lang="ja-JP" altLang="en-US" sz="2000" b="1" dirty="0" smtClean="0"/>
-              <a:t>・プレビューのモデルは、ニュートラルモーションさせる</a:t>
-            </a:r>
-            <a:r>
-              <a:rPr lang="ja-JP" altLang="en-US" sz="2000" b="1" dirty="0" smtClean="0"/>
-              <a:t>。</a:t>
+              <a:t>・プレビューのモデルは、ニュートラルモーションさせる。</a:t>
             </a:r>
             <a:endParaRPr lang="en-US" altLang="ja-JP" sz="2000" b="1" dirty="0" smtClean="0"/>
           </a:p>
@@ -10145,11 +10143,7 @@
           <a:p>
             <a:r>
               <a:rPr lang="ja-JP" altLang="en-US" sz="2000" b="1" dirty="0" smtClean="0"/>
-              <a:t>・左右を押したときに、プレビュー画像と名前のテクスチャを変更する</a:t>
-            </a:r>
-            <a:r>
-              <a:rPr lang="ja-JP" altLang="en-US" sz="2000" b="1" dirty="0" smtClean="0"/>
-              <a:t>。</a:t>
+              <a:t>・左右を押したときに、プレビュー画像と名前のテクスチャを変更する。</a:t>
             </a:r>
             <a:endParaRPr lang="en-US" altLang="ja-JP" sz="2000" b="1" dirty="0" smtClean="0"/>
           </a:p>
@@ -12066,7 +12060,7 @@
         <p:spPr>
           <a:xfrm>
             <a:off x="1302758" y="1443786"/>
-            <a:ext cx="3990195" cy="4708981"/>
+            <a:ext cx="3369833" cy="4708981"/>
           </a:xfrm>
           <a:prstGeom prst="rect">
             <a:avLst/>
@@ -12098,16 +12092,17 @@
             </a:r>
             <a:r>
               <a:rPr lang="en-US" altLang="ja-JP" sz="2000" b="1" dirty="0" smtClean="0"/>
-              <a:t>… 4P </a:t>
+              <a:t>… </a:t>
+            </a:r>
+            <a:r>
+              <a:rPr lang="en-US" altLang="ja-JP" sz="2000" b="1" dirty="0" smtClean="0"/>
+              <a:t>4P</a:t>
             </a:r>
             <a:r>
               <a:rPr lang="ja-JP" altLang="en-US" sz="2000" b="1" dirty="0" smtClean="0"/>
-              <a:t>～ </a:t>
-            </a:r>
-            <a:r>
-              <a:rPr lang="en-US" altLang="ja-JP" sz="2000" b="1" dirty="0" smtClean="0"/>
-              <a:t>6P</a:t>
-            </a:r>
+              <a:t>～</a:t>
+            </a:r>
+            <a:endParaRPr lang="en-US" altLang="ja-JP" sz="2000" b="1" dirty="0" smtClean="0"/>
           </a:p>
           <a:p>
             <a:endParaRPr lang="en-US" altLang="ja-JP" sz="2000" b="1" dirty="0"/>
@@ -12127,24 +12122,25 @@
             </a:r>
             <a:r>
               <a:rPr lang="en-US" altLang="ja-JP" sz="2000" b="1" dirty="0" smtClean="0"/>
-              <a:t>7P </a:t>
+              <a:t>7P</a:t>
             </a:r>
             <a:r>
               <a:rPr lang="ja-JP" altLang="en-US" sz="2000" b="1" dirty="0" smtClean="0"/>
-              <a:t>～ </a:t>
-            </a:r>
-            <a:r>
-              <a:rPr lang="en-US" altLang="ja-JP" sz="2000" b="1" dirty="0" smtClean="0"/>
-              <a:t>9P</a:t>
-            </a:r>
-          </a:p>
-          <a:p>
-            <a:endParaRPr lang="en-US" altLang="ja-JP" sz="2000" b="1" dirty="0"/>
+              <a:t>～</a:t>
+            </a:r>
+            <a:endParaRPr lang="en-US" altLang="ja-JP" sz="2000" b="1" dirty="0" smtClean="0"/>
+          </a:p>
+          <a:p>
+            <a:endParaRPr lang="en-US" altLang="ja-JP" sz="2000" b="1" dirty="0" smtClean="0"/>
           </a:p>
           <a:p>
             <a:r>
               <a:rPr lang="ja-JP" altLang="en-US" sz="2000" b="1" dirty="0" smtClean="0"/>
-              <a:t>ゲームルール選択 </a:t>
+              <a:t>ゲームルール</a:t>
+            </a:r>
+            <a:r>
+              <a:rPr lang="ja-JP" altLang="en-US" sz="2000" b="1" dirty="0" smtClean="0"/>
+              <a:t>選択 </a:t>
             </a:r>
             <a:r>
               <a:rPr lang="en-US" altLang="ja-JP" sz="2000" b="1" dirty="0"/>
@@ -12156,15 +12152,11 @@
             </a:r>
             <a:r>
               <a:rPr lang="en-US" altLang="ja-JP" sz="2000" b="1" dirty="0" smtClean="0"/>
-              <a:t>10P </a:t>
-            </a:r>
-            <a:r>
-              <a:rPr lang="ja-JP" altLang="en-US" sz="2000" b="1" dirty="0"/>
-              <a:t>～ </a:t>
-            </a:r>
-            <a:r>
-              <a:rPr lang="en-US" altLang="ja-JP" sz="2000" b="1" dirty="0" smtClean="0"/>
-              <a:t>12P</a:t>
+              <a:t>10P</a:t>
+            </a:r>
+            <a:r>
+              <a:rPr lang="ja-JP" altLang="en-US" sz="2000" b="1" dirty="0" smtClean="0"/>
+              <a:t>～</a:t>
             </a:r>
             <a:endParaRPr lang="en-US" altLang="ja-JP" sz="2000" b="1" dirty="0"/>
           </a:p>
@@ -12186,15 +12178,11 @@
             </a:r>
             <a:r>
               <a:rPr lang="en-US" altLang="ja-JP" sz="2000" b="1" dirty="0" smtClean="0"/>
-              <a:t>13P </a:t>
-            </a:r>
-            <a:r>
-              <a:rPr lang="ja-JP" altLang="en-US" sz="2000" b="1" dirty="0"/>
-              <a:t>～ </a:t>
-            </a:r>
-            <a:r>
-              <a:rPr lang="en-US" altLang="ja-JP" sz="2000" b="1" dirty="0" smtClean="0"/>
-              <a:t>15P</a:t>
+              <a:t>13P</a:t>
+            </a:r>
+            <a:r>
+              <a:rPr lang="ja-JP" altLang="en-US" sz="2000" b="1" dirty="0" smtClean="0"/>
+              <a:t>～</a:t>
             </a:r>
             <a:endParaRPr lang="en-US" altLang="ja-JP" sz="2000" b="1" dirty="0"/>
           </a:p>
@@ -12220,15 +12208,11 @@
             </a:r>
             <a:r>
               <a:rPr lang="en-US" altLang="ja-JP" sz="2000" b="1" dirty="0" smtClean="0"/>
-              <a:t>16P </a:t>
-            </a:r>
-            <a:r>
-              <a:rPr lang="ja-JP" altLang="en-US" sz="2000" b="1" dirty="0"/>
-              <a:t>～ </a:t>
-            </a:r>
-            <a:r>
-              <a:rPr lang="en-US" altLang="ja-JP" sz="2000" b="1" dirty="0" smtClean="0"/>
-              <a:t>18P</a:t>
+              <a:t>16P</a:t>
+            </a:r>
+            <a:r>
+              <a:rPr lang="ja-JP" altLang="en-US" sz="2000" b="1" dirty="0" smtClean="0"/>
+              <a:t>～</a:t>
             </a:r>
             <a:endParaRPr lang="en-US" altLang="ja-JP" sz="2000" b="1" dirty="0"/>
           </a:p>
@@ -12250,15 +12234,11 @@
             </a:r>
             <a:r>
               <a:rPr lang="en-US" altLang="ja-JP" sz="2000" b="1" dirty="0" smtClean="0"/>
-              <a:t>19P </a:t>
-            </a:r>
-            <a:r>
-              <a:rPr lang="ja-JP" altLang="en-US" sz="2000" b="1" dirty="0"/>
-              <a:t>～ </a:t>
-            </a:r>
-            <a:r>
-              <a:rPr lang="en-US" altLang="ja-JP" sz="2000" b="1" dirty="0" smtClean="0"/>
-              <a:t>23P</a:t>
+              <a:t>19P</a:t>
+            </a:r>
+            <a:r>
+              <a:rPr lang="ja-JP" altLang="en-US" sz="2000" b="1" dirty="0" smtClean="0"/>
+              <a:t>～</a:t>
             </a:r>
             <a:endParaRPr lang="en-US" altLang="ja-JP" sz="2000" b="1" dirty="0"/>
           </a:p>
@@ -12280,15 +12260,11 @@
             </a:r>
             <a:r>
               <a:rPr lang="en-US" altLang="ja-JP" sz="2000" b="1" dirty="0" smtClean="0"/>
-              <a:t>24P </a:t>
-            </a:r>
-            <a:r>
-              <a:rPr lang="ja-JP" altLang="en-US" sz="2000" b="1" dirty="0"/>
-              <a:t>～ </a:t>
-            </a:r>
-            <a:r>
-              <a:rPr lang="en-US" altLang="ja-JP" sz="2000" b="1" dirty="0" smtClean="0"/>
-              <a:t>26P</a:t>
+              <a:t>24P</a:t>
+            </a:r>
+            <a:r>
+              <a:rPr lang="ja-JP" altLang="en-US" sz="2000" b="1" dirty="0" smtClean="0"/>
+              <a:t>～</a:t>
             </a:r>
             <a:endParaRPr lang="en-US" altLang="ja-JP" sz="2000" b="1" dirty="0"/>
           </a:p>
@@ -12335,16 +12311,17 @@
             </a:r>
             <a:r>
               <a:rPr lang="en-US" altLang="ja-JP" sz="2000" b="1" dirty="0" smtClean="0"/>
-              <a:t>… 28P </a:t>
+              <a:t>… </a:t>
+            </a:r>
+            <a:r>
+              <a:rPr lang="en-US" altLang="ja-JP" sz="2000" b="1" dirty="0" smtClean="0"/>
+              <a:t>28P</a:t>
             </a:r>
             <a:r>
               <a:rPr lang="ja-JP" altLang="en-US" sz="2000" b="1" dirty="0" smtClean="0"/>
-              <a:t>～ </a:t>
-            </a:r>
-            <a:r>
-              <a:rPr lang="en-US" altLang="ja-JP" sz="2000" b="1" dirty="0" smtClean="0"/>
-              <a:t>30P</a:t>
-            </a:r>
+              <a:t>～</a:t>
+            </a:r>
+            <a:endParaRPr lang="en-US" altLang="ja-JP" sz="2000" b="1" dirty="0" smtClean="0"/>
           </a:p>
           <a:p>
             <a:endParaRPr lang="en-US" altLang="ja-JP" sz="2000" b="1" dirty="0"/>
@@ -12364,16 +12341,13 @@
             </a:r>
             <a:r>
               <a:rPr lang="en-US" altLang="ja-JP" sz="2000" b="1" dirty="0" smtClean="0"/>
-              <a:t>31P </a:t>
+              <a:t>31P</a:t>
             </a:r>
             <a:r>
               <a:rPr lang="ja-JP" altLang="en-US" sz="2000" b="1" dirty="0" smtClean="0"/>
-              <a:t>～ </a:t>
-            </a:r>
-            <a:r>
-              <a:rPr lang="en-US" altLang="ja-JP" sz="2000" b="1" dirty="0" smtClean="0"/>
-              <a:t>34P</a:t>
-            </a:r>
+              <a:t>～</a:t>
+            </a:r>
+            <a:endParaRPr lang="en-US" altLang="ja-JP" sz="2000" b="1" dirty="0" smtClean="0"/>
           </a:p>
           <a:p>
             <a:endParaRPr lang="en-US" altLang="ja-JP" sz="2000" b="1" dirty="0"/>
@@ -12396,15 +12370,11 @@
             </a:r>
             <a:r>
               <a:rPr lang="en-US" altLang="ja-JP" sz="2000" b="1" dirty="0" smtClean="0"/>
-              <a:t>35P </a:t>
+              <a:t>35P</a:t>
             </a:r>
             <a:r>
               <a:rPr lang="ja-JP" altLang="en-US" sz="2000" b="1" dirty="0" smtClean="0"/>
-              <a:t>～ </a:t>
-            </a:r>
-            <a:r>
-              <a:rPr lang="en-US" altLang="ja-JP" sz="2000" b="1" dirty="0" smtClean="0"/>
-              <a:t>36P</a:t>
+              <a:t>～</a:t>
             </a:r>
             <a:endParaRPr lang="en-US" altLang="ja-JP" sz="2000" b="1" dirty="0" smtClean="0"/>
           </a:p>
@@ -12422,7 +12392,7 @@
             </a:r>
             <a:r>
               <a:rPr lang="ja-JP" altLang="en-US" sz="2000" b="1" dirty="0" smtClean="0"/>
-              <a:t>本決定</a:t>
+              <a:t>詳細</a:t>
             </a:r>
             <a:r>
               <a:rPr lang="en-US" altLang="ja-JP" sz="2000" b="1" dirty="0" smtClean="0"/>
@@ -12442,15 +12412,11 @@
             </a:r>
             <a:r>
               <a:rPr lang="en-US" altLang="ja-JP" sz="2000" b="1" dirty="0" smtClean="0"/>
-              <a:t>37P </a:t>
-            </a:r>
-            <a:r>
-              <a:rPr lang="ja-JP" altLang="en-US" sz="2000" b="1" dirty="0"/>
-              <a:t>～ </a:t>
-            </a:r>
-            <a:r>
-              <a:rPr lang="en-US" altLang="ja-JP" sz="2000" b="1" dirty="0" smtClean="0"/>
-              <a:t>39P</a:t>
+              <a:t>37P</a:t>
+            </a:r>
+            <a:r>
+              <a:rPr lang="ja-JP" altLang="en-US" sz="2000" b="1" dirty="0" smtClean="0"/>
+              <a:t>～</a:t>
             </a:r>
             <a:endParaRPr lang="en-US" altLang="ja-JP" sz="2000" b="1" dirty="0"/>
           </a:p>
@@ -37100,7 +37066,7 @@
         <p:spPr>
           <a:xfrm>
             <a:off x="178557" y="1037245"/>
-            <a:ext cx="5813344" cy="2804993"/>
+            <a:ext cx="5813344" cy="4704132"/>
           </a:xfrm>
           <a:prstGeom prst="roundRect">
             <a:avLst>
@@ -37153,7 +37119,7 @@
         <p:spPr>
           <a:xfrm>
             <a:off x="238403" y="1162468"/>
-            <a:ext cx="5753498" cy="2554545"/>
+            <a:ext cx="5753498" cy="3046988"/>
           </a:xfrm>
           <a:prstGeom prst="rect">
             <a:avLst/>
@@ -37323,7 +37289,21 @@
             </a:r>
             <a:r>
               <a:rPr lang="ja-JP" altLang="en-US" sz="1600" b="1" dirty="0" smtClean="0"/>
-              <a:t>に戻る。</a:t>
+              <a:t>に戻る</a:t>
+            </a:r>
+            <a:r>
+              <a:rPr lang="ja-JP" altLang="en-US" sz="1600" b="1" dirty="0" smtClean="0"/>
+              <a:t>。</a:t>
+            </a:r>
+            <a:endParaRPr lang="en-US" altLang="ja-JP" sz="1600" b="1" dirty="0" smtClean="0"/>
+          </a:p>
+          <a:p>
+            <a:endParaRPr lang="en-US" altLang="ja-JP" sz="1600" b="1" dirty="0"/>
+          </a:p>
+          <a:p>
+            <a:r>
+              <a:rPr lang="ja-JP" altLang="en-US" sz="1600" b="1" dirty="0" smtClean="0"/>
+              <a:t>・エリア展開中に範囲内を塗るとスコアが増える。</a:t>
             </a:r>
             <a:endParaRPr lang="en-US" altLang="ja-JP" sz="1600" b="1" dirty="0" smtClean="0"/>
           </a:p>
@@ -37338,7 +37318,7 @@
         <p:spPr>
           <a:xfrm>
             <a:off x="6163912" y="1037246"/>
-            <a:ext cx="5925510" cy="3895240"/>
+            <a:ext cx="5925510" cy="5636116"/>
           </a:xfrm>
           <a:prstGeom prst="roundRect">
             <a:avLst>
@@ -37391,7 +37371,7 @@
         <p:spPr>
           <a:xfrm>
             <a:off x="6249918" y="1162468"/>
-            <a:ext cx="5753498" cy="3539430"/>
+            <a:ext cx="5753498" cy="4031873"/>
           </a:xfrm>
           <a:prstGeom prst="rect">
             <a:avLst/>
@@ -37609,7 +37589,21 @@
             </a:r>
             <a:r>
               <a:rPr lang="ja-JP" altLang="en-US" sz="1600" b="1" dirty="0" smtClean="0"/>
-              <a:t>される。</a:t>
+              <a:t>される</a:t>
+            </a:r>
+            <a:r>
+              <a:rPr lang="ja-JP" altLang="en-US" sz="1600" b="1" dirty="0" smtClean="0"/>
+              <a:t>。</a:t>
+            </a:r>
+            <a:endParaRPr lang="en-US" altLang="ja-JP" sz="1600" b="1" dirty="0" smtClean="0"/>
+          </a:p>
+          <a:p>
+            <a:endParaRPr lang="en-US" altLang="ja-JP" sz="1600" b="1" dirty="0"/>
+          </a:p>
+          <a:p>
+            <a:r>
+              <a:rPr lang="ja-JP" altLang="en-US" sz="1600" b="1" dirty="0" smtClean="0"/>
+              <a:t>・エリア展開中に範囲内を塗るとスコアが増える。</a:t>
             </a:r>
             <a:endParaRPr lang="en-US" altLang="ja-JP" sz="1600" b="1" dirty="0" smtClean="0"/>
           </a:p>
@@ -39750,7 +39744,7 @@
         <p:spPr>
           <a:xfrm>
             <a:off x="0" y="185446"/>
-            <a:ext cx="6200736" cy="769441"/>
+            <a:ext cx="5636479" cy="769441"/>
           </a:xfrm>
           <a:prstGeom prst="rect">
             <a:avLst/>
@@ -39776,8 +39770,8 @@
               <a:t>(</a:t>
             </a:r>
             <a:r>
-              <a:rPr lang="ja-JP" altLang="en-US" sz="4400" b="1" dirty="0" smtClean="0"/>
-              <a:t>本決定</a:t>
+              <a:rPr lang="ja-JP" altLang="en-US" sz="4400" b="1" dirty="0"/>
+              <a:t>詳細</a:t>
             </a:r>
             <a:r>
               <a:rPr lang="en-US" altLang="ja-JP" sz="4400" b="1" dirty="0" smtClean="0"/>
@@ -40164,7 +40158,7 @@
         <p:spPr>
           <a:xfrm>
             <a:off x="0" y="185446"/>
-            <a:ext cx="6200736" cy="769441"/>
+            <a:ext cx="5636479" cy="769441"/>
           </a:xfrm>
           <a:prstGeom prst="rect">
             <a:avLst/>
@@ -40191,7 +40185,7 @@
             </a:r>
             <a:r>
               <a:rPr lang="ja-JP" altLang="en-US" sz="4400" b="1" dirty="0" smtClean="0"/>
-              <a:t>本決定</a:t>
+              <a:t>詳細</a:t>
             </a:r>
             <a:r>
               <a:rPr lang="en-US" altLang="ja-JP" sz="4400" b="1" dirty="0" smtClean="0"/>
@@ -40714,7 +40708,7 @@
         <p:spPr>
           <a:xfrm>
             <a:off x="0" y="185446"/>
-            <a:ext cx="6200736" cy="769441"/>
+            <a:ext cx="5636479" cy="769441"/>
           </a:xfrm>
           <a:prstGeom prst="rect">
             <a:avLst/>
@@ -40741,7 +40735,7 @@
             </a:r>
             <a:r>
               <a:rPr lang="ja-JP" altLang="en-US" sz="4400" b="1" dirty="0" smtClean="0"/>
-              <a:t>本決定</a:t>
+              <a:t>詳細</a:t>
             </a:r>
             <a:r>
               <a:rPr lang="en-US" altLang="ja-JP" sz="4400" b="1" dirty="0" smtClean="0"/>
@@ -41418,8 +41412,8 @@
         </p:nvSpPr>
         <p:spPr>
           <a:xfrm>
-            <a:off x="635864" y="1178226"/>
-            <a:ext cx="10990610" cy="3472906"/>
+            <a:off x="240211" y="1178225"/>
+            <a:ext cx="5131889" cy="5477551"/>
           </a:xfrm>
           <a:prstGeom prst="roundRect">
             <a:avLst>
@@ -41513,8 +41507,219 @@
         </p:nvSpPr>
         <p:spPr>
           <a:xfrm>
-            <a:off x="857226" y="1401713"/>
-            <a:ext cx="10296408" cy="2862322"/>
+            <a:off x="416833" y="1401713"/>
+            <a:ext cx="4778643" cy="4154984"/>
+          </a:xfrm>
+          <a:prstGeom prst="rect">
+            <a:avLst/>
+          </a:prstGeom>
+          <a:noFill/>
+        </p:spPr>
+        <p:txBody>
+          <a:bodyPr wrap="square" rtlCol="0">
+            <a:spAutoFit/>
+          </a:bodyPr>
+          <a:lstStyle/>
+          <a:p>
+            <a:r>
+              <a:rPr lang="ja-JP" altLang="en-US" sz="1600" b="1" dirty="0" smtClean="0"/>
+              <a:t>・タイトルロゴの動き</a:t>
+            </a:r>
+            <a:r>
+              <a:rPr lang="en-US" altLang="ja-JP" sz="1600" b="1" dirty="0" smtClean="0"/>
+              <a:t>(</a:t>
+            </a:r>
+            <a:r>
+              <a:rPr lang="ja-JP" altLang="en-US" sz="1600" b="1" dirty="0" smtClean="0"/>
+              <a:t>上下揺れ、</a:t>
+            </a:r>
+            <a:r>
+              <a:rPr lang="en-US" altLang="ja-JP" sz="1600" b="1" dirty="0" smtClean="0"/>
+              <a:t>Z</a:t>
+            </a:r>
+            <a:r>
+              <a:rPr lang="ja-JP" altLang="en-US" sz="1600" b="1" dirty="0" smtClean="0"/>
+              <a:t>軸にゆらゆら揺れ</a:t>
+            </a:r>
+            <a:r>
+              <a:rPr lang="ja-JP" altLang="en-US" sz="1600" b="1" dirty="0"/>
+              <a:t>る</a:t>
+            </a:r>
+            <a:r>
+              <a:rPr lang="ja-JP" altLang="en-US" sz="1600" b="1" dirty="0" smtClean="0"/>
+              <a:t>感じ、伸び縮み等</a:t>
+            </a:r>
+            <a:r>
+              <a:rPr lang="en-US" altLang="ja-JP" sz="1600" b="1" dirty="0" smtClean="0"/>
+              <a:t>)</a:t>
+            </a:r>
+          </a:p>
+          <a:p>
+            <a:endParaRPr kumimoji="1" lang="en-US" altLang="ja-JP" sz="1600" b="1" dirty="0"/>
+          </a:p>
+          <a:p>
+            <a:r>
+              <a:rPr lang="ja-JP" altLang="en-US" sz="1600" b="1" dirty="0" smtClean="0"/>
+              <a:t>・「チュートリアルへ」「ゲームルール</a:t>
+            </a:r>
+            <a:r>
+              <a:rPr lang="ja-JP" altLang="en-US" sz="1600" b="1" dirty="0"/>
+              <a:t>選択</a:t>
+            </a:r>
+            <a:r>
+              <a:rPr lang="ja-JP" altLang="en-US" sz="1600" b="1" dirty="0" smtClean="0"/>
+              <a:t>へ」「終了」の選択肢の表現</a:t>
+            </a:r>
+            <a:endParaRPr lang="en-US" altLang="ja-JP" sz="1600" b="1" dirty="0" smtClean="0"/>
+          </a:p>
+          <a:p>
+            <a:r>
+              <a:rPr kumimoji="1" lang="ja-JP" altLang="en-US" sz="1600" b="1" dirty="0"/>
+              <a:t>　</a:t>
+            </a:r>
+            <a:r>
+              <a:rPr kumimoji="1" lang="en-US" altLang="ja-JP" sz="1600" b="1" dirty="0" smtClean="0"/>
+              <a:t>(</a:t>
+            </a:r>
+            <a:r>
+              <a:rPr kumimoji="1" lang="ja-JP" altLang="en-US" sz="1600" b="1" dirty="0" smtClean="0"/>
+              <a:t>選択している項目を点滅させる、色を変える等。カーソルもいいかも</a:t>
+            </a:r>
+            <a:r>
+              <a:rPr kumimoji="1" lang="en-US" altLang="ja-JP" sz="1600" b="1" dirty="0" smtClean="0"/>
+              <a:t>)</a:t>
+            </a:r>
+          </a:p>
+          <a:p>
+            <a:endParaRPr lang="en-US" altLang="ja-JP" sz="1600" b="1" dirty="0"/>
+          </a:p>
+          <a:p>
+            <a:r>
+              <a:rPr lang="ja-JP" altLang="en-US" sz="1600" b="1" dirty="0" smtClean="0"/>
+              <a:t>・背景にモデルで建物等を配置し、カメラ移動で動きを付ける。</a:t>
+            </a:r>
+            <a:endParaRPr lang="en-US" altLang="ja-JP" sz="1600" b="1" dirty="0" smtClean="0"/>
+          </a:p>
+          <a:p>
+            <a:r>
+              <a:rPr kumimoji="1" lang="ja-JP" altLang="en-US" sz="1600" b="1" dirty="0"/>
+              <a:t>　</a:t>
+            </a:r>
+            <a:r>
+              <a:rPr kumimoji="1" lang="ja-JP" altLang="en-US" sz="1600" b="1" dirty="0" smtClean="0"/>
+              <a:t>→注視点を複数モデルの中央辺りに設定して、それをグルグル回る感じのカメラ</a:t>
+            </a:r>
+            <a:r>
+              <a:rPr lang="ja-JP" altLang="en-US" sz="1600" b="1" dirty="0" smtClean="0"/>
+              <a:t>ワーク</a:t>
+            </a:r>
+            <a:r>
+              <a:rPr lang="en-US" altLang="ja-JP" sz="1600" b="1" dirty="0" smtClean="0"/>
+              <a:t>(</a:t>
+            </a:r>
+            <a:r>
+              <a:rPr lang="ja-JP" altLang="en-US" sz="1600" b="1" dirty="0" smtClean="0"/>
+              <a:t>伝われ</a:t>
+            </a:r>
+            <a:r>
+              <a:rPr lang="en-US" altLang="ja-JP" sz="1600" b="1" dirty="0" smtClean="0"/>
+              <a:t>)</a:t>
+            </a:r>
+          </a:p>
+          <a:p>
+            <a:r>
+              <a:rPr lang="ja-JP" altLang="en-US" sz="1600" b="1" dirty="0" smtClean="0"/>
+              <a:t>　→斜め上から見下ろすように。</a:t>
+            </a:r>
+            <a:endParaRPr lang="en-US" altLang="ja-JP" sz="1600" b="1" dirty="0" smtClean="0"/>
+          </a:p>
+          <a:p>
+            <a:endParaRPr lang="en-US" altLang="ja-JP" sz="1600" b="1" dirty="0"/>
+          </a:p>
+          <a:p>
+            <a:r>
+              <a:rPr lang="ja-JP" altLang="en-US" sz="1600" b="1" dirty="0" smtClean="0"/>
+              <a:t>・カーソルがある場合は、</a:t>
+            </a:r>
+            <a:r>
+              <a:rPr lang="en-US" altLang="ja-JP" sz="1600" b="1" dirty="0" smtClean="0"/>
+              <a:t>sin</a:t>
+            </a:r>
+            <a:r>
+              <a:rPr lang="ja-JP" altLang="en-US" sz="1600" b="1" dirty="0" smtClean="0"/>
+              <a:t>カーブ等で左右にゆったり動くような動きが欲しい</a:t>
+            </a:r>
+            <a:r>
+              <a:rPr lang="ja-JP" altLang="en-US" sz="1600" b="1" dirty="0" smtClean="0"/>
+              <a:t>。</a:t>
+            </a:r>
+            <a:endParaRPr lang="en-US" altLang="ja-JP" sz="1600" b="1" dirty="0" smtClean="0"/>
+          </a:p>
+        </p:txBody>
+      </p:sp>
+      <p:sp>
+        <p:nvSpPr>
+          <p:cNvPr id="6" name="角丸四角形 5"/>
+          <p:cNvSpPr/>
+          <p:nvPr/>
+        </p:nvSpPr>
+        <p:spPr>
+          <a:xfrm>
+            <a:off x="5507104" y="1178226"/>
+            <a:ext cx="6411652" cy="1591352"/>
+          </a:xfrm>
+          <a:prstGeom prst="roundRect">
+            <a:avLst>
+              <a:gd name="adj" fmla="val 6667"/>
+            </a:avLst>
+          </a:prstGeom>
+          <a:solidFill>
+            <a:schemeClr val="accent4">
+              <a:lumMod val="40000"/>
+              <a:lumOff val="60000"/>
+            </a:schemeClr>
+          </a:solidFill>
+          <a:ln w="19050">
+            <a:solidFill>
+              <a:schemeClr val="tx1"/>
+            </a:solidFill>
+          </a:ln>
+        </p:spPr>
+        <p:style>
+          <a:lnRef idx="2">
+            <a:schemeClr val="accent1">
+              <a:shade val="50000"/>
+            </a:schemeClr>
+          </a:lnRef>
+          <a:fillRef idx="1">
+            <a:schemeClr val="accent1"/>
+          </a:fillRef>
+          <a:effectRef idx="0">
+            <a:schemeClr val="accent1"/>
+          </a:effectRef>
+          <a:fontRef idx="minor">
+            <a:schemeClr val="lt1"/>
+          </a:fontRef>
+        </p:style>
+        <p:txBody>
+          <a:bodyPr rtlCol="0" anchor="ctr"/>
+          <a:lstStyle/>
+          <a:p>
+            <a:pPr algn="ctr"/>
+            <a:endParaRPr kumimoji="1" lang="ja-JP" altLang="en-US" dirty="0"/>
+          </a:p>
+        </p:txBody>
+      </p:sp>
+      <p:sp>
+        <p:nvSpPr>
+          <p:cNvPr id="3" name="テキスト ボックス 2"/>
+          <p:cNvSpPr txBox="1"/>
+          <p:nvPr/>
+        </p:nvSpPr>
+        <p:spPr>
+          <a:xfrm>
+            <a:off x="5666845" y="1555601"/>
+            <a:ext cx="5929828" cy="738664"/>
           </a:xfrm>
           <a:prstGeom prst="rect">
             <a:avLst/>
@@ -41528,134 +41733,236 @@
           <a:lstStyle/>
           <a:p>
             <a:r>
-              <a:rPr lang="ja-JP" altLang="en-US" b="1" dirty="0" smtClean="0"/>
-              <a:t>・タイトルロゴの動き</a:t>
-            </a:r>
-            <a:r>
-              <a:rPr lang="en-US" altLang="ja-JP" b="1" dirty="0" smtClean="0"/>
-              <a:t>(</a:t>
-            </a:r>
-            <a:r>
-              <a:rPr lang="ja-JP" altLang="en-US" b="1" dirty="0" smtClean="0"/>
-              <a:t>上下揺れ、</a:t>
-            </a:r>
-            <a:r>
-              <a:rPr lang="en-US" altLang="ja-JP" b="1" dirty="0" smtClean="0"/>
-              <a:t>Z</a:t>
-            </a:r>
-            <a:r>
-              <a:rPr lang="ja-JP" altLang="en-US" b="1" dirty="0" smtClean="0"/>
-              <a:t>軸にゆらゆら揺れ</a:t>
-            </a:r>
-            <a:r>
-              <a:rPr lang="ja-JP" altLang="en-US" b="1" dirty="0"/>
-              <a:t>る</a:t>
-            </a:r>
-            <a:r>
-              <a:rPr lang="ja-JP" altLang="en-US" b="1" dirty="0" smtClean="0"/>
-              <a:t>感じ、伸び縮み等</a:t>
-            </a:r>
-            <a:r>
-              <a:rPr lang="en-US" altLang="ja-JP" b="1" dirty="0" smtClean="0"/>
-              <a:t>)</a:t>
-            </a:r>
-          </a:p>
-          <a:p>
-            <a:endParaRPr kumimoji="1" lang="en-US" altLang="ja-JP" b="1" dirty="0"/>
-          </a:p>
-          <a:p>
-            <a:r>
-              <a:rPr lang="ja-JP" altLang="en-US" b="1" dirty="0" smtClean="0"/>
-              <a:t>・「チュートリアルへ」「ゲームルール</a:t>
-            </a:r>
-            <a:r>
-              <a:rPr lang="ja-JP" altLang="en-US" b="1" dirty="0"/>
-              <a:t>選択</a:t>
-            </a:r>
-            <a:r>
-              <a:rPr lang="ja-JP" altLang="en-US" b="1" dirty="0" smtClean="0"/>
-              <a:t>へ」「終了」の選択肢の表現</a:t>
-            </a:r>
-            <a:endParaRPr lang="en-US" altLang="ja-JP" b="1" dirty="0" smtClean="0"/>
-          </a:p>
-          <a:p>
-            <a:r>
-              <a:rPr kumimoji="1" lang="ja-JP" altLang="en-US" b="1" dirty="0"/>
+              <a:rPr lang="ja-JP" altLang="en-US" sz="1400" b="1" dirty="0" smtClean="0"/>
+              <a:t>・建物</a:t>
+            </a:r>
+            <a:r>
+              <a:rPr lang="ja-JP" altLang="en-US" sz="1400" b="1" dirty="0"/>
+              <a:t>等</a:t>
+            </a:r>
+            <a:r>
+              <a:rPr lang="ja-JP" altLang="en-US" sz="1400" b="1" dirty="0" smtClean="0"/>
+              <a:t>を配置して街並みを作り、カメラを地面すれすれから見上げる</a:t>
+            </a:r>
+            <a:endParaRPr lang="en-US" altLang="ja-JP" sz="1400" b="1" dirty="0"/>
+          </a:p>
+          <a:p>
+            <a:r>
+              <a:rPr lang="ja-JP" altLang="en-US" sz="1400" b="1" dirty="0" smtClean="0"/>
+              <a:t>　アングルに固定する。</a:t>
+            </a:r>
+            <a:r>
+              <a:rPr kumimoji="1" lang="ja-JP" altLang="en-US" sz="1400" b="1" dirty="0" smtClean="0"/>
+              <a:t>電光掲示板の広告、通行人、車など、日常の一</a:t>
+            </a:r>
+            <a:endParaRPr kumimoji="1" lang="en-US" altLang="ja-JP" sz="1400" b="1" dirty="0" smtClean="0"/>
+          </a:p>
+          <a:p>
+            <a:r>
+              <a:rPr lang="ja-JP" altLang="en-US" sz="1400" b="1" dirty="0" smtClean="0"/>
               <a:t>　</a:t>
             </a:r>
             <a:r>
-              <a:rPr kumimoji="1" lang="en-US" altLang="ja-JP" b="1" dirty="0" smtClean="0"/>
-              <a:t>(</a:t>
-            </a:r>
-            <a:r>
-              <a:rPr kumimoji="1" lang="ja-JP" altLang="en-US" b="1" dirty="0" smtClean="0"/>
-              <a:t>選択している項目を点滅させる、色を変える等。カーソルもいいかも</a:t>
-            </a:r>
-            <a:r>
-              <a:rPr kumimoji="1" lang="en-US" altLang="ja-JP" b="1" dirty="0" smtClean="0"/>
-              <a:t>)</a:t>
-            </a:r>
-          </a:p>
-          <a:p>
-            <a:endParaRPr lang="en-US" altLang="ja-JP" b="1" dirty="0"/>
-          </a:p>
-          <a:p>
-            <a:r>
-              <a:rPr lang="ja-JP" altLang="en-US" b="1" dirty="0" smtClean="0"/>
-              <a:t>・背景にモデルで建物等を配置し、カメラ移動で動きを付ける。</a:t>
-            </a:r>
-            <a:endParaRPr lang="en-US" altLang="ja-JP" b="1" dirty="0" smtClean="0"/>
-          </a:p>
-          <a:p>
-            <a:r>
-              <a:rPr kumimoji="1" lang="ja-JP" altLang="en-US" b="1" dirty="0"/>
+              <a:rPr kumimoji="1" lang="ja-JP" altLang="en-US" sz="1400" b="1" dirty="0" smtClean="0"/>
+              <a:t>部をライブ中継している</a:t>
+            </a:r>
+            <a:r>
+              <a:rPr lang="ja-JP" altLang="en-US" sz="1400" b="1" dirty="0" smtClean="0"/>
+              <a:t>風に見えるように動きを付ける。</a:t>
+            </a:r>
+            <a:endParaRPr lang="en-US" altLang="ja-JP" sz="1400" b="1" dirty="0" smtClean="0"/>
+          </a:p>
+        </p:txBody>
+      </p:sp>
+      <p:sp>
+        <p:nvSpPr>
+          <p:cNvPr id="8" name="テキスト ボックス 7"/>
+          <p:cNvSpPr txBox="1"/>
+          <p:nvPr/>
+        </p:nvSpPr>
+        <p:spPr>
+          <a:xfrm>
+            <a:off x="8120460" y="1247824"/>
+            <a:ext cx="1184940" cy="307777"/>
+          </a:xfrm>
+          <a:prstGeom prst="rect">
+            <a:avLst/>
+          </a:prstGeom>
+          <a:noFill/>
+        </p:spPr>
+        <p:txBody>
+          <a:bodyPr wrap="none" rtlCol="0">
+            <a:spAutoFit/>
+          </a:bodyPr>
+          <a:lstStyle/>
+          <a:p>
+            <a:r>
+              <a:rPr lang="en-US" altLang="ja-JP" sz="1400" b="1" dirty="0" smtClean="0"/>
+              <a:t>《 </a:t>
+            </a:r>
+            <a:r>
+              <a:rPr lang="ja-JP" altLang="en-US" sz="1400" b="1" dirty="0" smtClean="0"/>
+              <a:t>背景案 </a:t>
+            </a:r>
+            <a:r>
+              <a:rPr lang="en-US" altLang="ja-JP" sz="1400" b="1" dirty="0" smtClean="0"/>
+              <a:t>》</a:t>
+            </a:r>
+            <a:endParaRPr kumimoji="1" lang="ja-JP" altLang="en-US" sz="1400" b="1" dirty="0"/>
+          </a:p>
+        </p:txBody>
+      </p:sp>
+      <p:sp>
+        <p:nvSpPr>
+          <p:cNvPr id="9" name="角丸四角形 8"/>
+          <p:cNvSpPr/>
+          <p:nvPr/>
+        </p:nvSpPr>
+        <p:spPr>
+          <a:xfrm>
+            <a:off x="5507104" y="2887083"/>
+            <a:ext cx="6411652" cy="1591352"/>
+          </a:xfrm>
+          <a:prstGeom prst="roundRect">
+            <a:avLst>
+              <a:gd name="adj" fmla="val 6667"/>
+            </a:avLst>
+          </a:prstGeom>
+          <a:solidFill>
+            <a:schemeClr val="accent4">
+              <a:lumMod val="40000"/>
+              <a:lumOff val="60000"/>
+            </a:schemeClr>
+          </a:solidFill>
+          <a:ln w="19050">
+            <a:solidFill>
+              <a:schemeClr val="tx1"/>
+            </a:solidFill>
+          </a:ln>
+        </p:spPr>
+        <p:style>
+          <a:lnRef idx="2">
+            <a:schemeClr val="accent1">
+              <a:shade val="50000"/>
+            </a:schemeClr>
+          </a:lnRef>
+          <a:fillRef idx="1">
+            <a:schemeClr val="accent1"/>
+          </a:fillRef>
+          <a:effectRef idx="0">
+            <a:schemeClr val="accent1"/>
+          </a:effectRef>
+          <a:fontRef idx="minor">
+            <a:schemeClr val="lt1"/>
+          </a:fontRef>
+        </p:style>
+        <p:txBody>
+          <a:bodyPr rtlCol="0" anchor="ctr"/>
+          <a:lstStyle/>
+          <a:p>
+            <a:pPr algn="ctr"/>
+            <a:endParaRPr kumimoji="1" lang="ja-JP" altLang="en-US" dirty="0"/>
+          </a:p>
+        </p:txBody>
+      </p:sp>
+      <p:sp>
+        <p:nvSpPr>
+          <p:cNvPr id="10" name="テキスト ボックス 9"/>
+          <p:cNvSpPr txBox="1"/>
+          <p:nvPr/>
+        </p:nvSpPr>
+        <p:spPr>
+          <a:xfrm>
+            <a:off x="7761387" y="2993064"/>
+            <a:ext cx="1903085" cy="307777"/>
+          </a:xfrm>
+          <a:prstGeom prst="rect">
+            <a:avLst/>
+          </a:prstGeom>
+          <a:noFill/>
+        </p:spPr>
+        <p:txBody>
+          <a:bodyPr wrap="none" rtlCol="0">
+            <a:spAutoFit/>
+          </a:bodyPr>
+          <a:lstStyle/>
+          <a:p>
+            <a:r>
+              <a:rPr lang="en-US" altLang="ja-JP" sz="1400" b="1" dirty="0" smtClean="0"/>
+              <a:t>《 </a:t>
+            </a:r>
+            <a:r>
+              <a:rPr lang="ja-JP" altLang="en-US" sz="1400" b="1" dirty="0"/>
+              <a:t>タイトルロゴ</a:t>
+            </a:r>
+            <a:r>
+              <a:rPr lang="ja-JP" altLang="en-US" sz="1400" b="1" dirty="0" smtClean="0"/>
+              <a:t>案 </a:t>
+            </a:r>
+            <a:r>
+              <a:rPr lang="en-US" altLang="ja-JP" sz="1400" b="1" dirty="0" smtClean="0"/>
+              <a:t>》</a:t>
+            </a:r>
+            <a:endParaRPr kumimoji="1" lang="ja-JP" altLang="en-US" sz="1400" b="1" dirty="0"/>
+          </a:p>
+        </p:txBody>
+      </p:sp>
+      <p:sp>
+        <p:nvSpPr>
+          <p:cNvPr id="11" name="テキスト ボックス 10"/>
+          <p:cNvSpPr txBox="1"/>
+          <p:nvPr/>
+        </p:nvSpPr>
+        <p:spPr>
+          <a:xfrm>
+            <a:off x="5658246" y="3295830"/>
+            <a:ext cx="6109365" cy="954107"/>
+          </a:xfrm>
+          <a:prstGeom prst="rect">
+            <a:avLst/>
+          </a:prstGeom>
+          <a:noFill/>
+        </p:spPr>
+        <p:txBody>
+          <a:bodyPr wrap="none" rtlCol="0">
+            <a:spAutoFit/>
+          </a:bodyPr>
+          <a:lstStyle/>
+          <a:p>
+            <a:r>
+              <a:rPr lang="ja-JP" altLang="en-US" sz="1400" b="1" dirty="0" smtClean="0"/>
+              <a:t>・タイトル名の形をパネル配置で再現し、プレイヤーモデルを大量に出現</a:t>
+            </a:r>
+            <a:endParaRPr lang="en-US" altLang="ja-JP" sz="1400" b="1" dirty="0" smtClean="0"/>
+          </a:p>
+          <a:p>
+            <a:r>
+              <a:rPr lang="ja-JP" altLang="en-US" sz="1400" b="1" dirty="0"/>
               <a:t>　</a:t>
             </a:r>
             <a:r>
-              <a:rPr kumimoji="1" lang="ja-JP" altLang="en-US" b="1" dirty="0" smtClean="0"/>
-              <a:t>→注視点を複数モデルの中央辺りに設定して、それをグルグル回る感じのカメラ</a:t>
-            </a:r>
-            <a:r>
-              <a:rPr lang="ja-JP" altLang="en-US" b="1" dirty="0" smtClean="0"/>
-              <a:t>ワーク</a:t>
-            </a:r>
-            <a:r>
-              <a:rPr lang="en-US" altLang="ja-JP" b="1" dirty="0" smtClean="0"/>
-              <a:t>(</a:t>
-            </a:r>
-            <a:r>
-              <a:rPr lang="ja-JP" altLang="en-US" b="1" dirty="0" smtClean="0"/>
-              <a:t>伝われ</a:t>
-            </a:r>
-            <a:r>
-              <a:rPr lang="en-US" altLang="ja-JP" b="1" dirty="0" smtClean="0"/>
-              <a:t>)</a:t>
-            </a:r>
-          </a:p>
-          <a:p>
-            <a:r>
-              <a:rPr lang="ja-JP" altLang="en-US" b="1" dirty="0" smtClean="0"/>
-              <a:t>　→斜め上から見下ろすように。</a:t>
-            </a:r>
-            <a:endParaRPr lang="en-US" altLang="ja-JP" b="1" dirty="0" smtClean="0"/>
-          </a:p>
-          <a:p>
-            <a:endParaRPr lang="en-US" altLang="ja-JP" b="1" dirty="0"/>
-          </a:p>
-          <a:p>
-            <a:r>
-              <a:rPr lang="ja-JP" altLang="en-US" b="1" dirty="0" smtClean="0"/>
-              <a:t>・カーソルがある場合は、</a:t>
-            </a:r>
-            <a:r>
-              <a:rPr lang="en-US" altLang="ja-JP" b="1" dirty="0" smtClean="0"/>
-              <a:t>sin</a:t>
-            </a:r>
-            <a:r>
-              <a:rPr lang="ja-JP" altLang="en-US" b="1" dirty="0" smtClean="0"/>
-              <a:t>カーブ等で左右にゆったり動くような動きが欲しい。</a:t>
-            </a:r>
-            <a:endParaRPr lang="en-US" altLang="ja-JP" b="1" dirty="0" smtClean="0"/>
+              <a:rPr lang="ja-JP" altLang="en-US" sz="1400" b="1" dirty="0" smtClean="0"/>
+              <a:t>させて色を塗る。</a:t>
+            </a:r>
+            <a:r>
+              <a:rPr lang="ja-JP" altLang="en-US" sz="1400" b="1" dirty="0" err="1" smtClean="0"/>
+              <a:t>わちゃわちゃ</a:t>
+            </a:r>
+            <a:r>
+              <a:rPr lang="ja-JP" altLang="en-US" sz="1400" b="1" dirty="0" smtClean="0"/>
+              <a:t>塗って人がはけたらロゴになっている。</a:t>
+            </a:r>
+            <a:endParaRPr lang="en-US" altLang="ja-JP" sz="1400" b="1" dirty="0" smtClean="0"/>
+          </a:p>
+          <a:p>
+            <a:endParaRPr lang="en-US" altLang="ja-JP" sz="1400" b="1" dirty="0"/>
+          </a:p>
+          <a:p>
+            <a:r>
+              <a:rPr lang="ja-JP" altLang="en-US" sz="1400" b="1" dirty="0" smtClean="0"/>
+              <a:t>・</a:t>
+            </a:r>
+            <a:endParaRPr lang="en-US" altLang="ja-JP" sz="1400" b="1" dirty="0" smtClean="0"/>
           </a:p>
         </p:txBody>
       </p:sp>
@@ -41676,6 +41983,662 @@
       </p:par>
     </p:tnLst>
   </p:timing>
+</p:sld>
+</file>
+
+<file path=ppt/slides/slide40.xml><?xml version="1.0" encoding="utf-8"?>
+<p:sld xmlns:a="http://schemas.openxmlformats.org/drawingml/2006/main" xmlns:r="http://schemas.openxmlformats.org/officeDocument/2006/relationships" xmlns:p="http://schemas.openxmlformats.org/presentationml/2006/main">
+  <p:cSld>
+    <p:spTree>
+      <p:nvGrpSpPr>
+        <p:cNvPr id="1" name=""/>
+        <p:cNvGrpSpPr/>
+        <p:nvPr/>
+      </p:nvGrpSpPr>
+      <p:grpSpPr>
+        <a:xfrm>
+          <a:off x="0" y="0"/>
+          <a:ext cx="0" cy="0"/>
+          <a:chOff x="0" y="0"/>
+          <a:chExt cx="0" cy="0"/>
+        </a:xfrm>
+      </p:grpSpPr>
+      <p:sp>
+        <p:nvSpPr>
+          <p:cNvPr id="2" name="テキスト ボックス 1"/>
+          <p:cNvSpPr txBox="1"/>
+          <p:nvPr/>
+        </p:nvSpPr>
+        <p:spPr>
+          <a:xfrm>
+            <a:off x="0" y="185446"/>
+            <a:ext cx="5636479" cy="769441"/>
+          </a:xfrm>
+          <a:prstGeom prst="rect">
+            <a:avLst/>
+          </a:prstGeom>
+          <a:noFill/>
+        </p:spPr>
+        <p:txBody>
+          <a:bodyPr wrap="none" rtlCol="0">
+            <a:spAutoFit/>
+          </a:bodyPr>
+          <a:lstStyle/>
+          <a:p>
+            <a:r>
+              <a:rPr kumimoji="1" lang="en-US" altLang="ja-JP" sz="4400" b="1" dirty="0" smtClean="0"/>
+              <a:t>《</a:t>
+            </a:r>
+            <a:r>
+              <a:rPr lang="ja-JP" altLang="en-US" sz="4400" b="1" dirty="0" smtClean="0"/>
+              <a:t>仕様</a:t>
+            </a:r>
+            <a:r>
+              <a:rPr lang="en-US" altLang="ja-JP" sz="4400" b="1" dirty="0" smtClean="0"/>
+              <a:t>(</a:t>
+            </a:r>
+            <a:r>
+              <a:rPr lang="ja-JP" altLang="en-US" sz="4400" b="1" dirty="0" smtClean="0"/>
+              <a:t>詳細</a:t>
+            </a:r>
+            <a:r>
+              <a:rPr lang="en-US" altLang="ja-JP" sz="4400" b="1" dirty="0" smtClean="0"/>
+              <a:t>)</a:t>
+            </a:r>
+            <a:r>
+              <a:rPr lang="ja-JP" altLang="en-US" sz="4400" b="1" dirty="0" smtClean="0"/>
+              <a:t>：</a:t>
+            </a:r>
+            <a:r>
+              <a:rPr lang="en-US" altLang="ja-JP" sz="4400" b="1" dirty="0" smtClean="0"/>
+              <a:t>1-4</a:t>
+            </a:r>
+            <a:r>
+              <a:rPr kumimoji="1" lang="ja-JP" altLang="en-US" sz="4400" b="1" dirty="0" smtClean="0"/>
+              <a:t> </a:t>
+            </a:r>
+            <a:r>
+              <a:rPr kumimoji="1" lang="en-US" altLang="ja-JP" sz="4400" b="1" dirty="0" smtClean="0"/>
+              <a:t>》</a:t>
+            </a:r>
+            <a:endParaRPr kumimoji="1" lang="ja-JP" altLang="en-US" sz="4400" b="1" dirty="0"/>
+          </a:p>
+        </p:txBody>
+      </p:sp>
+      <p:sp>
+        <p:nvSpPr>
+          <p:cNvPr id="3" name="角丸四角形 2"/>
+          <p:cNvSpPr/>
+          <p:nvPr/>
+        </p:nvSpPr>
+        <p:spPr>
+          <a:xfrm>
+            <a:off x="338447" y="993587"/>
+            <a:ext cx="11515106" cy="5688567"/>
+          </a:xfrm>
+          <a:prstGeom prst="roundRect">
+            <a:avLst>
+              <a:gd name="adj" fmla="val 6667"/>
+            </a:avLst>
+          </a:prstGeom>
+          <a:solidFill>
+            <a:schemeClr val="accent4">
+              <a:lumMod val="40000"/>
+              <a:lumOff val="60000"/>
+            </a:schemeClr>
+          </a:solidFill>
+          <a:ln w="19050">
+            <a:solidFill>
+              <a:schemeClr val="tx1"/>
+            </a:solidFill>
+          </a:ln>
+        </p:spPr>
+        <p:style>
+          <a:lnRef idx="2">
+            <a:schemeClr val="accent1">
+              <a:shade val="50000"/>
+            </a:schemeClr>
+          </a:lnRef>
+          <a:fillRef idx="1">
+            <a:schemeClr val="accent1"/>
+          </a:fillRef>
+          <a:effectRef idx="0">
+            <a:schemeClr val="accent1"/>
+          </a:effectRef>
+          <a:fontRef idx="minor">
+            <a:schemeClr val="lt1"/>
+          </a:fontRef>
+        </p:style>
+        <p:txBody>
+          <a:bodyPr rtlCol="0" anchor="ctr"/>
+          <a:lstStyle/>
+          <a:p>
+            <a:pPr algn="ctr"/>
+            <a:endParaRPr kumimoji="1" lang="ja-JP" altLang="en-US"/>
+          </a:p>
+        </p:txBody>
+      </p:sp>
+      <p:sp>
+        <p:nvSpPr>
+          <p:cNvPr id="4" name="テキスト ボックス 3"/>
+          <p:cNvSpPr txBox="1"/>
+          <p:nvPr/>
+        </p:nvSpPr>
+        <p:spPr>
+          <a:xfrm>
+            <a:off x="496741" y="1190700"/>
+            <a:ext cx="3877985" cy="3416320"/>
+          </a:xfrm>
+          <a:prstGeom prst="rect">
+            <a:avLst/>
+          </a:prstGeom>
+          <a:noFill/>
+        </p:spPr>
+        <p:txBody>
+          <a:bodyPr wrap="none" rtlCol="0">
+            <a:spAutoFit/>
+          </a:bodyPr>
+          <a:lstStyle/>
+          <a:p>
+            <a:r>
+              <a:rPr lang="ja-JP" altLang="en-US" b="1" dirty="0" smtClean="0"/>
+              <a:t>スキル案</a:t>
+            </a:r>
+            <a:endParaRPr lang="en-US" altLang="ja-JP" b="1" dirty="0" smtClean="0"/>
+          </a:p>
+          <a:p>
+            <a:endParaRPr lang="en-US" altLang="ja-JP" b="1" dirty="0" smtClean="0"/>
+          </a:p>
+          <a:p>
+            <a:r>
+              <a:rPr lang="en-US" altLang="ja-JP" b="1" dirty="0" smtClean="0"/>
+              <a:t>《</a:t>
+            </a:r>
+            <a:r>
+              <a:rPr lang="ja-JP" altLang="en-US" b="1" dirty="0" smtClean="0"/>
+              <a:t>アクティブ</a:t>
+            </a:r>
+            <a:r>
+              <a:rPr lang="en-US" altLang="ja-JP" b="1" dirty="0" smtClean="0"/>
+              <a:t>》</a:t>
+            </a:r>
+            <a:endParaRPr lang="en-US" altLang="ja-JP" b="1" dirty="0" smtClean="0"/>
+          </a:p>
+          <a:p>
+            <a:r>
+              <a:rPr lang="ja-JP" altLang="en-US" b="1" dirty="0" smtClean="0"/>
+              <a:t>・スピードアップ</a:t>
+            </a:r>
+            <a:endParaRPr lang="en-US" altLang="ja-JP" b="1" dirty="0" smtClean="0"/>
+          </a:p>
+          <a:p>
+            <a:r>
+              <a:rPr lang="ja-JP" altLang="en-US" b="1" dirty="0" smtClean="0"/>
+              <a:t>・塗り範囲拡大</a:t>
+            </a:r>
+            <a:endParaRPr lang="en-US" altLang="ja-JP" b="1" dirty="0" smtClean="0"/>
+          </a:p>
+          <a:p>
+            <a:r>
+              <a:rPr lang="ja-JP" altLang="en-US" b="1" dirty="0" smtClean="0"/>
+              <a:t>・ノックバック強化</a:t>
+            </a:r>
+            <a:endParaRPr lang="en-US" altLang="ja-JP" b="1" dirty="0" smtClean="0"/>
+          </a:p>
+          <a:p>
+            <a:r>
+              <a:rPr lang="ja-JP" altLang="en-US" b="1" dirty="0" smtClean="0"/>
+              <a:t>・エリア召喚</a:t>
+            </a:r>
+            <a:endParaRPr lang="en-US" altLang="ja-JP" b="1" dirty="0" smtClean="0"/>
+          </a:p>
+          <a:p>
+            <a:r>
+              <a:rPr lang="ja-JP" altLang="en-US" b="1" dirty="0" smtClean="0"/>
+              <a:t>・罠設置</a:t>
+            </a:r>
+            <a:endParaRPr lang="en-US" altLang="ja-JP" b="1" dirty="0" smtClean="0"/>
+          </a:p>
+          <a:p>
+            <a:endParaRPr lang="en-US" altLang="ja-JP" b="1" dirty="0" smtClean="0"/>
+          </a:p>
+          <a:p>
+            <a:r>
+              <a:rPr lang="en-US" altLang="ja-JP" b="1" dirty="0" smtClean="0"/>
+              <a:t>《</a:t>
+            </a:r>
+            <a:r>
+              <a:rPr lang="ja-JP" altLang="en-US" b="1" dirty="0" smtClean="0"/>
+              <a:t>パッシブ</a:t>
+            </a:r>
+            <a:r>
+              <a:rPr lang="en-US" altLang="ja-JP" b="1" dirty="0" smtClean="0"/>
+              <a:t>》</a:t>
+            </a:r>
+          </a:p>
+          <a:p>
+            <a:r>
+              <a:rPr lang="ja-JP" altLang="en-US" b="1" dirty="0" smtClean="0"/>
+              <a:t>・スピード小アップ</a:t>
+            </a:r>
+            <a:endParaRPr lang="en-US" altLang="ja-JP" b="1" dirty="0" smtClean="0"/>
+          </a:p>
+          <a:p>
+            <a:r>
+              <a:rPr lang="ja-JP" altLang="en-US" b="1" dirty="0" smtClean="0"/>
+              <a:t>・開始時アイテム一つランダム所持</a:t>
+            </a:r>
+            <a:endParaRPr lang="en-US" altLang="ja-JP" b="1" dirty="0" smtClean="0"/>
+          </a:p>
+        </p:txBody>
+      </p:sp>
+      <p:sp>
+        <p:nvSpPr>
+          <p:cNvPr id="5" name="テキスト ボックス 4"/>
+          <p:cNvSpPr txBox="1"/>
+          <p:nvPr/>
+        </p:nvSpPr>
+        <p:spPr>
+          <a:xfrm>
+            <a:off x="4772734" y="1190700"/>
+            <a:ext cx="6723315" cy="3139321"/>
+          </a:xfrm>
+          <a:prstGeom prst="rect">
+            <a:avLst/>
+          </a:prstGeom>
+          <a:noFill/>
+        </p:spPr>
+        <p:txBody>
+          <a:bodyPr wrap="none" rtlCol="0">
+            <a:spAutoFit/>
+          </a:bodyPr>
+          <a:lstStyle/>
+          <a:p>
+            <a:r>
+              <a:rPr lang="ja-JP" altLang="en-US" b="1" dirty="0" smtClean="0"/>
+              <a:t>スキルとキャラモデルの関連付け</a:t>
+            </a:r>
+            <a:r>
+              <a:rPr lang="en-US" altLang="ja-JP" b="1" dirty="0" smtClean="0"/>
+              <a:t>(</a:t>
+            </a:r>
+            <a:r>
+              <a:rPr lang="ja-JP" altLang="en-US" b="1" dirty="0" smtClean="0"/>
+              <a:t>試案</a:t>
+            </a:r>
+            <a:r>
+              <a:rPr lang="en-US" altLang="ja-JP" b="1" dirty="0" smtClean="0"/>
+              <a:t>)</a:t>
+            </a:r>
+          </a:p>
+          <a:p>
+            <a:endParaRPr lang="en-US" altLang="ja-JP" b="1" dirty="0"/>
+          </a:p>
+          <a:p>
+            <a:r>
+              <a:rPr lang="ja-JP" altLang="en-US" b="1" dirty="0" smtClean="0"/>
+              <a:t>・頭・胴・足の</a:t>
+            </a:r>
+            <a:r>
+              <a:rPr lang="en-US" altLang="ja-JP" b="1" dirty="0" smtClean="0"/>
+              <a:t>3</a:t>
+            </a:r>
+            <a:r>
+              <a:rPr lang="ja-JP" altLang="en-US" b="1" dirty="0" smtClean="0"/>
+              <a:t>部位</a:t>
+            </a:r>
+            <a:r>
+              <a:rPr lang="en-US" altLang="ja-JP" b="1" dirty="0" smtClean="0"/>
+              <a:t>(</a:t>
+            </a:r>
+            <a:r>
+              <a:rPr lang="ja-JP" altLang="en-US" b="1" dirty="0" smtClean="0"/>
+              <a:t>もしくは頭・胴の</a:t>
+            </a:r>
+            <a:r>
+              <a:rPr lang="en-US" altLang="ja-JP" b="1" dirty="0" smtClean="0"/>
+              <a:t>2</a:t>
+            </a:r>
+            <a:r>
+              <a:rPr lang="ja-JP" altLang="en-US" b="1" dirty="0" smtClean="0"/>
+              <a:t>部位</a:t>
+            </a:r>
+            <a:r>
+              <a:rPr lang="en-US" altLang="ja-JP" b="1" dirty="0" smtClean="0"/>
+              <a:t>)</a:t>
+            </a:r>
+            <a:r>
+              <a:rPr lang="ja-JP" altLang="en-US" b="1" dirty="0" smtClean="0"/>
+              <a:t>で</a:t>
+            </a:r>
+            <a:endParaRPr lang="en-US" altLang="ja-JP" b="1" dirty="0" smtClean="0"/>
+          </a:p>
+          <a:p>
+            <a:r>
+              <a:rPr lang="ja-JP" altLang="en-US" b="1" dirty="0" smtClean="0"/>
+              <a:t>　キャラクターを構成</a:t>
+            </a:r>
+            <a:endParaRPr lang="en-US" altLang="ja-JP" b="1" dirty="0" smtClean="0"/>
+          </a:p>
+          <a:p>
+            <a:r>
+              <a:rPr lang="ja-JP" altLang="en-US" b="1" dirty="0" smtClean="0"/>
+              <a:t>・各部位に</a:t>
+            </a:r>
+            <a:r>
+              <a:rPr lang="en-US" altLang="ja-JP" b="1" dirty="0" smtClean="0"/>
+              <a:t>2</a:t>
+            </a:r>
+            <a:r>
+              <a:rPr lang="ja-JP" altLang="en-US" b="1" dirty="0" smtClean="0"/>
+              <a:t>～</a:t>
+            </a:r>
+            <a:r>
+              <a:rPr lang="en-US" altLang="ja-JP" b="1" dirty="0" smtClean="0"/>
+              <a:t>3</a:t>
+            </a:r>
+            <a:r>
+              <a:rPr lang="ja-JP" altLang="en-US" b="1" dirty="0" smtClean="0"/>
+              <a:t>パーツ、それぞれ違うスキルが付</a:t>
+            </a:r>
+            <a:endParaRPr lang="en-US" altLang="ja-JP" b="1" dirty="0" smtClean="0"/>
+          </a:p>
+          <a:p>
+            <a:r>
+              <a:rPr lang="ja-JP" altLang="en-US" b="1" dirty="0"/>
+              <a:t>　</a:t>
+            </a:r>
+            <a:r>
+              <a:rPr lang="ja-JP" altLang="en-US" b="1" dirty="0" smtClean="0"/>
+              <a:t>いている。</a:t>
+            </a:r>
+            <a:endParaRPr lang="en-US" altLang="ja-JP" b="1" dirty="0" smtClean="0"/>
+          </a:p>
+          <a:p>
+            <a:r>
+              <a:rPr lang="ja-JP" altLang="en-US" b="1" dirty="0" smtClean="0"/>
+              <a:t>・好きなスキルを選択するとキャラの見た目も変</a:t>
+            </a:r>
+            <a:endParaRPr lang="en-US" altLang="ja-JP" b="1" dirty="0" smtClean="0"/>
+          </a:p>
+          <a:p>
+            <a:r>
+              <a:rPr lang="ja-JP" altLang="en-US" b="1" dirty="0" smtClean="0"/>
+              <a:t>　わる仕組み。</a:t>
+            </a:r>
+            <a:endParaRPr lang="en-US" altLang="ja-JP" b="1" dirty="0" smtClean="0"/>
+          </a:p>
+          <a:p>
+            <a:r>
+              <a:rPr lang="ja-JP" altLang="en-US" b="1" dirty="0" smtClean="0"/>
+              <a:t>・↑の場合スキル二つ？</a:t>
+            </a:r>
+            <a:endParaRPr lang="en-US" altLang="ja-JP" b="1" dirty="0" smtClean="0"/>
+          </a:p>
+          <a:p>
+            <a:r>
+              <a:rPr lang="ja-JP" altLang="en-US" b="1" dirty="0"/>
+              <a:t>　</a:t>
+            </a:r>
+            <a:r>
+              <a:rPr lang="ja-JP" altLang="en-US" b="1" dirty="0" smtClean="0"/>
+              <a:t>　↑</a:t>
+            </a:r>
+            <a:r>
+              <a:rPr lang="en-US" altLang="ja-JP" b="1" dirty="0" smtClean="0"/>
+              <a:t>LR</a:t>
+            </a:r>
+            <a:r>
+              <a:rPr lang="ja-JP" altLang="en-US" b="1" dirty="0" smtClean="0"/>
+              <a:t>ボタン押下等で発動するスキルを選べるようにする。</a:t>
+            </a:r>
+            <a:endParaRPr lang="en-US" altLang="ja-JP" b="1" dirty="0" smtClean="0"/>
+          </a:p>
+          <a:p>
+            <a:endParaRPr lang="en-US" altLang="ja-JP" b="1" dirty="0" smtClean="0"/>
+          </a:p>
+        </p:txBody>
+      </p:sp>
+    </p:spTree>
+    <p:extLst>
+      <p:ext uri="{BB962C8B-B14F-4D97-AF65-F5344CB8AC3E}">
+        <p14:creationId xmlns:p14="http://schemas.microsoft.com/office/powerpoint/2010/main" val="1913320159"/>
+      </p:ext>
+    </p:extLst>
+  </p:cSld>
+  <p:clrMapOvr>
+    <a:masterClrMapping/>
+  </p:clrMapOvr>
+</p:sld>
+</file>
+
+<file path=ppt/slides/slide41.xml><?xml version="1.0" encoding="utf-8"?>
+<p:sld xmlns:a="http://schemas.openxmlformats.org/drawingml/2006/main" xmlns:r="http://schemas.openxmlformats.org/officeDocument/2006/relationships" xmlns:p="http://schemas.openxmlformats.org/presentationml/2006/main">
+  <p:cSld>
+    <p:spTree>
+      <p:nvGrpSpPr>
+        <p:cNvPr id="1" name=""/>
+        <p:cNvGrpSpPr/>
+        <p:nvPr/>
+      </p:nvGrpSpPr>
+      <p:grpSpPr>
+        <a:xfrm>
+          <a:off x="0" y="0"/>
+          <a:ext cx="0" cy="0"/>
+          <a:chOff x="0" y="0"/>
+          <a:chExt cx="0" cy="0"/>
+        </a:xfrm>
+      </p:grpSpPr>
+      <p:sp>
+        <p:nvSpPr>
+          <p:cNvPr id="2" name="テキスト ボックス 1"/>
+          <p:cNvSpPr txBox="1"/>
+          <p:nvPr/>
+        </p:nvSpPr>
+        <p:spPr>
+          <a:xfrm>
+            <a:off x="0" y="185446"/>
+            <a:ext cx="5636479" cy="769441"/>
+          </a:xfrm>
+          <a:prstGeom prst="rect">
+            <a:avLst/>
+          </a:prstGeom>
+          <a:noFill/>
+        </p:spPr>
+        <p:txBody>
+          <a:bodyPr wrap="none" rtlCol="0">
+            <a:spAutoFit/>
+          </a:bodyPr>
+          <a:lstStyle/>
+          <a:p>
+            <a:r>
+              <a:rPr kumimoji="1" lang="en-US" altLang="ja-JP" sz="4400" b="1" dirty="0" smtClean="0"/>
+              <a:t>《</a:t>
+            </a:r>
+            <a:r>
+              <a:rPr lang="ja-JP" altLang="en-US" sz="4400" b="1" dirty="0" smtClean="0"/>
+              <a:t>仕様</a:t>
+            </a:r>
+            <a:r>
+              <a:rPr lang="en-US" altLang="ja-JP" sz="4400" b="1" dirty="0" smtClean="0"/>
+              <a:t>(</a:t>
+            </a:r>
+            <a:r>
+              <a:rPr lang="ja-JP" altLang="en-US" sz="4400" b="1" dirty="0" smtClean="0"/>
+              <a:t>詳細</a:t>
+            </a:r>
+            <a:r>
+              <a:rPr lang="en-US" altLang="ja-JP" sz="4400" b="1" dirty="0" smtClean="0"/>
+              <a:t>)</a:t>
+            </a:r>
+            <a:r>
+              <a:rPr lang="ja-JP" altLang="en-US" sz="4400" b="1" dirty="0" smtClean="0"/>
+              <a:t>：</a:t>
+            </a:r>
+            <a:r>
+              <a:rPr lang="en-US" altLang="ja-JP" sz="4400" b="1" dirty="0" smtClean="0"/>
+              <a:t>1-5</a:t>
+            </a:r>
+            <a:r>
+              <a:rPr kumimoji="1" lang="ja-JP" altLang="en-US" sz="4400" b="1" dirty="0" smtClean="0"/>
+              <a:t> </a:t>
+            </a:r>
+            <a:r>
+              <a:rPr kumimoji="1" lang="en-US" altLang="ja-JP" sz="4400" b="1" dirty="0" smtClean="0"/>
+              <a:t>》</a:t>
+            </a:r>
+            <a:endParaRPr kumimoji="1" lang="ja-JP" altLang="en-US" sz="4400" b="1" dirty="0"/>
+          </a:p>
+        </p:txBody>
+      </p:sp>
+      <p:sp>
+        <p:nvSpPr>
+          <p:cNvPr id="3" name="角丸四角形 2"/>
+          <p:cNvSpPr/>
+          <p:nvPr/>
+        </p:nvSpPr>
+        <p:spPr>
+          <a:xfrm>
+            <a:off x="338447" y="993587"/>
+            <a:ext cx="11515106" cy="5688567"/>
+          </a:xfrm>
+          <a:prstGeom prst="roundRect">
+            <a:avLst>
+              <a:gd name="adj" fmla="val 6667"/>
+            </a:avLst>
+          </a:prstGeom>
+          <a:solidFill>
+            <a:schemeClr val="accent4">
+              <a:lumMod val="40000"/>
+              <a:lumOff val="60000"/>
+            </a:schemeClr>
+          </a:solidFill>
+          <a:ln w="19050">
+            <a:solidFill>
+              <a:schemeClr val="tx1"/>
+            </a:solidFill>
+          </a:ln>
+        </p:spPr>
+        <p:style>
+          <a:lnRef idx="2">
+            <a:schemeClr val="accent1">
+              <a:shade val="50000"/>
+            </a:schemeClr>
+          </a:lnRef>
+          <a:fillRef idx="1">
+            <a:schemeClr val="accent1"/>
+          </a:fillRef>
+          <a:effectRef idx="0">
+            <a:schemeClr val="accent1"/>
+          </a:effectRef>
+          <a:fontRef idx="minor">
+            <a:schemeClr val="lt1"/>
+          </a:fontRef>
+        </p:style>
+        <p:txBody>
+          <a:bodyPr rtlCol="0" anchor="ctr"/>
+          <a:lstStyle/>
+          <a:p>
+            <a:pPr algn="ctr"/>
+            <a:endParaRPr kumimoji="1" lang="ja-JP" altLang="en-US"/>
+          </a:p>
+        </p:txBody>
+      </p:sp>
+      <p:sp>
+        <p:nvSpPr>
+          <p:cNvPr id="4" name="テキスト ボックス 3"/>
+          <p:cNvSpPr txBox="1"/>
+          <p:nvPr/>
+        </p:nvSpPr>
+        <p:spPr>
+          <a:xfrm>
+            <a:off x="496741" y="1190700"/>
+            <a:ext cx="9417963" cy="2862322"/>
+          </a:xfrm>
+          <a:prstGeom prst="rect">
+            <a:avLst/>
+          </a:prstGeom>
+          <a:noFill/>
+        </p:spPr>
+        <p:txBody>
+          <a:bodyPr wrap="none" rtlCol="0">
+            <a:spAutoFit/>
+          </a:bodyPr>
+          <a:lstStyle/>
+          <a:p>
+            <a:r>
+              <a:rPr lang="ja-JP" altLang="en-US" b="1" dirty="0" smtClean="0"/>
+              <a:t>ノックバック強化</a:t>
+            </a:r>
+            <a:endParaRPr lang="en-US" altLang="ja-JP" b="1" dirty="0" smtClean="0"/>
+          </a:p>
+          <a:p>
+            <a:endParaRPr lang="en-US" altLang="ja-JP" b="1" dirty="0"/>
+          </a:p>
+          <a:p>
+            <a:r>
+              <a:rPr lang="ja-JP" altLang="en-US" b="1" dirty="0" smtClean="0"/>
+              <a:t>・相手を後方へ吹き飛ばす。</a:t>
+            </a:r>
+            <a:endParaRPr lang="en-US" altLang="ja-JP" b="1" dirty="0" smtClean="0"/>
+          </a:p>
+          <a:p>
+            <a:r>
+              <a:rPr lang="ja-JP" altLang="en-US" b="1" dirty="0" smtClean="0"/>
+              <a:t>・レベルによって飛ばす距離が増える。</a:t>
+            </a:r>
+            <a:endParaRPr lang="en-US" altLang="ja-JP" b="1" dirty="0" smtClean="0"/>
+          </a:p>
+          <a:p>
+            <a:r>
+              <a:rPr lang="ja-JP" altLang="en-US" b="1" dirty="0" smtClean="0"/>
+              <a:t>・吹っ飛ばした時に通るパネルを塗れる。</a:t>
+            </a:r>
+            <a:endParaRPr lang="en-US" altLang="ja-JP" b="1" dirty="0" smtClean="0"/>
+          </a:p>
+          <a:p>
+            <a:endParaRPr lang="en-US" altLang="ja-JP" b="1" dirty="0"/>
+          </a:p>
+          <a:p>
+            <a:r>
+              <a:rPr lang="ja-JP" altLang="en-US" b="1" dirty="0" smtClean="0"/>
+              <a:t>罠設置</a:t>
+            </a:r>
+            <a:endParaRPr lang="en-US" altLang="ja-JP" b="1" dirty="0" smtClean="0"/>
+          </a:p>
+          <a:p>
+            <a:r>
+              <a:rPr lang="ja-JP" altLang="en-US" b="1" dirty="0" smtClean="0"/>
+              <a:t>・任意のパネルに罠を設置出来る。</a:t>
+            </a:r>
+            <a:endParaRPr lang="en-US" altLang="ja-JP" b="1" dirty="0" smtClean="0"/>
+          </a:p>
+          <a:p>
+            <a:r>
+              <a:rPr lang="ja-JP" altLang="en-US" b="1" dirty="0" smtClean="0"/>
+              <a:t>・設置後数秒で透明になる。</a:t>
+            </a:r>
+            <a:endParaRPr lang="en-US" altLang="ja-JP" b="1" dirty="0" smtClean="0"/>
+          </a:p>
+          <a:p>
+            <a:r>
+              <a:rPr lang="ja-JP" altLang="en-US" b="1" dirty="0" smtClean="0"/>
+              <a:t>・触れたプレイヤーは数秒間スタンし、周囲のパネルを設置したプレイヤーの色に塗る。</a:t>
+            </a:r>
+            <a:endParaRPr lang="en-US" altLang="ja-JP" b="1" dirty="0"/>
+          </a:p>
+        </p:txBody>
+      </p:sp>
+    </p:spTree>
+    <p:extLst>
+      <p:ext uri="{BB962C8B-B14F-4D97-AF65-F5344CB8AC3E}">
+        <p14:creationId xmlns:p14="http://schemas.microsoft.com/office/powerpoint/2010/main" val="2594217838"/>
+      </p:ext>
+    </p:extLst>
+  </p:cSld>
+  <p:clrMapOvr>
+    <a:masterClrMapping/>
+  </p:clrMapOvr>
 </p:sld>
 </file>
 
@@ -43374,11 +44337,7 @@
           <a:p>
             <a:r>
               <a:rPr lang="ja-JP" altLang="en-US" b="1" dirty="0" smtClean="0"/>
-              <a:t>・</a:t>
-            </a:r>
-            <a:r>
-              <a:rPr lang="ja-JP" altLang="en-US" b="1" dirty="0" smtClean="0"/>
-              <a:t>操作やルールを記載した画像を作成して表示する。</a:t>
+              <a:t>・操作やルールを記載した画像を作成して表示する。</a:t>
             </a:r>
             <a:r>
               <a:rPr lang="en-US" altLang="ja-JP" b="1" dirty="0" smtClean="0"/>
@@ -43516,11 +44475,7 @@
             </a:r>
             <a:r>
               <a:rPr lang="ja-JP" altLang="en-US" b="1" dirty="0" smtClean="0"/>
-              <a:t>→コントローラーのイラスト等を使って各ボタンの説明</a:t>
-            </a:r>
-            <a:r>
-              <a:rPr lang="ja-JP" altLang="en-US" b="1" dirty="0" smtClean="0"/>
-              <a:t>。</a:t>
+              <a:t>→コントローラーのイラスト等を使って各ボタンの説明。</a:t>
             </a:r>
           </a:p>
         </p:txBody>

--- a/data/GS3_チーム2_仕様書.pptx
+++ b/data/GS3_チーム2_仕様書.pptx
@@ -283,7 +283,7 @@
           <a:p>
             <a:fld id="{A666E8CF-15D4-41D8-B0AD-7E6B72D4A5E0}" type="datetimeFigureOut">
               <a:rPr kumimoji="1" lang="ja-JP" altLang="en-US" smtClean="0"/>
-              <a:t>2023/5/19</a:t>
+              <a:t>2023/5/22</a:t>
             </a:fld>
             <a:endParaRPr kumimoji="1" lang="ja-JP" altLang="en-US"/>
           </a:p>
@@ -485,7 +485,7 @@
           <a:p>
             <a:fld id="{A666E8CF-15D4-41D8-B0AD-7E6B72D4A5E0}" type="datetimeFigureOut">
               <a:rPr kumimoji="1" lang="ja-JP" altLang="en-US" smtClean="0"/>
-              <a:t>2023/5/19</a:t>
+              <a:t>2023/5/22</a:t>
             </a:fld>
             <a:endParaRPr kumimoji="1" lang="ja-JP" altLang="en-US"/>
           </a:p>
@@ -697,7 +697,7 @@
           <a:p>
             <a:fld id="{A666E8CF-15D4-41D8-B0AD-7E6B72D4A5E0}" type="datetimeFigureOut">
               <a:rPr kumimoji="1" lang="ja-JP" altLang="en-US" smtClean="0"/>
-              <a:t>2023/5/19</a:t>
+              <a:t>2023/5/22</a:t>
             </a:fld>
             <a:endParaRPr kumimoji="1" lang="ja-JP" altLang="en-US"/>
           </a:p>
@@ -899,7 +899,7 @@
           <a:p>
             <a:fld id="{A666E8CF-15D4-41D8-B0AD-7E6B72D4A5E0}" type="datetimeFigureOut">
               <a:rPr kumimoji="1" lang="ja-JP" altLang="en-US" smtClean="0"/>
-              <a:t>2023/5/19</a:t>
+              <a:t>2023/5/22</a:t>
             </a:fld>
             <a:endParaRPr kumimoji="1" lang="ja-JP" altLang="en-US"/>
           </a:p>
@@ -1145,7 +1145,7 @@
           <a:p>
             <a:fld id="{A666E8CF-15D4-41D8-B0AD-7E6B72D4A5E0}" type="datetimeFigureOut">
               <a:rPr kumimoji="1" lang="ja-JP" altLang="en-US" smtClean="0"/>
-              <a:t>2023/5/19</a:t>
+              <a:t>2023/5/22</a:t>
             </a:fld>
             <a:endParaRPr kumimoji="1" lang="ja-JP" altLang="en-US"/>
           </a:p>
@@ -1441,7 +1441,7 @@
           <a:p>
             <a:fld id="{A666E8CF-15D4-41D8-B0AD-7E6B72D4A5E0}" type="datetimeFigureOut">
               <a:rPr kumimoji="1" lang="ja-JP" altLang="en-US" smtClean="0"/>
-              <a:t>2023/5/19</a:t>
+              <a:t>2023/5/22</a:t>
             </a:fld>
             <a:endParaRPr kumimoji="1" lang="ja-JP" altLang="en-US"/>
           </a:p>
@@ -1872,7 +1872,7 @@
           <a:p>
             <a:fld id="{A666E8CF-15D4-41D8-B0AD-7E6B72D4A5E0}" type="datetimeFigureOut">
               <a:rPr kumimoji="1" lang="ja-JP" altLang="en-US" smtClean="0"/>
-              <a:t>2023/5/19</a:t>
+              <a:t>2023/5/22</a:t>
             </a:fld>
             <a:endParaRPr kumimoji="1" lang="ja-JP" altLang="en-US"/>
           </a:p>
@@ -1990,7 +1990,7 @@
           <a:p>
             <a:fld id="{A666E8CF-15D4-41D8-B0AD-7E6B72D4A5E0}" type="datetimeFigureOut">
               <a:rPr kumimoji="1" lang="ja-JP" altLang="en-US" smtClean="0"/>
-              <a:t>2023/5/19</a:t>
+              <a:t>2023/5/22</a:t>
             </a:fld>
             <a:endParaRPr kumimoji="1" lang="ja-JP" altLang="en-US"/>
           </a:p>
@@ -2085,7 +2085,7 @@
           <a:p>
             <a:fld id="{A666E8CF-15D4-41D8-B0AD-7E6B72D4A5E0}" type="datetimeFigureOut">
               <a:rPr kumimoji="1" lang="ja-JP" altLang="en-US" smtClean="0"/>
-              <a:t>2023/5/19</a:t>
+              <a:t>2023/5/22</a:t>
             </a:fld>
             <a:endParaRPr kumimoji="1" lang="ja-JP" altLang="en-US"/>
           </a:p>
@@ -2394,7 +2394,7 @@
           <a:p>
             <a:fld id="{A666E8CF-15D4-41D8-B0AD-7E6B72D4A5E0}" type="datetimeFigureOut">
               <a:rPr kumimoji="1" lang="ja-JP" altLang="en-US" smtClean="0"/>
-              <a:t>2023/5/19</a:t>
+              <a:t>2023/5/22</a:t>
             </a:fld>
             <a:endParaRPr kumimoji="1" lang="ja-JP" altLang="en-US"/>
           </a:p>
@@ -2647,7 +2647,7 @@
           <a:p>
             <a:fld id="{A666E8CF-15D4-41D8-B0AD-7E6B72D4A5E0}" type="datetimeFigureOut">
               <a:rPr kumimoji="1" lang="ja-JP" altLang="en-US" smtClean="0"/>
-              <a:t>2023/5/19</a:t>
+              <a:t>2023/5/22</a:t>
             </a:fld>
             <a:endParaRPr kumimoji="1" lang="ja-JP" altLang="en-US"/>
           </a:p>
@@ -2901,7 +2901,7 @@
           <a:p>
             <a:fld id="{A666E8CF-15D4-41D8-B0AD-7E6B72D4A5E0}" type="datetimeFigureOut">
               <a:rPr kumimoji="1" lang="ja-JP" altLang="en-US" smtClean="0"/>
-              <a:t>2023/5/19</a:t>
+              <a:t>2023/5/22</a:t>
             </a:fld>
             <a:endParaRPr kumimoji="1" lang="ja-JP" altLang="en-US"/>
           </a:p>
@@ -3389,8 +3389,8 @@
         </p:nvSpPr>
         <p:spPr>
           <a:xfrm>
-            <a:off x="600695" y="1090302"/>
-            <a:ext cx="10990610" cy="4774167"/>
+            <a:off x="600695" y="954887"/>
+            <a:ext cx="10990610" cy="5788991"/>
           </a:xfrm>
           <a:prstGeom prst="roundRect">
             <a:avLst>
@@ -3488,8 +3488,8 @@
         </p:nvSpPr>
         <p:spPr>
           <a:xfrm>
-            <a:off x="690171" y="1348959"/>
-            <a:ext cx="8494633" cy="4154984"/>
+            <a:off x="690171" y="1111567"/>
+            <a:ext cx="11162030" cy="5632311"/>
           </a:xfrm>
           <a:prstGeom prst="rect">
             <a:avLst/>
@@ -3503,187 +3503,312 @@
           <a:lstStyle/>
           <a:p>
             <a:r>
-              <a:rPr lang="ja-JP" altLang="en-US" sz="2400" b="1" dirty="0" smtClean="0"/>
-              <a:t>・項目ごとに好きなルールを選択。</a:t>
-            </a:r>
-            <a:endParaRPr lang="en-US" altLang="ja-JP" sz="2400" b="1" dirty="0" smtClean="0"/>
-          </a:p>
-          <a:p>
-            <a:endParaRPr kumimoji="1" lang="en-US" altLang="ja-JP" sz="2400" b="1" dirty="0"/>
-          </a:p>
-          <a:p>
-            <a:r>
-              <a:rPr lang="ja-JP" altLang="en-US" sz="2400" b="1" dirty="0" smtClean="0"/>
-              <a:t>・カーソルや色で、どっちを選んでるか分かるように</a:t>
-            </a:r>
-            <a:r>
-              <a:rPr lang="ja-JP" altLang="en-US" sz="2400" b="1" dirty="0"/>
+              <a:rPr lang="ja-JP" altLang="en-US" sz="2000" b="1" dirty="0" smtClean="0"/>
+              <a:t>・各項目</a:t>
+            </a:r>
+            <a:r>
+              <a:rPr lang="ja-JP" altLang="en-US" sz="2000" b="1" dirty="0" smtClean="0"/>
+              <a:t>の名称テクスチャとそれぞれの選択肢を表示</a:t>
+            </a:r>
+            <a:r>
+              <a:rPr lang="ja-JP" altLang="en-US" sz="2000" b="1" dirty="0" smtClean="0"/>
+              <a:t>。</a:t>
+            </a:r>
+            <a:endParaRPr lang="en-US" altLang="ja-JP" sz="2000" b="1" dirty="0" smtClean="0"/>
+          </a:p>
+          <a:p>
+            <a:endParaRPr kumimoji="1" lang="en-US" altLang="ja-JP" sz="2000" b="1" dirty="0" smtClean="0"/>
+          </a:p>
+          <a:p>
+            <a:r>
+              <a:rPr lang="ja-JP" altLang="en-US" sz="2000" b="1" dirty="0" smtClean="0"/>
+              <a:t>・十字ボタンの上下で項目変更、左右でルール選択</a:t>
+            </a:r>
+            <a:r>
+              <a:rPr lang="ja-JP" altLang="en-US" sz="2000" b="1" dirty="0"/>
+              <a:t>。</a:t>
+            </a:r>
+            <a:endParaRPr lang="en-US" altLang="ja-JP" sz="2000" b="1" dirty="0"/>
+          </a:p>
+          <a:p>
+            <a:endParaRPr kumimoji="1" lang="en-US" altLang="ja-JP" sz="2000" b="1" dirty="0"/>
+          </a:p>
+          <a:p>
+            <a:r>
+              <a:rPr lang="ja-JP" altLang="en-US" sz="2000" b="1" dirty="0" smtClean="0"/>
+              <a:t>・</a:t>
+            </a:r>
+            <a:r>
+              <a:rPr lang="ja-JP" altLang="en-US" sz="2000" b="1" dirty="0" smtClean="0"/>
+              <a:t>カーソル表示や色変えで、</a:t>
+            </a:r>
+            <a:r>
+              <a:rPr lang="ja-JP" altLang="en-US" sz="2000" b="1" dirty="0" smtClean="0"/>
+              <a:t>どの選択肢</a:t>
+            </a:r>
+            <a:r>
+              <a:rPr lang="ja-JP" altLang="en-US" sz="2000" b="1" dirty="0" smtClean="0"/>
+              <a:t>を選んで</a:t>
+            </a:r>
+            <a:r>
+              <a:rPr lang="ja-JP" altLang="en-US" sz="2000" b="1" dirty="0"/>
+              <a:t>い</a:t>
+            </a:r>
+            <a:r>
+              <a:rPr lang="ja-JP" altLang="en-US" sz="2000" b="1" dirty="0" smtClean="0"/>
+              <a:t>るか</a:t>
+            </a:r>
+            <a:r>
+              <a:rPr lang="ja-JP" altLang="en-US" sz="2000" b="1" dirty="0" smtClean="0"/>
+              <a:t>分かるように</a:t>
+            </a:r>
+            <a:r>
+              <a:rPr lang="ja-JP" altLang="en-US" sz="2000" b="1" dirty="0"/>
               <a:t>する</a:t>
             </a:r>
             <a:r>
-              <a:rPr lang="ja-JP" altLang="en-US" sz="2400" b="1" dirty="0" smtClean="0"/>
+              <a:rPr lang="ja-JP" altLang="en-US" sz="2000" b="1" dirty="0" smtClean="0"/>
               <a:t>。</a:t>
             </a:r>
-            <a:endParaRPr lang="en-US" altLang="ja-JP" sz="2400" b="1" dirty="0"/>
-          </a:p>
-          <a:p>
-            <a:endParaRPr kumimoji="1" lang="en-US" altLang="ja-JP" sz="2400" b="1" dirty="0" smtClean="0"/>
-          </a:p>
-          <a:p>
-            <a:r>
-              <a:rPr lang="ja-JP" altLang="en-US" sz="2400" b="1" dirty="0"/>
+            <a:endParaRPr lang="en-US" altLang="ja-JP" sz="2000" b="1" dirty="0"/>
+          </a:p>
+          <a:p>
+            <a:endParaRPr kumimoji="1" lang="en-US" altLang="ja-JP" sz="2000" b="1" dirty="0" smtClean="0"/>
+          </a:p>
+          <a:p>
+            <a:r>
+              <a:rPr lang="ja-JP" altLang="en-US" sz="2000" b="1" dirty="0"/>
               <a:t> </a:t>
             </a:r>
             <a:r>
-              <a:rPr lang="en-US" altLang="ja-JP" sz="2400" b="1" dirty="0" smtClean="0"/>
+              <a:rPr lang="en-US" altLang="ja-JP" sz="2000" b="1" dirty="0" smtClean="0"/>
               <a:t>&lt;</a:t>
             </a:r>
             <a:r>
-              <a:rPr lang="ja-JP" altLang="en-US" sz="2400" b="1" dirty="0" smtClean="0"/>
+              <a:rPr lang="ja-JP" altLang="en-US" sz="2000" b="1" dirty="0" smtClean="0"/>
               <a:t>項目</a:t>
             </a:r>
             <a:r>
-              <a:rPr lang="en-US" altLang="ja-JP" sz="2400" b="1" dirty="0" smtClean="0"/>
-              <a:t>&gt;</a:t>
-            </a:r>
-            <a:endParaRPr lang="en-US" altLang="ja-JP" sz="2400" b="1" dirty="0"/>
-          </a:p>
-          <a:p>
-            <a:r>
-              <a:rPr lang="ja-JP" altLang="en-US" sz="2400" b="1" dirty="0" smtClean="0"/>
+              <a:rPr lang="en-US" altLang="ja-JP" sz="2000" b="1" dirty="0" smtClean="0"/>
+              <a:t>(</a:t>
+            </a:r>
+            <a:r>
+              <a:rPr lang="ja-JP" altLang="en-US" sz="2000" b="1" dirty="0" smtClean="0"/>
+              <a:t>暫定</a:t>
+            </a:r>
+            <a:r>
+              <a:rPr lang="en-US" altLang="ja-JP" sz="2000" b="1" dirty="0" smtClean="0"/>
+              <a:t>)&gt;</a:t>
+            </a:r>
+            <a:endParaRPr lang="en-US" altLang="ja-JP" sz="2000" b="1" dirty="0"/>
+          </a:p>
+          <a:p>
+            <a:r>
+              <a:rPr lang="ja-JP" altLang="en-US" sz="2000" b="1" dirty="0" smtClean="0"/>
               <a:t>　　対戦形式　　：</a:t>
             </a:r>
             <a:r>
-              <a:rPr lang="en-US" altLang="ja-JP" sz="2400" b="1" dirty="0" smtClean="0"/>
+              <a:rPr lang="en-US" altLang="ja-JP" sz="2000" b="1" dirty="0" smtClean="0"/>
               <a:t>【4</a:t>
             </a:r>
             <a:r>
-              <a:rPr lang="ja-JP" altLang="en-US" sz="2400" b="1" dirty="0" smtClean="0"/>
+              <a:rPr lang="ja-JP" altLang="en-US" sz="2000" b="1" dirty="0" smtClean="0"/>
               <a:t>人対戦</a:t>
             </a:r>
             <a:r>
-              <a:rPr lang="en-US" altLang="ja-JP" sz="2400" b="1" dirty="0" smtClean="0"/>
-              <a:t>】or【2 vs 2】</a:t>
-            </a:r>
-            <a:endParaRPr lang="en-US" altLang="ja-JP" sz="2400" b="1" dirty="0"/>
-          </a:p>
-          <a:p>
-            <a:r>
-              <a:rPr lang="ja-JP" altLang="en-US" sz="2400" b="1" dirty="0" smtClean="0"/>
+              <a:rPr lang="en-US" altLang="ja-JP" sz="2000" b="1" dirty="0" smtClean="0"/>
+              <a:t>】</a:t>
+            </a:r>
+            <a:r>
+              <a:rPr lang="en-US" altLang="ja-JP" sz="2000" b="1" dirty="0" smtClean="0"/>
+              <a:t>or【2vs2</a:t>
+            </a:r>
+            <a:r>
+              <a:rPr lang="en-US" altLang="ja-JP" sz="2000" b="1" dirty="0" smtClean="0"/>
+              <a:t>】</a:t>
+            </a:r>
+            <a:endParaRPr lang="en-US" altLang="ja-JP" sz="2000" b="1" dirty="0"/>
+          </a:p>
+          <a:p>
+            <a:r>
+              <a:rPr lang="ja-JP" altLang="en-US" sz="2000" b="1" dirty="0" smtClean="0"/>
               <a:t>　　制限時間　　：</a:t>
             </a:r>
             <a:r>
-              <a:rPr lang="en-US" altLang="ja-JP" sz="2400" b="1" dirty="0" smtClean="0"/>
+              <a:rPr lang="en-US" altLang="ja-JP" sz="2000" b="1" dirty="0" smtClean="0"/>
               <a:t>【30</a:t>
             </a:r>
             <a:r>
-              <a:rPr lang="ja-JP" altLang="en-US" sz="2400" b="1" dirty="0" smtClean="0"/>
+              <a:rPr lang="ja-JP" altLang="en-US" sz="2000" b="1" dirty="0" smtClean="0"/>
               <a:t>秒</a:t>
             </a:r>
             <a:r>
-              <a:rPr lang="en-US" altLang="ja-JP" sz="2400" b="1" dirty="0" smtClean="0"/>
+              <a:rPr lang="en-US" altLang="ja-JP" sz="2000" b="1" dirty="0" smtClean="0"/>
               <a:t>】or【60</a:t>
             </a:r>
             <a:r>
-              <a:rPr lang="ja-JP" altLang="en-US" sz="2400" b="1" dirty="0" smtClean="0"/>
+              <a:rPr lang="ja-JP" altLang="en-US" sz="2000" b="1" dirty="0" smtClean="0"/>
               <a:t>秒</a:t>
             </a:r>
             <a:r>
-              <a:rPr lang="en-US" altLang="ja-JP" sz="2400" b="1" dirty="0" smtClean="0"/>
+              <a:rPr lang="en-US" altLang="ja-JP" sz="2000" b="1" dirty="0" smtClean="0"/>
               <a:t>】or【120</a:t>
             </a:r>
             <a:r>
-              <a:rPr lang="ja-JP" altLang="en-US" sz="2400" b="1" dirty="0" smtClean="0"/>
+              <a:rPr lang="ja-JP" altLang="en-US" sz="2000" b="1" dirty="0" smtClean="0"/>
               <a:t>秒</a:t>
             </a:r>
             <a:r>
-              <a:rPr lang="en-US" altLang="ja-JP" sz="2400" b="1" dirty="0" smtClean="0"/>
+              <a:rPr lang="en-US" altLang="ja-JP" sz="2000" b="1" dirty="0" smtClean="0"/>
               <a:t>】</a:t>
             </a:r>
-            <a:endParaRPr lang="en-US" altLang="ja-JP" sz="2400" b="1" dirty="0"/>
-          </a:p>
-          <a:p>
-            <a:r>
-              <a:rPr lang="ja-JP" altLang="en-US" sz="2400" b="1" dirty="0" smtClean="0"/>
+            <a:endParaRPr lang="en-US" altLang="ja-JP" sz="2000" b="1" dirty="0"/>
+          </a:p>
+          <a:p>
+            <a:r>
+              <a:rPr lang="ja-JP" altLang="en-US" sz="2000" b="1" dirty="0" smtClean="0"/>
               <a:t>アイテム出現頻度：</a:t>
             </a:r>
             <a:r>
-              <a:rPr lang="en-US" altLang="ja-JP" sz="2400" b="1" dirty="0" smtClean="0"/>
+              <a:rPr lang="en-US" altLang="ja-JP" sz="2000" b="1" dirty="0" smtClean="0"/>
               <a:t>【</a:t>
             </a:r>
             <a:r>
-              <a:rPr lang="ja-JP" altLang="en-US" sz="2400" b="1" dirty="0" smtClean="0"/>
+              <a:rPr lang="ja-JP" altLang="en-US" sz="2000" b="1" dirty="0" smtClean="0"/>
               <a:t>低い</a:t>
             </a:r>
             <a:r>
-              <a:rPr lang="en-US" altLang="ja-JP" sz="2400" b="1" dirty="0" smtClean="0"/>
+              <a:rPr lang="en-US" altLang="ja-JP" sz="2000" b="1" dirty="0" smtClean="0"/>
               <a:t>】or【</a:t>
             </a:r>
             <a:r>
-              <a:rPr lang="ja-JP" altLang="en-US" sz="2400" b="1" dirty="0" smtClean="0"/>
+              <a:rPr lang="ja-JP" altLang="en-US" sz="2000" b="1" dirty="0" smtClean="0"/>
               <a:t>普通</a:t>
             </a:r>
             <a:r>
-              <a:rPr lang="en-US" altLang="ja-JP" sz="2400" b="1" dirty="0" smtClean="0"/>
+              <a:rPr lang="en-US" altLang="ja-JP" sz="2000" b="1" dirty="0" smtClean="0"/>
               <a:t>】or【</a:t>
             </a:r>
             <a:r>
-              <a:rPr lang="ja-JP" altLang="en-US" sz="2400" b="1" dirty="0" smtClean="0"/>
+              <a:rPr lang="ja-JP" altLang="en-US" sz="2000" b="1" dirty="0" smtClean="0"/>
               <a:t>高い</a:t>
             </a:r>
             <a:r>
-              <a:rPr lang="en-US" altLang="ja-JP" sz="2400" b="1" dirty="0" smtClean="0"/>
+              <a:rPr lang="en-US" altLang="ja-JP" sz="2000" b="1" dirty="0" smtClean="0"/>
               <a:t>】</a:t>
             </a:r>
-            <a:endParaRPr lang="en-US" altLang="ja-JP" sz="2400" b="1" dirty="0"/>
-          </a:p>
-          <a:p>
-            <a:r>
-              <a:rPr lang="ja-JP" altLang="en-US" sz="2400" b="1" dirty="0"/>
+            <a:endParaRPr lang="en-US" altLang="ja-JP" sz="2000" b="1" dirty="0"/>
+          </a:p>
+          <a:p>
+            <a:r>
+              <a:rPr lang="ja-JP" altLang="en-US" sz="2000" b="1" dirty="0"/>
               <a:t> </a:t>
             </a:r>
             <a:r>
-              <a:rPr lang="ja-JP" altLang="en-US" sz="2400" b="1" dirty="0" smtClean="0"/>
+              <a:rPr lang="ja-JP" altLang="en-US" sz="2000" b="1" dirty="0" smtClean="0"/>
               <a:t> エリア出現頻度  ：</a:t>
             </a:r>
             <a:r>
-              <a:rPr lang="en-US" altLang="ja-JP" sz="2400" b="1" dirty="0"/>
+              <a:rPr lang="en-US" altLang="ja-JP" sz="2000" b="1" dirty="0"/>
               <a:t>【</a:t>
             </a:r>
             <a:r>
-              <a:rPr lang="ja-JP" altLang="en-US" sz="2400" b="1" dirty="0"/>
+              <a:rPr lang="ja-JP" altLang="en-US" sz="2000" b="1" dirty="0"/>
               <a:t>低い</a:t>
             </a:r>
             <a:r>
-              <a:rPr lang="en-US" altLang="ja-JP" sz="2400" b="1" dirty="0"/>
+              <a:rPr lang="en-US" altLang="ja-JP" sz="2000" b="1" dirty="0"/>
               <a:t>】or【</a:t>
             </a:r>
             <a:r>
-              <a:rPr lang="ja-JP" altLang="en-US" sz="2400" b="1" dirty="0"/>
+              <a:rPr lang="ja-JP" altLang="en-US" sz="2000" b="1" dirty="0"/>
               <a:t>普通</a:t>
             </a:r>
             <a:r>
-              <a:rPr lang="en-US" altLang="ja-JP" sz="2400" b="1" dirty="0"/>
+              <a:rPr lang="en-US" altLang="ja-JP" sz="2000" b="1" dirty="0"/>
               <a:t>】or【</a:t>
             </a:r>
             <a:r>
-              <a:rPr lang="ja-JP" altLang="en-US" sz="2400" b="1" dirty="0"/>
+              <a:rPr lang="ja-JP" altLang="en-US" sz="2000" b="1" dirty="0"/>
               <a:t>高い</a:t>
             </a:r>
             <a:r>
-              <a:rPr lang="en-US" altLang="ja-JP" sz="2400" b="1" dirty="0" smtClean="0"/>
+              <a:rPr lang="en-US" altLang="ja-JP" sz="2000" b="1" dirty="0" smtClean="0"/>
               <a:t>】</a:t>
             </a:r>
           </a:p>
           <a:p>
-            <a:endParaRPr lang="en-US" altLang="ja-JP" sz="2400" b="1" dirty="0"/>
-          </a:p>
-          <a:p>
-            <a:r>
-              <a:rPr lang="ja-JP" altLang="en-US" sz="2400" b="1" dirty="0" smtClean="0"/>
+            <a:endParaRPr lang="en-US" altLang="ja-JP" sz="2000" b="1" dirty="0" smtClean="0"/>
+          </a:p>
+          <a:p>
+            <a:r>
+              <a:rPr lang="ja-JP" altLang="en-US" sz="2000" b="1" dirty="0" smtClean="0"/>
+              <a:t>・一番下に、設定を確定して次のゲームモードに移行するテクスチャ</a:t>
+            </a:r>
+            <a:r>
+              <a:rPr lang="en-US" altLang="ja-JP" sz="2000" b="1" dirty="0" smtClean="0"/>
+              <a:t>(</a:t>
+            </a:r>
+            <a:r>
+              <a:rPr lang="ja-JP" altLang="en-US" sz="2000" b="1" dirty="0" smtClean="0"/>
+              <a:t>決定</a:t>
+            </a:r>
+            <a:r>
+              <a:rPr lang="en-US" altLang="ja-JP" sz="2000" b="1" dirty="0" smtClean="0"/>
+              <a:t>!</a:t>
+            </a:r>
+            <a:r>
+              <a:rPr lang="ja-JP" altLang="en-US" sz="2000" b="1" dirty="0"/>
+              <a:t>等</a:t>
+            </a:r>
+            <a:r>
+              <a:rPr lang="en-US" altLang="ja-JP" sz="2000" b="1" dirty="0" smtClean="0"/>
+              <a:t>)</a:t>
+            </a:r>
+            <a:r>
+              <a:rPr lang="ja-JP" altLang="en-US" sz="2000" b="1" dirty="0" smtClean="0"/>
+              <a:t>を表示する。</a:t>
+            </a:r>
+            <a:endParaRPr lang="en-US" altLang="ja-JP" sz="2000" b="1" dirty="0" smtClean="0"/>
+          </a:p>
+          <a:p>
+            <a:endParaRPr lang="en-US" altLang="ja-JP" sz="2000" b="1" dirty="0"/>
+          </a:p>
+          <a:p>
+            <a:r>
+              <a:rPr lang="ja-JP" altLang="en-US" sz="2000" b="1" dirty="0" smtClean="0"/>
+              <a:t>・決定ボタン押下、もしくはカーソル等がある場合は</a:t>
+            </a:r>
+            <a:r>
+              <a:rPr lang="ja-JP" altLang="en-US" sz="2000" b="1" dirty="0"/>
+              <a:t>そこ</a:t>
+            </a:r>
+            <a:r>
+              <a:rPr lang="ja-JP" altLang="en-US" sz="2000" b="1" dirty="0" smtClean="0"/>
+              <a:t>にカーソルがある状態で決定ボタン</a:t>
+            </a:r>
+            <a:endParaRPr lang="en-US" altLang="ja-JP" sz="2000" b="1" dirty="0" smtClean="0"/>
+          </a:p>
+          <a:p>
+            <a:r>
+              <a:rPr lang="ja-JP" altLang="en-US" sz="2000" b="1" dirty="0"/>
+              <a:t>　</a:t>
+            </a:r>
+            <a:r>
+              <a:rPr lang="ja-JP" altLang="en-US" sz="2000" b="1" dirty="0" smtClean="0"/>
+              <a:t>押下で、次の「キャラ選択」に移行する。</a:t>
+            </a:r>
+            <a:endParaRPr lang="en-US" altLang="ja-JP" sz="2000" b="1" dirty="0"/>
+          </a:p>
+          <a:p>
+            <a:endParaRPr lang="en-US" altLang="ja-JP" sz="2000" b="1" dirty="0"/>
+          </a:p>
+          <a:p>
+            <a:r>
+              <a:rPr lang="ja-JP" altLang="en-US" sz="2000" b="1" dirty="0" smtClean="0"/>
               <a:t>・背景は画像スクロール等で動きを付ける。</a:t>
             </a:r>
-            <a:endParaRPr lang="en-US" altLang="ja-JP" sz="2400" b="1" dirty="0" smtClean="0"/>
+            <a:endParaRPr lang="en-US" altLang="ja-JP" sz="2000" b="1" dirty="0" smtClean="0"/>
           </a:p>
         </p:txBody>
       </p:sp>
@@ -5264,7 +5389,7 @@
         </p:nvSpPr>
         <p:spPr>
           <a:xfrm>
-            <a:off x="1176500" y="5649612"/>
+            <a:off x="1445152" y="5649612"/>
             <a:ext cx="4801314" cy="461665"/>
           </a:xfrm>
           <a:prstGeom prst="rect">
@@ -5292,14 +5417,14 @@
       </p:sp>
       <p:sp>
         <p:nvSpPr>
-          <p:cNvPr id="47" name="テキスト ボックス 46"/>
+          <p:cNvPr id="49" name="テキスト ボックス 48"/>
           <p:cNvSpPr txBox="1"/>
           <p:nvPr/>
         </p:nvSpPr>
         <p:spPr>
           <a:xfrm>
-            <a:off x="7790261" y="5526502"/>
-            <a:ext cx="1723549" cy="707886"/>
+            <a:off x="7015944" y="5487815"/>
+            <a:ext cx="1818126" cy="923330"/>
           </a:xfrm>
           <a:prstGeom prst="rect">
             <a:avLst/>
@@ -5313,16 +5438,26 @@
           <a:lstStyle/>
           <a:p>
             <a:r>
-              <a:rPr lang="ja-JP" altLang="en-US" sz="4000" b="1" dirty="0" smtClean="0">
+              <a:rPr lang="ja-JP" altLang="en-US" sz="5400" b="1" dirty="0" smtClean="0">
                 <a:ln w="38100">
                   <a:solidFill>
                     <a:schemeClr val="tx1"/>
                   </a:solidFill>
                 </a:ln>
               </a:rPr>
-              <a:t>いいえ</a:t>
-            </a:r>
-            <a:endParaRPr kumimoji="1" lang="en-US" altLang="ja-JP" sz="4000" b="1" dirty="0">
+              <a:t>決定</a:t>
+            </a:r>
+            <a:r>
+              <a:rPr lang="en-US" altLang="ja-JP" sz="5400" b="1" dirty="0" smtClean="0">
+                <a:ln w="38100">
+                  <a:solidFill>
+                    <a:schemeClr val="tx1"/>
+                  </a:solidFill>
+                </a:ln>
+              </a:rPr>
+              <a:t>!</a:t>
+            </a:r>
+            <a:endParaRPr kumimoji="1" lang="en-US" altLang="ja-JP" sz="5400" b="1" dirty="0">
               <a:ln w="38100">
                 <a:solidFill>
                   <a:schemeClr val="tx1"/>
@@ -5334,14 +5469,14 @@
       </p:sp>
       <p:sp>
         <p:nvSpPr>
-          <p:cNvPr id="48" name="テキスト ボックス 47"/>
+          <p:cNvPr id="50" name="テキスト ボックス 49"/>
           <p:cNvSpPr txBox="1"/>
           <p:nvPr/>
         </p:nvSpPr>
         <p:spPr>
           <a:xfrm>
-            <a:off x="7790260" y="5526500"/>
-            <a:ext cx="1723549" cy="707886"/>
+            <a:off x="7015944" y="5487815"/>
+            <a:ext cx="1818126" cy="923330"/>
           </a:xfrm>
           <a:prstGeom prst="rect">
             <a:avLst/>
@@ -5355,98 +5490,22 @@
           <a:lstStyle/>
           <a:p>
             <a:r>
-              <a:rPr lang="ja-JP" altLang="en-US" sz="4000" b="1" dirty="0" smtClean="0">
-                <a:solidFill>
-                  <a:schemeClr val="bg1">
-                    <a:lumMod val="50000"/>
-                  </a:schemeClr>
-                </a:solidFill>
-              </a:rPr>
-              <a:t>いいえ</a:t>
-            </a:r>
-            <a:endParaRPr kumimoji="1" lang="en-US" altLang="ja-JP" sz="4000" b="1" dirty="0">
-              <a:solidFill>
-                <a:schemeClr val="bg1">
-                  <a:lumMod val="50000"/>
-                </a:schemeClr>
-              </a:solidFill>
-            </a:endParaRPr>
-          </a:p>
-        </p:txBody>
-      </p:sp>
-      <p:sp>
-        <p:nvSpPr>
-          <p:cNvPr id="49" name="テキスト ボックス 48"/>
-          <p:cNvSpPr txBox="1"/>
-          <p:nvPr/>
-        </p:nvSpPr>
-        <p:spPr>
-          <a:xfrm>
-            <a:off x="6376599" y="5526501"/>
-            <a:ext cx="1210588" cy="707886"/>
-          </a:xfrm>
-          <a:prstGeom prst="rect">
-            <a:avLst/>
-          </a:prstGeom>
-          <a:noFill/>
-        </p:spPr>
-        <p:txBody>
-          <a:bodyPr wrap="none" rtlCol="0">
-            <a:spAutoFit/>
-          </a:bodyPr>
-          <a:lstStyle/>
-          <a:p>
-            <a:r>
-              <a:rPr lang="ja-JP" altLang="en-US" sz="4000" b="1" dirty="0">
-                <a:ln w="38100">
-                  <a:solidFill>
-                    <a:schemeClr val="tx1"/>
-                  </a:solidFill>
-                </a:ln>
-              </a:rPr>
-              <a:t>はい</a:t>
-            </a:r>
-            <a:endParaRPr kumimoji="1" lang="en-US" altLang="ja-JP" sz="4000" b="1" dirty="0">
-              <a:ln w="38100">
-                <a:solidFill>
-                  <a:schemeClr val="tx1"/>
-                </a:solidFill>
-              </a:ln>
-            </a:endParaRPr>
-          </a:p>
-        </p:txBody>
-      </p:sp>
-      <p:sp>
-        <p:nvSpPr>
-          <p:cNvPr id="50" name="テキスト ボックス 49"/>
-          <p:cNvSpPr txBox="1"/>
-          <p:nvPr/>
-        </p:nvSpPr>
-        <p:spPr>
-          <a:xfrm>
-            <a:off x="6376598" y="5526501"/>
-            <a:ext cx="1210588" cy="707886"/>
-          </a:xfrm>
-          <a:prstGeom prst="rect">
-            <a:avLst/>
-          </a:prstGeom>
-          <a:noFill/>
-        </p:spPr>
-        <p:txBody>
-          <a:bodyPr wrap="none" rtlCol="0">
-            <a:spAutoFit/>
-          </a:bodyPr>
-          <a:lstStyle/>
-          <a:p>
-            <a:r>
-              <a:rPr lang="ja-JP" altLang="en-US" sz="4000" b="1" dirty="0" smtClean="0">
+              <a:rPr lang="ja-JP" altLang="en-US" sz="5400" b="1" dirty="0" smtClean="0">
                 <a:solidFill>
                   <a:schemeClr val="bg1"/>
                 </a:solidFill>
               </a:rPr>
-              <a:t>はい</a:t>
-            </a:r>
-            <a:endParaRPr kumimoji="1" lang="en-US" altLang="ja-JP" sz="4000" b="1" dirty="0">
+              <a:t>決定</a:t>
+            </a:r>
+            <a:r>
+              <a:rPr lang="en-US" altLang="ja-JP" sz="5400" b="1" dirty="0" smtClean="0">
+                <a:solidFill>
+                  <a:schemeClr val="bg1"/>
+                </a:solidFill>
+              </a:rPr>
+              <a:t>!</a:t>
+            </a:r>
+            <a:endParaRPr kumimoji="1" lang="en-US" altLang="ja-JP" sz="5400" b="1" dirty="0">
               <a:solidFill>
                 <a:schemeClr val="bg1"/>
               </a:solidFill>
@@ -5532,14 +5591,14 @@
       </p:sp>
       <p:sp>
         <p:nvSpPr>
-          <p:cNvPr id="3" name="フローチャート: 処理 2"/>
+          <p:cNvPr id="4" name="フローチャート: 処理 3"/>
           <p:cNvSpPr/>
           <p:nvPr/>
         </p:nvSpPr>
         <p:spPr>
           <a:xfrm>
-            <a:off x="430823" y="3030199"/>
-            <a:ext cx="2726636" cy="524038"/>
+            <a:off x="457200" y="3047220"/>
+            <a:ext cx="2681201" cy="515306"/>
           </a:xfrm>
           <a:prstGeom prst="flowChartProcess">
             <a:avLst/>
@@ -5575,30 +5634,39 @@
           <a:p>
             <a:pPr algn="ctr"/>
             <a:r>
-              <a:rPr kumimoji="1" lang="ja-JP" altLang="en-US" b="1" dirty="0" smtClean="0"/>
+              <a:rPr lang="ja-JP" altLang="en-US" b="1" dirty="0" smtClean="0"/>
               <a:t>十字ボタン</a:t>
             </a:r>
+            <a:r>
+              <a:rPr lang="en-US" altLang="ja-JP" b="1" dirty="0" smtClean="0"/>
+              <a:t>(</a:t>
+            </a:r>
+            <a:r>
+              <a:rPr lang="ja-JP" altLang="en-US" b="1" dirty="0" smtClean="0"/>
+              <a:t>上下</a:t>
+            </a:r>
+            <a:r>
+              <a:rPr lang="en-US" altLang="ja-JP" b="1" dirty="0" smtClean="0"/>
+              <a:t>)</a:t>
+            </a:r>
             <a:endParaRPr kumimoji="1" lang="ja-JP" altLang="en-US" b="1" dirty="0"/>
           </a:p>
         </p:txBody>
       </p:sp>
       <p:sp>
         <p:nvSpPr>
-          <p:cNvPr id="4" name="フローチャート: 処理 3"/>
+          <p:cNvPr id="6" name="フローチャート: 処理 5"/>
           <p:cNvSpPr/>
           <p:nvPr/>
         </p:nvSpPr>
         <p:spPr>
           <a:xfrm>
-            <a:off x="457200" y="5060656"/>
+            <a:off x="457199" y="3905450"/>
             <a:ext cx="2681201" cy="515306"/>
           </a:xfrm>
           <a:prstGeom prst="flowChartProcess">
             <a:avLst/>
           </a:prstGeom>
-          <a:solidFill>
-            <a:schemeClr val="accent2"/>
-          </a:solidFill>
           <a:ln w="19050">
             <a:solidFill>
               <a:schemeClr val="tx1"/>
@@ -5627,112 +5695,6 @@
           <a:p>
             <a:pPr algn="ctr"/>
             <a:r>
-              <a:rPr lang="ja-JP" altLang="en-US" b="1" dirty="0"/>
-              <a:t>上下</a:t>
-            </a:r>
-            <a:endParaRPr kumimoji="1" lang="ja-JP" altLang="en-US" b="1" dirty="0"/>
-          </a:p>
-        </p:txBody>
-      </p:sp>
-      <p:sp>
-        <p:nvSpPr>
-          <p:cNvPr id="5" name="フローチャート: 判断 4"/>
-          <p:cNvSpPr/>
-          <p:nvPr/>
-        </p:nvSpPr>
-        <p:spPr>
-          <a:xfrm>
-            <a:off x="586392" y="3906338"/>
-            <a:ext cx="2415498" cy="811394"/>
-          </a:xfrm>
-          <a:prstGeom prst="flowChartDecision">
-            <a:avLst/>
-          </a:prstGeom>
-          <a:ln w="19050">
-            <a:solidFill>
-              <a:schemeClr val="tx1"/>
-            </a:solidFill>
-          </a:ln>
-        </p:spPr>
-        <p:style>
-          <a:lnRef idx="2">
-            <a:schemeClr val="accent1">
-              <a:shade val="50000"/>
-            </a:schemeClr>
-          </a:lnRef>
-          <a:fillRef idx="1">
-            <a:schemeClr val="accent1"/>
-          </a:fillRef>
-          <a:effectRef idx="0">
-            <a:schemeClr val="accent1"/>
-          </a:effectRef>
-          <a:fontRef idx="minor">
-            <a:schemeClr val="lt1"/>
-          </a:fontRef>
-        </p:style>
-        <p:txBody>
-          <a:bodyPr rtlCol="0" anchor="ctr"/>
-          <a:lstStyle/>
-          <a:p>
-            <a:pPr algn="ctr"/>
-            <a:r>
-              <a:rPr kumimoji="1" lang="ja-JP" altLang="en-US" sz="1600" b="1" dirty="0" smtClean="0"/>
-              <a:t>上下</a:t>
-            </a:r>
-            <a:r>
-              <a:rPr lang="en-US" altLang="ja-JP" sz="1600" b="1" dirty="0" smtClean="0"/>
-              <a:t>or</a:t>
-            </a:r>
-            <a:r>
-              <a:rPr kumimoji="1" lang="ja-JP" altLang="en-US" sz="1600" b="1" dirty="0" smtClean="0"/>
-              <a:t>左右</a:t>
-            </a:r>
-            <a:endParaRPr kumimoji="1" lang="ja-JP" altLang="en-US" sz="1600" b="1" dirty="0"/>
-          </a:p>
-        </p:txBody>
-      </p:sp>
-      <p:sp>
-        <p:nvSpPr>
-          <p:cNvPr id="6" name="フローチャート: 処理 5"/>
-          <p:cNvSpPr/>
-          <p:nvPr/>
-        </p:nvSpPr>
-        <p:spPr>
-          <a:xfrm>
-            <a:off x="457199" y="5918886"/>
-            <a:ext cx="2681201" cy="515306"/>
-          </a:xfrm>
-          <a:prstGeom prst="flowChartProcess">
-            <a:avLst/>
-          </a:prstGeom>
-          <a:ln w="19050">
-            <a:solidFill>
-              <a:schemeClr val="tx1"/>
-            </a:solidFill>
-          </a:ln>
-        </p:spPr>
-        <p:style>
-          <a:lnRef idx="2">
-            <a:schemeClr val="accent1">
-              <a:shade val="50000"/>
-            </a:schemeClr>
-          </a:lnRef>
-          <a:fillRef idx="1">
-            <a:schemeClr val="accent1"/>
-          </a:fillRef>
-          <a:effectRef idx="0">
-            <a:schemeClr val="accent1"/>
-          </a:effectRef>
-          <a:fontRef idx="minor">
-            <a:schemeClr val="lt1"/>
-          </a:fontRef>
-        </p:style>
-        <p:txBody>
-          <a:bodyPr rtlCol="0" anchor="ctr"/>
-          <a:lstStyle/>
-          <a:p>
-            <a:pPr algn="ctr"/>
-            <a:r>
               <a:rPr lang="ja-JP" altLang="en-US" sz="1600" b="1" dirty="0" smtClean="0"/>
               <a:t>カーソルの位置を変える</a:t>
             </a:r>
@@ -5740,45 +5702,6 @@
           </a:p>
         </p:txBody>
       </p:sp>
-      <p:cxnSp>
-        <p:nvCxnSpPr>
-          <p:cNvPr id="12" name="直線矢印コネクタ 11"/>
-          <p:cNvCxnSpPr>
-            <a:stCxn id="5" idx="2"/>
-            <a:endCxn id="4" idx="0"/>
-          </p:cNvCxnSpPr>
-          <p:nvPr/>
-        </p:nvCxnSpPr>
-        <p:spPr>
-          <a:xfrm>
-            <a:off x="1794141" y="4717732"/>
-            <a:ext cx="3660" cy="342924"/>
-          </a:xfrm>
-          <a:prstGeom prst="straightConnector1">
-            <a:avLst/>
-          </a:prstGeom>
-          <a:ln w="38100">
-            <a:solidFill>
-              <a:schemeClr val="tx1"/>
-            </a:solidFill>
-            <a:tailEnd type="triangle"/>
-          </a:ln>
-        </p:spPr>
-        <p:style>
-          <a:lnRef idx="1">
-            <a:schemeClr val="accent1"/>
-          </a:lnRef>
-          <a:fillRef idx="0">
-            <a:schemeClr val="accent1"/>
-          </a:fillRef>
-          <a:effectRef idx="0">
-            <a:schemeClr val="accent1"/>
-          </a:effectRef>
-          <a:fontRef idx="minor">
-            <a:schemeClr val="tx1"/>
-          </a:fontRef>
-        </p:style>
-      </p:cxnSp>
       <p:cxnSp>
         <p:nvCxnSpPr>
           <p:cNvPr id="13" name="直線矢印コネクタ 12"/>
@@ -5790,7 +5713,7 @@
         </p:nvCxnSpPr>
         <p:spPr>
           <a:xfrm flipH="1">
-            <a:off x="1797800" y="5575962"/>
+            <a:off x="1797800" y="3562526"/>
             <a:ext cx="1" cy="342924"/>
           </a:xfrm>
           <a:prstGeom prst="straightConnector1">
@@ -5829,7 +5752,7 @@
         </p:nvCxnSpPr>
         <p:spPr>
           <a:xfrm>
-            <a:off x="4640478" y="5575962"/>
+            <a:off x="4640478" y="3564074"/>
             <a:ext cx="0" cy="342924"/>
           </a:xfrm>
           <a:prstGeom prst="straightConnector1">
@@ -5904,7 +5827,7 @@
         </p:nvSpPr>
         <p:spPr>
           <a:xfrm>
-            <a:off x="3299877" y="5060656"/>
+            <a:off x="3299877" y="3048768"/>
             <a:ext cx="2681201" cy="515306"/>
           </a:xfrm>
           <a:prstGeom prst="flowChartProcess">
@@ -5942,9 +5865,21 @@
             <a:pPr algn="ctr"/>
             <a:r>
               <a:rPr lang="ja-JP" altLang="en-US" b="1" dirty="0"/>
+              <a:t>十字ボタン</a:t>
+            </a:r>
+            <a:r>
+              <a:rPr lang="en-US" altLang="ja-JP" b="1" dirty="0" smtClean="0"/>
+              <a:t>(</a:t>
+            </a:r>
+            <a:r>
+              <a:rPr lang="ja-JP" altLang="en-US" b="1" dirty="0" smtClean="0"/>
               <a:t>左右</a:t>
             </a:r>
-            <a:endParaRPr kumimoji="1" lang="ja-JP" altLang="en-US" b="1" dirty="0"/>
+            <a:r>
+              <a:rPr lang="en-US" altLang="ja-JP" b="1" dirty="0" smtClean="0"/>
+              <a:t>)</a:t>
+            </a:r>
+            <a:endParaRPr lang="ja-JP" altLang="en-US" b="1" dirty="0"/>
           </a:p>
         </p:txBody>
       </p:sp>
@@ -5956,7 +5891,7 @@
         </p:nvSpPr>
         <p:spPr>
           <a:xfrm>
-            <a:off x="3299877" y="5918886"/>
+            <a:off x="3299877" y="3906998"/>
             <a:ext cx="2681201" cy="515306"/>
           </a:xfrm>
           <a:prstGeom prst="flowChartProcess">
@@ -6001,15 +5936,14 @@
         <p:nvCxnSpPr>
           <p:cNvPr id="53" name="カギ線コネクタ 52"/>
           <p:cNvCxnSpPr>
-            <a:stCxn id="5" idx="3"/>
             <a:endCxn id="37" idx="0"/>
           </p:cNvCxnSpPr>
           <p:nvPr/>
         </p:nvCxnSpPr>
         <p:spPr>
           <a:xfrm>
-            <a:off x="3001890" y="4312035"/>
-            <a:ext cx="1638588" cy="748621"/>
+            <a:off x="1794141" y="2769577"/>
+            <a:ext cx="2846337" cy="279191"/>
           </a:xfrm>
           <a:prstGeom prst="bentConnector2">
             <a:avLst/>
@@ -6096,7 +6030,7 @@
         </p:nvSpPr>
         <p:spPr>
           <a:xfrm>
-            <a:off x="6333392" y="5065917"/>
+            <a:off x="9217991" y="5047137"/>
             <a:ext cx="2681201" cy="515306"/>
           </a:xfrm>
           <a:prstGeom prst="flowChartProcess">
@@ -6201,7 +6135,7 @@
         </p:nvSpPr>
         <p:spPr>
           <a:xfrm>
-            <a:off x="6333391" y="5918886"/>
+            <a:off x="9217990" y="5900106"/>
             <a:ext cx="2681201" cy="515306"/>
           </a:xfrm>
           <a:prstGeom prst="flowChartProcess">
@@ -6259,14 +6193,14 @@
           <p:cNvPr id="60" name="直線矢印コネクタ 59"/>
           <p:cNvCxnSpPr>
             <a:stCxn id="58" idx="2"/>
-            <a:endCxn id="57" idx="0"/>
+            <a:endCxn id="64" idx="0"/>
           </p:cNvCxnSpPr>
           <p:nvPr/>
         </p:nvCxnSpPr>
         <p:spPr>
           <a:xfrm>
             <a:off x="7670334" y="4704192"/>
-            <a:ext cx="3659" cy="361725"/>
+            <a:ext cx="0" cy="342945"/>
           </a:xfrm>
           <a:prstGeom prst="straightConnector1">
             <a:avLst/>
@@ -6304,7 +6238,7 @@
         </p:nvCxnSpPr>
         <p:spPr>
           <a:xfrm flipH="1">
-            <a:off x="7673992" y="5581223"/>
+            <a:off x="10558591" y="5562443"/>
             <a:ext cx="1" cy="337663"/>
           </a:xfrm>
           <a:prstGeom prst="straightConnector1">
@@ -6343,7 +6277,7 @@
         </p:nvCxnSpPr>
         <p:spPr>
           <a:xfrm>
-            <a:off x="10567339" y="5581223"/>
+            <a:off x="7670334" y="5562443"/>
             <a:ext cx="0" cy="337663"/>
           </a:xfrm>
           <a:prstGeom prst="straightConnector1">
@@ -6418,7 +6352,7 @@
         </p:nvSpPr>
         <p:spPr>
           <a:xfrm>
-            <a:off x="9226738" y="5065917"/>
+            <a:off x="6329733" y="5047137"/>
             <a:ext cx="2681201" cy="515306"/>
           </a:xfrm>
           <a:prstGeom prst="flowChartProcess">
@@ -6470,7 +6404,7 @@
         </p:nvSpPr>
         <p:spPr>
           <a:xfrm>
-            <a:off x="9226738" y="5918886"/>
+            <a:off x="6329733" y="5900106"/>
             <a:ext cx="2681201" cy="515306"/>
           </a:xfrm>
           <a:prstGeom prst="flowChartProcess">
@@ -6520,14 +6454,14 @@
           <p:cNvPr id="66" name="カギ線コネクタ 65"/>
           <p:cNvCxnSpPr>
             <a:stCxn id="58" idx="3"/>
-            <a:endCxn id="64" idx="0"/>
+            <a:endCxn id="57" idx="0"/>
           </p:cNvCxnSpPr>
           <p:nvPr/>
         </p:nvCxnSpPr>
         <p:spPr>
           <a:xfrm>
             <a:off x="8878083" y="4298495"/>
-            <a:ext cx="1689256" cy="767422"/>
+            <a:ext cx="1680509" cy="748642"/>
           </a:xfrm>
           <a:prstGeom prst="bentConnector2">
             <a:avLst/>
@@ -6657,14 +6591,14 @@
           <p:cNvPr id="72" name="直線矢印コネクタ 71"/>
           <p:cNvCxnSpPr>
             <a:stCxn id="68" idx="2"/>
-            <a:endCxn id="3" idx="0"/>
+            <a:endCxn id="4" idx="0"/>
           </p:cNvCxnSpPr>
           <p:nvPr/>
         </p:nvCxnSpPr>
         <p:spPr>
-          <a:xfrm flipH="1">
-            <a:off x="1794141" y="2628880"/>
-            <a:ext cx="3659" cy="401319"/>
+          <a:xfrm>
+            <a:off x="1797800" y="2628880"/>
+            <a:ext cx="1" cy="418340"/>
           </a:xfrm>
           <a:prstGeom prst="straightConnector1">
             <a:avLst/>
@@ -6732,20 +6666,107 @@
       </p:cxnSp>
       <p:cxnSp>
         <p:nvCxnSpPr>
-          <p:cNvPr id="86" name="直線矢印コネクタ 85"/>
+          <p:cNvPr id="39" name="カギ線コネクタ 38"/>
           <p:cNvCxnSpPr>
-            <a:stCxn id="3" idx="2"/>
-            <a:endCxn id="5" idx="0"/>
+            <a:stCxn id="6" idx="2"/>
+            <a:endCxn id="67" idx="1"/>
           </p:cNvCxnSpPr>
           <p:nvPr/>
         </p:nvCxnSpPr>
         <p:spPr>
-          <a:xfrm>
-            <a:off x="1794141" y="3554237"/>
-            <a:ext cx="0" cy="352101"/>
-          </a:xfrm>
-          <a:prstGeom prst="straightConnector1">
-            <a:avLst/>
+          <a:xfrm rot="5400000" flipH="1">
+            <a:off x="-488522" y="2134435"/>
+            <a:ext cx="3205667" cy="1366977"/>
+          </a:xfrm>
+          <a:prstGeom prst="bentConnector4">
+            <a:avLst>
+              <a:gd name="adj1" fmla="val -7131"/>
+              <a:gd name="adj2" fmla="val 116723"/>
+            </a:avLst>
+          </a:prstGeom>
+          <a:ln w="38100">
+            <a:solidFill>
+              <a:schemeClr val="tx1"/>
+            </a:solidFill>
+            <a:tailEnd type="triangle"/>
+          </a:ln>
+        </p:spPr>
+        <p:style>
+          <a:lnRef idx="1">
+            <a:schemeClr val="accent1"/>
+          </a:lnRef>
+          <a:fillRef idx="0">
+            <a:schemeClr val="accent1"/>
+          </a:fillRef>
+          <a:effectRef idx="0">
+            <a:schemeClr val="accent1"/>
+          </a:effectRef>
+          <a:fontRef idx="minor">
+            <a:schemeClr val="tx1"/>
+          </a:fontRef>
+        </p:style>
+      </p:cxnSp>
+      <p:cxnSp>
+        <p:nvCxnSpPr>
+          <p:cNvPr id="42" name="カギ線コネクタ 41"/>
+          <p:cNvCxnSpPr>
+            <a:stCxn id="44" idx="2"/>
+            <a:endCxn id="67" idx="1"/>
+          </p:cNvCxnSpPr>
+          <p:nvPr/>
+        </p:nvCxnSpPr>
+        <p:spPr>
+          <a:xfrm rot="5400000" flipH="1">
+            <a:off x="932043" y="713870"/>
+            <a:ext cx="3207215" cy="4209655"/>
+          </a:xfrm>
+          <a:prstGeom prst="bentConnector4">
+            <a:avLst>
+              <a:gd name="adj1" fmla="val -7128"/>
+              <a:gd name="adj2" fmla="val 105430"/>
+            </a:avLst>
+          </a:prstGeom>
+          <a:ln w="38100">
+            <a:solidFill>
+              <a:schemeClr val="tx1"/>
+            </a:solidFill>
+            <a:tailEnd type="triangle"/>
+          </a:ln>
+        </p:spPr>
+        <p:style>
+          <a:lnRef idx="1">
+            <a:schemeClr val="accent1"/>
+          </a:lnRef>
+          <a:fillRef idx="0">
+            <a:schemeClr val="accent1"/>
+          </a:fillRef>
+          <a:effectRef idx="0">
+            <a:schemeClr val="accent1"/>
+          </a:effectRef>
+          <a:fontRef idx="minor">
+            <a:schemeClr val="tx1"/>
+          </a:fontRef>
+        </p:style>
+      </p:cxnSp>
+      <p:cxnSp>
+        <p:nvCxnSpPr>
+          <p:cNvPr id="46" name="カギ線コネクタ 45"/>
+          <p:cNvCxnSpPr>
+            <a:stCxn id="65" idx="2"/>
+            <a:endCxn id="67" idx="1"/>
+          </p:cNvCxnSpPr>
+          <p:nvPr/>
+        </p:nvCxnSpPr>
+        <p:spPr>
+          <a:xfrm rot="5400000" flipH="1">
+            <a:off x="1450417" y="195496"/>
+            <a:ext cx="5200323" cy="7239511"/>
+          </a:xfrm>
+          <a:prstGeom prst="bentConnector4">
+            <a:avLst>
+              <a:gd name="adj1" fmla="val -4396"/>
+              <a:gd name="adj2" fmla="val 103158"/>
+            </a:avLst>
           </a:prstGeom>
           <a:ln w="38100">
             <a:solidFill>
@@ -6932,7 +6953,23 @@
           <a:p>
             <a:r>
               <a:rPr lang="ja-JP" altLang="en-US" sz="2000" b="1" dirty="0" smtClean="0"/>
-              <a:t>・十字キーの左右で選択し、決定ボタンで決定する。</a:t>
+              <a:t>・</a:t>
+            </a:r>
+            <a:r>
+              <a:rPr lang="ja-JP" altLang="en-US" sz="2000" b="1" dirty="0" smtClean="0"/>
+              <a:t>十字</a:t>
+            </a:r>
+            <a:r>
+              <a:rPr lang="ja-JP" altLang="en-US" sz="2000" b="1" dirty="0"/>
+              <a:t>ボタン</a:t>
+            </a:r>
+            <a:r>
+              <a:rPr lang="ja-JP" altLang="en-US" sz="2000" b="1" dirty="0" smtClean="0"/>
+              <a:t>の</a:t>
+            </a:r>
+            <a:r>
+              <a:rPr lang="ja-JP" altLang="en-US" sz="2000" b="1" dirty="0" smtClean="0"/>
+              <a:t>左右で選択し、決定ボタンで決定する。</a:t>
             </a:r>
             <a:endParaRPr lang="en-US" altLang="ja-JP" sz="2000" b="1" dirty="0" smtClean="0"/>
           </a:p>
@@ -6952,15 +6989,47 @@
           <a:p>
             <a:r>
               <a:rPr lang="ja-JP" altLang="en-US" sz="2000" b="1" dirty="0" smtClean="0"/>
-              <a:t>・決定したら</a:t>
+              <a:t>・決定</a:t>
+            </a:r>
+            <a:r>
+              <a:rPr lang="ja-JP" altLang="en-US" sz="2000" b="1" dirty="0" smtClean="0"/>
+              <a:t>したら</a:t>
+            </a:r>
+            <a:r>
+              <a:rPr lang="ja-JP" altLang="en-US" sz="2000" b="1" dirty="0" smtClean="0"/>
+              <a:t>テクスチャ</a:t>
             </a:r>
             <a:r>
               <a:rPr lang="en-US" altLang="ja-JP" sz="2000" b="1" dirty="0" smtClean="0"/>
-              <a:t>UI</a:t>
+              <a:t>(</a:t>
             </a:r>
             <a:r>
               <a:rPr lang="ja-JP" altLang="en-US" sz="2000" b="1" dirty="0" smtClean="0"/>
-              <a:t>等で決定したことを表示する。</a:t>
+              <a:t>「</a:t>
+            </a:r>
+            <a:r>
+              <a:rPr lang="en-US" altLang="ja-JP" sz="2000" b="1" dirty="0" smtClean="0"/>
+              <a:t>OK</a:t>
+            </a:r>
+            <a:r>
+              <a:rPr lang="en-US" altLang="ja-JP" sz="2000" b="1" dirty="0"/>
+              <a:t>!</a:t>
+            </a:r>
+            <a:r>
+              <a:rPr lang="ja-JP" altLang="en-US" sz="2000" b="1" dirty="0" smtClean="0"/>
+              <a:t>」等</a:t>
+            </a:r>
+            <a:r>
+              <a:rPr lang="en-US" altLang="ja-JP" sz="2000" b="1" dirty="0" smtClean="0"/>
+              <a:t>)</a:t>
+            </a:r>
+            <a:r>
+              <a:rPr lang="ja-JP" altLang="en-US" sz="2000" b="1" dirty="0" smtClean="0"/>
+              <a:t>で</a:t>
+            </a:r>
+            <a:r>
+              <a:rPr lang="ja-JP" altLang="en-US" sz="2000" b="1" dirty="0" smtClean="0"/>
+              <a:t>決定したことを表示する。</a:t>
             </a:r>
             <a:endParaRPr lang="en-US" altLang="ja-JP" sz="2000" b="1" dirty="0" smtClean="0"/>
           </a:p>
@@ -6980,7 +7049,15 @@
           <a:p>
             <a:r>
               <a:rPr lang="ja-JP" altLang="en-US" sz="2000" b="1" dirty="0" smtClean="0"/>
-              <a:t>・プレビューのモデルは、ニュートラルモーションさせる。</a:t>
+              <a:t>・プレビューのモデルは</a:t>
+            </a:r>
+            <a:r>
+              <a:rPr lang="ja-JP" altLang="en-US" sz="2000" b="1" dirty="0" smtClean="0"/>
+              <a:t>、静止状態またはニュートラルモーション</a:t>
+            </a:r>
+            <a:r>
+              <a:rPr lang="ja-JP" altLang="en-US" sz="2000" b="1" dirty="0" smtClean="0"/>
+              <a:t>させる。</a:t>
             </a:r>
             <a:endParaRPr lang="en-US" altLang="ja-JP" sz="2000" b="1" dirty="0" smtClean="0"/>
           </a:p>
@@ -9087,7 +9164,7 @@
         </p:nvSpPr>
         <p:spPr>
           <a:xfrm>
-            <a:off x="430823" y="3030199"/>
+            <a:off x="1112615" y="4078015"/>
             <a:ext cx="2726636" cy="524038"/>
           </a:xfrm>
           <a:prstGeom prst="flowChartProcess">
@@ -9151,7 +9228,7 @@
         </p:nvSpPr>
         <p:spPr>
           <a:xfrm>
-            <a:off x="457199" y="3959236"/>
+            <a:off x="1138991" y="4835163"/>
             <a:ext cx="2681201" cy="515306"/>
           </a:xfrm>
           <a:prstGeom prst="flowChartProcess">
@@ -9196,15 +9273,15 @@
         <p:nvCxnSpPr>
           <p:cNvPr id="58" name="直線矢印コネクタ 57"/>
           <p:cNvCxnSpPr>
-            <a:stCxn id="73" idx="2"/>
+            <a:stCxn id="70" idx="2"/>
             <a:endCxn id="74" idx="0"/>
           </p:cNvCxnSpPr>
           <p:nvPr/>
         </p:nvCxnSpPr>
         <p:spPr>
           <a:xfrm>
-            <a:off x="1794141" y="1477108"/>
-            <a:ext cx="3659" cy="340378"/>
+            <a:off x="2479592" y="2722170"/>
+            <a:ext cx="0" cy="293612"/>
           </a:xfrm>
           <a:prstGeom prst="straightConnector1">
             <a:avLst/>
@@ -9239,7 +9316,7 @@
         </p:nvSpPr>
         <p:spPr>
           <a:xfrm>
-            <a:off x="3528647" y="3030199"/>
+            <a:off x="4210439" y="4078015"/>
             <a:ext cx="2726636" cy="524038"/>
           </a:xfrm>
           <a:prstGeom prst="flowChartProcess">
@@ -9291,7 +9368,7 @@
         </p:nvSpPr>
         <p:spPr>
           <a:xfrm>
-            <a:off x="3555023" y="5065917"/>
+            <a:off x="4252217" y="1243607"/>
             <a:ext cx="2681201" cy="515306"/>
           </a:xfrm>
           <a:prstGeom prst="flowChartProcess">
@@ -9343,7 +9420,7 @@
         </p:nvSpPr>
         <p:spPr>
           <a:xfrm>
-            <a:off x="3684216" y="3892798"/>
+            <a:off x="1271843" y="1101704"/>
             <a:ext cx="2415498" cy="811394"/>
           </a:xfrm>
           <a:prstGeom prst="flowChartDecision">
@@ -9377,10 +9454,10 @@
           <a:p>
             <a:pPr algn="ctr"/>
             <a:r>
-              <a:rPr kumimoji="1" lang="ja-JP" altLang="en-US" sz="1600" b="1" dirty="0" smtClean="0"/>
+              <a:rPr kumimoji="1" lang="ja-JP" altLang="en-US" b="1" dirty="0" smtClean="0"/>
               <a:t>全員選択したか</a:t>
             </a:r>
-            <a:endParaRPr kumimoji="1" lang="ja-JP" altLang="en-US" sz="1600" b="1" dirty="0"/>
+            <a:endParaRPr kumimoji="1" lang="ja-JP" altLang="en-US" b="1" dirty="0"/>
           </a:p>
         </p:txBody>
       </p:sp>
@@ -9392,7 +9469,7 @@
         </p:nvSpPr>
         <p:spPr>
           <a:xfrm>
-            <a:off x="3555022" y="5918886"/>
+            <a:off x="4252217" y="1996230"/>
             <a:ext cx="2681201" cy="515306"/>
           </a:xfrm>
           <a:prstGeom prst="flowChartProcess">
@@ -9450,14 +9527,14 @@
           <p:cNvPr id="66" name="直線矢印コネクタ 65"/>
           <p:cNvCxnSpPr>
             <a:stCxn id="64" idx="2"/>
-            <a:endCxn id="63" idx="0"/>
+            <a:endCxn id="70" idx="0"/>
           </p:cNvCxnSpPr>
           <p:nvPr/>
         </p:nvCxnSpPr>
         <p:spPr>
           <a:xfrm>
-            <a:off x="4891965" y="4704192"/>
-            <a:ext cx="3659" cy="361725"/>
+            <a:off x="2479592" y="1913098"/>
+            <a:ext cx="0" cy="293766"/>
           </a:xfrm>
           <a:prstGeom prst="straightConnector1">
             <a:avLst/>
@@ -9494,48 +9571,9 @@
           <p:nvPr/>
         </p:nvCxnSpPr>
         <p:spPr>
-          <a:xfrm flipH="1">
-            <a:off x="4895623" y="5581223"/>
-            <a:ext cx="1" cy="337663"/>
-          </a:xfrm>
-          <a:prstGeom prst="straightConnector1">
-            <a:avLst/>
-          </a:prstGeom>
-          <a:ln w="38100">
-            <a:solidFill>
-              <a:schemeClr val="tx1"/>
-            </a:solidFill>
-            <a:tailEnd type="triangle"/>
-          </a:ln>
-        </p:spPr>
-        <p:style>
-          <a:lnRef idx="1">
-            <a:schemeClr val="accent1"/>
-          </a:lnRef>
-          <a:fillRef idx="0">
-            <a:schemeClr val="accent1"/>
-          </a:fillRef>
-          <a:effectRef idx="0">
-            <a:schemeClr val="accent1"/>
-          </a:effectRef>
-          <a:fontRef idx="minor">
-            <a:schemeClr val="tx1"/>
-          </a:fontRef>
-        </p:style>
-      </p:cxnSp>
-      <p:cxnSp>
-        <p:nvCxnSpPr>
-          <p:cNvPr id="68" name="直線矢印コネクタ 67"/>
-          <p:cNvCxnSpPr>
-            <a:stCxn id="70" idx="2"/>
-            <a:endCxn id="71" idx="0"/>
-          </p:cNvCxnSpPr>
-          <p:nvPr/>
-        </p:nvCxnSpPr>
-        <p:spPr>
-          <a:xfrm>
-            <a:off x="7788970" y="5581223"/>
-            <a:ext cx="0" cy="337663"/>
+          <a:xfrm>
+            <a:off x="5592818" y="1758913"/>
+            <a:ext cx="0" cy="237317"/>
           </a:xfrm>
           <a:prstGeom prst="straightConnector1">
             <a:avLst/>
@@ -9567,14 +9605,14 @@
           <p:cNvPr id="69" name="直線矢印コネクタ 68"/>
           <p:cNvCxnSpPr>
             <a:stCxn id="62" idx="2"/>
-            <a:endCxn id="64" idx="0"/>
+            <a:endCxn id="33" idx="0"/>
           </p:cNvCxnSpPr>
           <p:nvPr/>
         </p:nvCxnSpPr>
         <p:spPr>
           <a:xfrm>
-            <a:off x="4891965" y="3554237"/>
-            <a:ext cx="0" cy="338561"/>
+            <a:off x="5573757" y="4602053"/>
+            <a:ext cx="0" cy="233110"/>
           </a:xfrm>
           <a:prstGeom prst="straightConnector1">
             <a:avLst/>
@@ -9609,14 +9647,14 @@
         </p:nvSpPr>
         <p:spPr>
           <a:xfrm>
-            <a:off x="6448369" y="5065917"/>
+            <a:off x="1138991" y="2206864"/>
             <a:ext cx="2681201" cy="515306"/>
           </a:xfrm>
           <a:prstGeom prst="flowChartProcess">
             <a:avLst/>
           </a:prstGeom>
           <a:solidFill>
-            <a:schemeClr val="accent2"/>
+            <a:schemeClr val="tx1"/>
           </a:solidFill>
           <a:ln w="19050">
             <a:solidFill>
@@ -9646,8 +9684,8 @@
           <a:p>
             <a:pPr algn="ctr"/>
             <a:r>
-              <a:rPr lang="ja-JP" altLang="en-US" b="1" dirty="0"/>
-              <a:t>それ以外</a:t>
+              <a:rPr kumimoji="1" lang="ja-JP" altLang="en-US" b="1" dirty="0" smtClean="0"/>
+              <a:t>していない</a:t>
             </a:r>
             <a:endParaRPr kumimoji="1" lang="ja-JP" altLang="en-US" b="1" dirty="0"/>
           </a:p>
@@ -9655,16 +9693,16 @@
       </p:sp>
       <p:sp>
         <p:nvSpPr>
-          <p:cNvPr id="71" name="フローチャート: 処理 70"/>
+          <p:cNvPr id="74" name="フローチャート: 判断 73"/>
           <p:cNvSpPr/>
           <p:nvPr/>
         </p:nvSpPr>
         <p:spPr>
           <a:xfrm>
-            <a:off x="6448369" y="5918886"/>
-            <a:ext cx="2681201" cy="515306"/>
-          </a:xfrm>
-          <a:prstGeom prst="flowChartProcess">
+            <a:off x="1271843" y="3015782"/>
+            <a:ext cx="2415498" cy="811394"/>
+          </a:xfrm>
+          <a:prstGeom prst="flowChartDecision">
             <a:avLst/>
           </a:prstGeom>
           <a:ln w="19050">
@@ -9695,147 +9733,6 @@
           <a:p>
             <a:pPr algn="ctr"/>
             <a:r>
-              <a:rPr lang="ja-JP" altLang="en-US" sz="1600" b="1" dirty="0"/>
-              <a:t>カーソルの位置</a:t>
-            </a:r>
-            <a:r>
-              <a:rPr lang="ja-JP" altLang="en-US" sz="1600" b="1" dirty="0" smtClean="0"/>
-              <a:t>を、次の項目の位置に変える</a:t>
-            </a:r>
-            <a:endParaRPr kumimoji="1" lang="ja-JP" altLang="en-US" sz="1600" b="1" dirty="0"/>
-          </a:p>
-        </p:txBody>
-      </p:sp>
-      <p:cxnSp>
-        <p:nvCxnSpPr>
-          <p:cNvPr id="72" name="カギ線コネクタ 71"/>
-          <p:cNvCxnSpPr>
-            <a:stCxn id="64" idx="3"/>
-            <a:endCxn id="70" idx="0"/>
-          </p:cNvCxnSpPr>
-          <p:nvPr/>
-        </p:nvCxnSpPr>
-        <p:spPr>
-          <a:xfrm>
-            <a:off x="6099714" y="4298495"/>
-            <a:ext cx="1689256" cy="767422"/>
-          </a:xfrm>
-          <a:prstGeom prst="bentConnector2">
-            <a:avLst/>
-          </a:prstGeom>
-          <a:ln w="38100">
-            <a:solidFill>
-              <a:schemeClr val="tx1"/>
-            </a:solidFill>
-            <a:tailEnd type="triangle"/>
-          </a:ln>
-        </p:spPr>
-        <p:style>
-          <a:lnRef idx="1">
-            <a:schemeClr val="accent1"/>
-          </a:lnRef>
-          <a:fillRef idx="0">
-            <a:schemeClr val="accent1"/>
-          </a:fillRef>
-          <a:effectRef idx="0">
-            <a:schemeClr val="accent1"/>
-          </a:effectRef>
-          <a:fontRef idx="minor">
-            <a:schemeClr val="tx1"/>
-          </a:fontRef>
-        </p:style>
-      </p:cxnSp>
-      <p:sp>
-        <p:nvSpPr>
-          <p:cNvPr id="73" name="フローチャート: 処理 72"/>
-          <p:cNvSpPr/>
-          <p:nvPr/>
-        </p:nvSpPr>
-        <p:spPr>
-          <a:xfrm>
-            <a:off x="430823" y="953070"/>
-            <a:ext cx="2726636" cy="524038"/>
-          </a:xfrm>
-          <a:prstGeom prst="flowChartProcess">
-            <a:avLst/>
-          </a:prstGeom>
-          <a:ln w="19050">
-            <a:solidFill>
-              <a:schemeClr val="tx1"/>
-            </a:solidFill>
-          </a:ln>
-        </p:spPr>
-        <p:style>
-          <a:lnRef idx="2">
-            <a:schemeClr val="accent1">
-              <a:shade val="50000"/>
-            </a:schemeClr>
-          </a:lnRef>
-          <a:fillRef idx="1">
-            <a:schemeClr val="accent1"/>
-          </a:fillRef>
-          <a:effectRef idx="0">
-            <a:schemeClr val="accent1"/>
-          </a:effectRef>
-          <a:fontRef idx="minor">
-            <a:schemeClr val="lt1"/>
-          </a:fontRef>
-        </p:style>
-        <p:txBody>
-          <a:bodyPr rtlCol="0" anchor="ctr"/>
-          <a:lstStyle/>
-          <a:p>
-            <a:pPr algn="ctr"/>
-            <a:r>
-              <a:rPr lang="ja-JP" altLang="en-US" b="1" dirty="0" smtClean="0"/>
-              <a:t>ボタンの入力があった</a:t>
-            </a:r>
-            <a:endParaRPr kumimoji="1" lang="ja-JP" altLang="en-US" b="1" dirty="0"/>
-          </a:p>
-        </p:txBody>
-      </p:sp>
-      <p:sp>
-        <p:nvSpPr>
-          <p:cNvPr id="74" name="フローチャート: 判断 73"/>
-          <p:cNvSpPr/>
-          <p:nvPr/>
-        </p:nvSpPr>
-        <p:spPr>
-          <a:xfrm>
-            <a:off x="590051" y="1817486"/>
-            <a:ext cx="2415498" cy="811394"/>
-          </a:xfrm>
-          <a:prstGeom prst="flowChartDecision">
-            <a:avLst/>
-          </a:prstGeom>
-          <a:ln w="19050">
-            <a:solidFill>
-              <a:schemeClr val="tx1"/>
-            </a:solidFill>
-          </a:ln>
-        </p:spPr>
-        <p:style>
-          <a:lnRef idx="2">
-            <a:schemeClr val="accent1">
-              <a:shade val="50000"/>
-            </a:schemeClr>
-          </a:lnRef>
-          <a:fillRef idx="1">
-            <a:schemeClr val="accent1"/>
-          </a:fillRef>
-          <a:effectRef idx="0">
-            <a:schemeClr val="accent1"/>
-          </a:effectRef>
-          <a:fontRef idx="minor">
-            <a:schemeClr val="lt1"/>
-          </a:fontRef>
-        </p:style>
-        <p:txBody>
-          <a:bodyPr rtlCol="0" anchor="ctr"/>
-          <a:lstStyle/>
-          <a:p>
-            <a:pPr algn="ctr"/>
-            <a:r>
               <a:rPr kumimoji="1" lang="ja-JP" altLang="en-US" sz="1600" b="1" dirty="0" smtClean="0"/>
               <a:t>どのボタンを押したか</a:t>
             </a:r>
@@ -9854,8 +9751,8 @@
         </p:nvCxnSpPr>
         <p:spPr>
           <a:xfrm flipH="1">
-            <a:off x="1794141" y="2628880"/>
-            <a:ext cx="3659" cy="401319"/>
+            <a:off x="2475933" y="3827176"/>
+            <a:ext cx="3659" cy="250839"/>
           </a:xfrm>
           <a:prstGeom prst="straightConnector1">
             <a:avLst/>
@@ -9893,8 +9790,8 @@
         </p:nvCxnSpPr>
         <p:spPr>
           <a:xfrm>
-            <a:off x="3005549" y="2223183"/>
-            <a:ext cx="1886416" cy="807016"/>
+            <a:off x="3687341" y="3421479"/>
+            <a:ext cx="1886416" cy="656536"/>
           </a:xfrm>
           <a:prstGeom prst="bentConnector2">
             <a:avLst/>
@@ -9932,11 +9829,279 @@
         </p:nvCxnSpPr>
         <p:spPr>
           <a:xfrm>
-            <a:off x="1794141" y="3554237"/>
-            <a:ext cx="3659" cy="404999"/>
+            <a:off x="2475933" y="4602053"/>
+            <a:ext cx="3659" cy="233110"/>
           </a:xfrm>
           <a:prstGeom prst="straightConnector1">
             <a:avLst/>
+          </a:prstGeom>
+          <a:ln w="38100">
+            <a:solidFill>
+              <a:schemeClr val="tx1"/>
+            </a:solidFill>
+            <a:tailEnd type="triangle"/>
+          </a:ln>
+        </p:spPr>
+        <p:style>
+          <a:lnRef idx="1">
+            <a:schemeClr val="accent1"/>
+          </a:lnRef>
+          <a:fillRef idx="0">
+            <a:schemeClr val="accent1"/>
+          </a:fillRef>
+          <a:effectRef idx="0">
+            <a:schemeClr val="accent1"/>
+          </a:effectRef>
+          <a:fontRef idx="minor">
+            <a:schemeClr val="tx1"/>
+          </a:fontRef>
+        </p:style>
+      </p:cxnSp>
+      <p:sp>
+        <p:nvSpPr>
+          <p:cNvPr id="33" name="フローチャート: 処理 32"/>
+          <p:cNvSpPr/>
+          <p:nvPr/>
+        </p:nvSpPr>
+        <p:spPr>
+          <a:xfrm>
+            <a:off x="4210439" y="4835163"/>
+            <a:ext cx="2726636" cy="515306"/>
+          </a:xfrm>
+          <a:prstGeom prst="flowChartProcess">
+            <a:avLst/>
+          </a:prstGeom>
+          <a:ln w="19050">
+            <a:solidFill>
+              <a:schemeClr val="tx1"/>
+            </a:solidFill>
+          </a:ln>
+        </p:spPr>
+        <p:style>
+          <a:lnRef idx="2">
+            <a:schemeClr val="accent1">
+              <a:shade val="50000"/>
+            </a:schemeClr>
+          </a:lnRef>
+          <a:fillRef idx="1">
+            <a:schemeClr val="accent1"/>
+          </a:fillRef>
+          <a:effectRef idx="0">
+            <a:schemeClr val="accent1"/>
+          </a:effectRef>
+          <a:fontRef idx="minor">
+            <a:schemeClr val="lt1"/>
+          </a:fontRef>
+        </p:style>
+        <p:txBody>
+          <a:bodyPr rtlCol="0" anchor="ctr"/>
+          <a:lstStyle/>
+          <a:p>
+            <a:pPr algn="ctr"/>
+            <a:r>
+              <a:rPr kumimoji="1" lang="ja-JP" altLang="en-US" sz="1400" b="1" dirty="0" smtClean="0"/>
+              <a:t>現在選択されているキャラクターで設定する</a:t>
+            </a:r>
+            <a:endParaRPr kumimoji="1" lang="ja-JP" altLang="en-US" sz="1400" b="1" dirty="0"/>
+          </a:p>
+        </p:txBody>
+      </p:sp>
+      <p:sp>
+        <p:nvSpPr>
+          <p:cNvPr id="35" name="フローチャート: 処理 34"/>
+          <p:cNvSpPr/>
+          <p:nvPr/>
+        </p:nvSpPr>
+        <p:spPr>
+          <a:xfrm>
+            <a:off x="4206782" y="5583579"/>
+            <a:ext cx="2726636" cy="515306"/>
+          </a:xfrm>
+          <a:prstGeom prst="flowChartProcess">
+            <a:avLst/>
+          </a:prstGeom>
+          <a:ln w="19050">
+            <a:solidFill>
+              <a:schemeClr val="tx1"/>
+            </a:solidFill>
+          </a:ln>
+        </p:spPr>
+        <p:style>
+          <a:lnRef idx="2">
+            <a:schemeClr val="accent1">
+              <a:shade val="50000"/>
+            </a:schemeClr>
+          </a:lnRef>
+          <a:fillRef idx="1">
+            <a:schemeClr val="accent1"/>
+          </a:fillRef>
+          <a:effectRef idx="0">
+            <a:schemeClr val="accent1"/>
+          </a:effectRef>
+          <a:fontRef idx="minor">
+            <a:schemeClr val="lt1"/>
+          </a:fontRef>
+        </p:style>
+        <p:txBody>
+          <a:bodyPr rtlCol="0" anchor="ctr"/>
+          <a:lstStyle/>
+          <a:p>
+            <a:pPr algn="ctr"/>
+            <a:r>
+              <a:rPr kumimoji="1" lang="ja-JP" altLang="en-US" sz="1400" b="1" dirty="0" smtClean="0"/>
+              <a:t>「</a:t>
+            </a:r>
+            <a:r>
+              <a:rPr kumimoji="1" lang="en-US" altLang="ja-JP" sz="1400" b="1" dirty="0" smtClean="0"/>
+              <a:t>OK!</a:t>
+            </a:r>
+            <a:r>
+              <a:rPr kumimoji="1" lang="ja-JP" altLang="en-US" sz="1400" b="1" dirty="0" smtClean="0"/>
+              <a:t>」等のテクスチャを表示する</a:t>
+            </a:r>
+            <a:endParaRPr kumimoji="1" lang="ja-JP" altLang="en-US" sz="1400" b="1" dirty="0"/>
+          </a:p>
+        </p:txBody>
+      </p:sp>
+      <p:cxnSp>
+        <p:nvCxnSpPr>
+          <p:cNvPr id="36" name="直線矢印コネクタ 35"/>
+          <p:cNvCxnSpPr>
+            <a:stCxn id="33" idx="2"/>
+            <a:endCxn id="35" idx="0"/>
+          </p:cNvCxnSpPr>
+          <p:nvPr/>
+        </p:nvCxnSpPr>
+        <p:spPr>
+          <a:xfrm flipH="1">
+            <a:off x="5570100" y="5350469"/>
+            <a:ext cx="3657" cy="233110"/>
+          </a:xfrm>
+          <a:prstGeom prst="straightConnector1">
+            <a:avLst/>
+          </a:prstGeom>
+          <a:ln w="38100">
+            <a:solidFill>
+              <a:schemeClr val="tx1"/>
+            </a:solidFill>
+            <a:tailEnd type="triangle"/>
+          </a:ln>
+        </p:spPr>
+        <p:style>
+          <a:lnRef idx="1">
+            <a:schemeClr val="accent1"/>
+          </a:lnRef>
+          <a:fillRef idx="0">
+            <a:schemeClr val="accent1"/>
+          </a:fillRef>
+          <a:effectRef idx="0">
+            <a:schemeClr val="accent1"/>
+          </a:effectRef>
+          <a:fontRef idx="minor">
+            <a:schemeClr val="tx1"/>
+          </a:fontRef>
+        </p:style>
+      </p:cxnSp>
+      <p:cxnSp>
+        <p:nvCxnSpPr>
+          <p:cNvPr id="78" name="直線矢印コネクタ 77"/>
+          <p:cNvCxnSpPr>
+            <a:stCxn id="64" idx="3"/>
+            <a:endCxn id="63" idx="1"/>
+          </p:cNvCxnSpPr>
+          <p:nvPr/>
+        </p:nvCxnSpPr>
+        <p:spPr>
+          <a:xfrm flipV="1">
+            <a:off x="3687341" y="1501260"/>
+            <a:ext cx="564876" cy="6141"/>
+          </a:xfrm>
+          <a:prstGeom prst="straightConnector1">
+            <a:avLst/>
+          </a:prstGeom>
+          <a:ln w="38100">
+            <a:solidFill>
+              <a:schemeClr val="tx1"/>
+            </a:solidFill>
+            <a:tailEnd type="triangle"/>
+          </a:ln>
+        </p:spPr>
+        <p:style>
+          <a:lnRef idx="1">
+            <a:schemeClr val="accent1"/>
+          </a:lnRef>
+          <a:fillRef idx="0">
+            <a:schemeClr val="accent1"/>
+          </a:fillRef>
+          <a:effectRef idx="0">
+            <a:schemeClr val="accent1"/>
+          </a:effectRef>
+          <a:fontRef idx="minor">
+            <a:schemeClr val="tx1"/>
+          </a:fontRef>
+        </p:style>
+      </p:cxnSp>
+      <p:cxnSp>
+        <p:nvCxnSpPr>
+          <p:cNvPr id="79" name="カギ線コネクタ 78"/>
+          <p:cNvCxnSpPr>
+            <a:stCxn id="35" idx="2"/>
+            <a:endCxn id="64" idx="1"/>
+          </p:cNvCxnSpPr>
+          <p:nvPr/>
+        </p:nvCxnSpPr>
+        <p:spPr>
+          <a:xfrm rot="5400000" flipH="1">
+            <a:off x="1125230" y="1654015"/>
+            <a:ext cx="4591484" cy="4298257"/>
+          </a:xfrm>
+          <a:prstGeom prst="bentConnector4">
+            <a:avLst>
+              <a:gd name="adj1" fmla="val -4979"/>
+              <a:gd name="adj2" fmla="val 123931"/>
+            </a:avLst>
+          </a:prstGeom>
+          <a:ln w="38100">
+            <a:solidFill>
+              <a:schemeClr val="tx1"/>
+            </a:solidFill>
+            <a:tailEnd type="triangle"/>
+          </a:ln>
+        </p:spPr>
+        <p:style>
+          <a:lnRef idx="1">
+            <a:schemeClr val="accent1"/>
+          </a:lnRef>
+          <a:fillRef idx="0">
+            <a:schemeClr val="accent1"/>
+          </a:fillRef>
+          <a:effectRef idx="0">
+            <a:schemeClr val="accent1"/>
+          </a:effectRef>
+          <a:fontRef idx="minor">
+            <a:schemeClr val="tx1"/>
+          </a:fontRef>
+        </p:style>
+      </p:cxnSp>
+      <p:cxnSp>
+        <p:nvCxnSpPr>
+          <p:cNvPr id="88" name="カギ線コネクタ 87"/>
+          <p:cNvCxnSpPr>
+            <a:stCxn id="54" idx="2"/>
+            <a:endCxn id="74" idx="1"/>
+          </p:cNvCxnSpPr>
+          <p:nvPr/>
+        </p:nvCxnSpPr>
+        <p:spPr>
+          <a:xfrm rot="5400000" flipH="1">
+            <a:off x="911223" y="3782100"/>
+            <a:ext cx="1928990" cy="1207749"/>
+          </a:xfrm>
+          <a:prstGeom prst="bentConnector4">
+            <a:avLst>
+              <a:gd name="adj1" fmla="val -11851"/>
+              <a:gd name="adj2" fmla="val 150312"/>
+            </a:avLst>
           </a:prstGeom>
           <a:ln w="38100">
             <a:solidFill>
@@ -10133,7 +10298,23 @@
           <a:p>
             <a:r>
               <a:rPr lang="ja-JP" altLang="en-US" sz="2000" b="1" dirty="0" smtClean="0"/>
-              <a:t>・十字キーの左右で選択し、決定ボタンで決定。</a:t>
+              <a:t>・</a:t>
+            </a:r>
+            <a:r>
+              <a:rPr lang="ja-JP" altLang="en-US" sz="2000" b="1" dirty="0" smtClean="0"/>
+              <a:t>十字</a:t>
+            </a:r>
+            <a:r>
+              <a:rPr lang="ja-JP" altLang="en-US" sz="2000" b="1" dirty="0"/>
+              <a:t>ボタン</a:t>
+            </a:r>
+            <a:r>
+              <a:rPr lang="ja-JP" altLang="en-US" sz="2000" b="1" dirty="0" smtClean="0"/>
+              <a:t>の</a:t>
+            </a:r>
+            <a:r>
+              <a:rPr lang="ja-JP" altLang="en-US" sz="2000" b="1" dirty="0" smtClean="0"/>
+              <a:t>左右で選択し、決定ボタンで決定。</a:t>
             </a:r>
             <a:endParaRPr lang="en-US" altLang="ja-JP" sz="2000" b="1" dirty="0" smtClean="0"/>
           </a:p>
@@ -11695,6 +11876,48 @@
           </a:p>
         </p:txBody>
       </p:sp>
+      <p:cxnSp>
+        <p:nvCxnSpPr>
+          <p:cNvPr id="18" name="カギ線コネクタ 17"/>
+          <p:cNvCxnSpPr>
+            <a:stCxn id="10" idx="2"/>
+            <a:endCxn id="5" idx="1"/>
+          </p:cNvCxnSpPr>
+          <p:nvPr/>
+        </p:nvCxnSpPr>
+        <p:spPr>
+          <a:xfrm rot="5400000" flipH="1" flipV="1">
+            <a:off x="2030780" y="2694604"/>
+            <a:ext cx="3409159" cy="1994644"/>
+          </a:xfrm>
+          <a:prstGeom prst="bentConnector4">
+            <a:avLst>
+              <a:gd name="adj1" fmla="val -7479"/>
+              <a:gd name="adj2" fmla="val -84780"/>
+            </a:avLst>
+          </a:prstGeom>
+          <a:ln w="38100">
+            <a:solidFill>
+              <a:schemeClr val="tx1"/>
+            </a:solidFill>
+            <a:tailEnd type="triangle"/>
+          </a:ln>
+        </p:spPr>
+        <p:style>
+          <a:lnRef idx="1">
+            <a:schemeClr val="accent1"/>
+          </a:lnRef>
+          <a:fillRef idx="0">
+            <a:schemeClr val="accent1"/>
+          </a:fillRef>
+          <a:effectRef idx="0">
+            <a:schemeClr val="accent1"/>
+          </a:effectRef>
+          <a:fontRef idx="minor">
+            <a:schemeClr val="tx1"/>
+          </a:fontRef>
+        </p:style>
+      </p:cxnSp>
     </p:spTree>
     <p:extLst>
       <p:ext uri="{BB962C8B-B14F-4D97-AF65-F5344CB8AC3E}">
@@ -12075,12 +12298,17 @@
           <a:p>
             <a:r>
               <a:rPr lang="ja-JP" altLang="en-US" sz="2000" b="1" dirty="0" smtClean="0"/>
-              <a:t>ゲームの流れ </a:t>
+              <a:t>ゲームの</a:t>
+            </a:r>
+            <a:r>
+              <a:rPr lang="ja-JP" altLang="en-US" sz="2000" b="1" dirty="0" smtClean="0"/>
+              <a:t>流れ </a:t>
             </a:r>
             <a:r>
               <a:rPr lang="en-US" altLang="ja-JP" sz="2000" b="1" dirty="0" smtClean="0"/>
               <a:t>… 3P</a:t>
             </a:r>
+            <a:endParaRPr lang="en-US" altLang="ja-JP" sz="2000" b="1" dirty="0" smtClean="0"/>
           </a:p>
           <a:p>
             <a:endParaRPr lang="en-US" altLang="ja-JP" sz="2000" b="1" dirty="0" smtClean="0"/>
@@ -12092,11 +12320,7 @@
             </a:r>
             <a:r>
               <a:rPr lang="en-US" altLang="ja-JP" sz="2000" b="1" dirty="0" smtClean="0"/>
-              <a:t>… </a:t>
-            </a:r>
-            <a:r>
-              <a:rPr lang="en-US" altLang="ja-JP" sz="2000" b="1" dirty="0" smtClean="0"/>
-              <a:t>4P</a:t>
+              <a:t>… 4P</a:t>
             </a:r>
             <a:r>
               <a:rPr lang="ja-JP" altLang="en-US" sz="2000" b="1" dirty="0" smtClean="0"/>
@@ -12136,11 +12360,7 @@
           <a:p>
             <a:r>
               <a:rPr lang="ja-JP" altLang="en-US" sz="2000" b="1" dirty="0" smtClean="0"/>
-              <a:t>ゲームルール</a:t>
-            </a:r>
-            <a:r>
-              <a:rPr lang="ja-JP" altLang="en-US" sz="2000" b="1" dirty="0" smtClean="0"/>
-              <a:t>選択 </a:t>
+              <a:t>ゲームルール選択 </a:t>
             </a:r>
             <a:r>
               <a:rPr lang="en-US" altLang="ja-JP" sz="2000" b="1" dirty="0"/>
@@ -12311,11 +12531,7 @@
             </a:r>
             <a:r>
               <a:rPr lang="en-US" altLang="ja-JP" sz="2000" b="1" dirty="0" smtClean="0"/>
-              <a:t>… </a:t>
-            </a:r>
-            <a:r>
-              <a:rPr lang="en-US" altLang="ja-JP" sz="2000" b="1" dirty="0" smtClean="0"/>
-              <a:t>28P</a:t>
+              <a:t>… 28P</a:t>
             </a:r>
             <a:r>
               <a:rPr lang="ja-JP" altLang="en-US" sz="2000" b="1" dirty="0" smtClean="0"/>
@@ -16937,8 +17153,8 @@
         </p:nvSpPr>
         <p:spPr>
           <a:xfrm>
-            <a:off x="600695" y="954887"/>
-            <a:ext cx="10990610" cy="3608148"/>
+            <a:off x="600695" y="954886"/>
+            <a:ext cx="10990610" cy="4680983"/>
           </a:xfrm>
           <a:prstGeom prst="roundRect">
             <a:avLst>
@@ -17033,7 +17249,7 @@
         <p:spPr>
           <a:xfrm>
             <a:off x="690171" y="1243452"/>
-            <a:ext cx="10591361" cy="2862322"/>
+            <a:ext cx="10902344" cy="4093428"/>
           </a:xfrm>
           <a:prstGeom prst="rect">
             <a:avLst/>
@@ -17048,7 +17264,15 @@
           <a:p>
             <a:r>
               <a:rPr lang="ja-JP" altLang="en-US" sz="2000" b="1" dirty="0" smtClean="0"/>
-              <a:t>・プレイヤーの選択したキャラが、それぞれのカラーの柱</a:t>
+              <a:t>・プレイヤーの選択した</a:t>
+            </a:r>
+            <a:r>
+              <a:rPr lang="ja-JP" altLang="en-US" sz="2000" b="1" dirty="0" smtClean="0"/>
+              <a:t>キャラと、</a:t>
+            </a:r>
+            <a:r>
+              <a:rPr lang="ja-JP" altLang="en-US" sz="2000" b="1" dirty="0" smtClean="0"/>
+              <a:t>それぞれのカラーの柱</a:t>
             </a:r>
             <a:r>
               <a:rPr lang="en-US" altLang="ja-JP" sz="2000" b="1" dirty="0" smtClean="0"/>
@@ -17072,14 +17296,18 @@
             </a:r>
             <a:r>
               <a:rPr lang="ja-JP" altLang="en-US" sz="2000" b="1" dirty="0" smtClean="0"/>
-              <a:t>に乗っており、塗った</a:t>
+              <a:t>を表示する。キャラモデル</a:t>
             </a:r>
             <a:endParaRPr lang="en-US" altLang="ja-JP" sz="2000" b="1" dirty="0" smtClean="0"/>
           </a:p>
           <a:p>
             <a:r>
+              <a:rPr lang="ja-JP" altLang="en-US" sz="2000" b="1" dirty="0"/>
+              <a:t>　</a:t>
+            </a:r>
+            <a:r>
               <a:rPr lang="ja-JP" altLang="en-US" sz="2000" b="1" dirty="0" smtClean="0"/>
-              <a:t>　パネルの分だけ柱の高さが上昇して視覚的に順位を提示する。</a:t>
+              <a:t>は、柱の上に乗っている状態にしておく。</a:t>
             </a:r>
             <a:endParaRPr lang="en-US" altLang="ja-JP" sz="2000" b="1" dirty="0" smtClean="0"/>
           </a:p>
@@ -17089,7 +17317,76 @@
           <a:p>
             <a:r>
               <a:rPr lang="ja-JP" altLang="en-US" sz="2000" b="1" dirty="0" smtClean="0"/>
-              <a:t>・上記の演出後、「</a:t>
+              <a:t>・</a:t>
+            </a:r>
+            <a:r>
+              <a:rPr lang="ja-JP" altLang="en-US" sz="2000" b="1" dirty="0" smtClean="0"/>
+              <a:t>各プレイヤーが</a:t>
+            </a:r>
+            <a:r>
+              <a:rPr lang="ja-JP" altLang="en-US" sz="2000" b="1" dirty="0" smtClean="0"/>
+              <a:t>塗ったパネル</a:t>
+            </a:r>
+            <a:r>
+              <a:rPr lang="ja-JP" altLang="en-US" sz="2000" b="1" dirty="0" smtClean="0"/>
+              <a:t>の分だけ柱の</a:t>
+            </a:r>
+            <a:r>
+              <a:rPr lang="ja-JP" altLang="en-US" sz="2000" b="1" dirty="0" smtClean="0"/>
+              <a:t>高さ</a:t>
+            </a:r>
+            <a:r>
+              <a:rPr lang="ja-JP" altLang="en-US" sz="2000" b="1" dirty="0"/>
+              <a:t>を</a:t>
+            </a:r>
+            <a:r>
+              <a:rPr lang="ja-JP" altLang="en-US" sz="2000" b="1" dirty="0" smtClean="0"/>
+              <a:t>上昇させる</a:t>
+            </a:r>
+            <a:r>
+              <a:rPr lang="en-US" altLang="ja-JP" sz="2000" b="1" dirty="0" smtClean="0"/>
+              <a:t>(</a:t>
+            </a:r>
+            <a:r>
+              <a:rPr lang="ja-JP" altLang="en-US" sz="2000" b="1" dirty="0" smtClean="0"/>
+              <a:t>全プレイヤー分の上昇が終</a:t>
+            </a:r>
+            <a:r>
+              <a:rPr lang="ja-JP" altLang="en-US" sz="2000" b="1" dirty="0" err="1" smtClean="0"/>
+              <a:t>わ</a:t>
+            </a:r>
+            <a:endParaRPr lang="en-US" altLang="ja-JP" sz="2000" b="1" dirty="0" smtClean="0"/>
+          </a:p>
+          <a:p>
+            <a:r>
+              <a:rPr lang="ja-JP" altLang="en-US" sz="2000" b="1" dirty="0"/>
+              <a:t>　</a:t>
+            </a:r>
+            <a:r>
+              <a:rPr lang="ja-JP" altLang="en-US" sz="2000" b="1" dirty="0" err="1" smtClean="0"/>
+              <a:t>るま</a:t>
+            </a:r>
+            <a:r>
+              <a:rPr lang="ja-JP" altLang="en-US" sz="2000" b="1" dirty="0" smtClean="0"/>
+              <a:t>で</a:t>
+            </a:r>
+            <a:r>
+              <a:rPr lang="en-US" altLang="ja-JP" sz="2000" b="1" dirty="0" smtClean="0"/>
+              <a:t>)</a:t>
+            </a:r>
+            <a:r>
+              <a:rPr lang="ja-JP" altLang="en-US" sz="2000" b="1" dirty="0" err="1" smtClean="0"/>
+              <a:t>。</a:t>
+            </a:r>
+            <a:endParaRPr lang="en-US" altLang="ja-JP" sz="2000" b="1" dirty="0"/>
+          </a:p>
+          <a:p>
+            <a:endParaRPr lang="en-US" altLang="ja-JP" sz="2000" b="1" dirty="0"/>
+          </a:p>
+          <a:p>
+            <a:r>
+              <a:rPr lang="ja-JP" altLang="en-US" sz="2000" b="1" dirty="0" smtClean="0"/>
+              <a:t>・「</a:t>
             </a:r>
             <a:r>
               <a:rPr lang="en-US" altLang="ja-JP" sz="2000" b="1" dirty="0" smtClean="0"/>
@@ -17105,7 +17402,11 @@
             </a:r>
             <a:r>
               <a:rPr lang="ja-JP" altLang="en-US" sz="2000" b="1" dirty="0" smtClean="0"/>
-              <a:t>」等の画像を表示する。</a:t>
+              <a:t>」等</a:t>
+            </a:r>
+            <a:r>
+              <a:rPr lang="ja-JP" altLang="en-US" sz="2000" b="1" dirty="0" smtClean="0"/>
+              <a:t>の順位テクスチャを表示し、エフェクトやモーション等で演出。</a:t>
             </a:r>
             <a:endParaRPr lang="en-US" altLang="ja-JP" sz="2000" b="1" dirty="0" smtClean="0"/>
           </a:p>
@@ -17115,7 +17416,27 @@
           <a:p>
             <a:r>
               <a:rPr lang="ja-JP" altLang="en-US" sz="2000" b="1" dirty="0" smtClean="0"/>
-              <a:t>・「ゲームルール選択」か「タイトルへ」の</a:t>
+              <a:t>・演出後、「</a:t>
+            </a:r>
+            <a:r>
+              <a:rPr lang="ja-JP" altLang="en-US" sz="2000" b="1" dirty="0" smtClean="0"/>
+              <a:t>ゲームルール選択</a:t>
+            </a:r>
+            <a:r>
+              <a:rPr lang="ja-JP" altLang="en-US" sz="2000" b="1" dirty="0" smtClean="0"/>
+              <a:t>」</a:t>
+            </a:r>
+            <a:r>
+              <a:rPr lang="ja-JP" altLang="en-US" sz="2000" b="1" dirty="0"/>
+              <a:t>と</a:t>
+            </a:r>
+            <a:r>
+              <a:rPr lang="ja-JP" altLang="en-US" sz="2000" b="1" dirty="0" smtClean="0"/>
+              <a:t>「</a:t>
+            </a:r>
+            <a:r>
+              <a:rPr lang="ja-JP" altLang="en-US" sz="2000" b="1" dirty="0" smtClean="0"/>
+              <a:t>タイトルへ」の</a:t>
             </a:r>
             <a:r>
               <a:rPr lang="en-US" altLang="ja-JP" sz="2000" b="1" dirty="0" smtClean="0"/>
@@ -17123,26 +17444,37 @@
             </a:r>
             <a:r>
               <a:rPr lang="ja-JP" altLang="en-US" sz="2000" b="1" dirty="0" smtClean="0"/>
-              <a:t>項目を表示し、プレイヤーに選択させ、選択</a:t>
+              <a:t>項目</a:t>
+            </a:r>
+            <a:r>
+              <a:rPr lang="en-US" altLang="ja-JP" sz="2000" b="1" dirty="0" smtClean="0"/>
+              <a:t>(</a:t>
+            </a:r>
+            <a:r>
+              <a:rPr lang="ja-JP" altLang="en-US" sz="2000" b="1" dirty="0" smtClean="0"/>
+              <a:t>テクスチャ等</a:t>
+            </a:r>
+            <a:r>
+              <a:rPr lang="en-US" altLang="ja-JP" sz="2000" b="1" dirty="0" smtClean="0"/>
+              <a:t>)</a:t>
+            </a:r>
+            <a:r>
+              <a:rPr lang="ja-JP" altLang="en-US" sz="2000" b="1" dirty="0" smtClean="0"/>
+              <a:t>を表示する。</a:t>
             </a:r>
             <a:endParaRPr lang="en-US" altLang="ja-JP" sz="2000" b="1" dirty="0" smtClean="0"/>
           </a:p>
           <a:p>
-            <a:r>
-              <a:rPr lang="ja-JP" altLang="en-US" sz="2000" b="1" dirty="0"/>
-              <a:t>　</a:t>
-            </a:r>
+            <a:endParaRPr lang="en-US" altLang="ja-JP" sz="2000" b="1" dirty="0"/>
+          </a:p>
+          <a:p>
             <a:r>
               <a:rPr lang="ja-JP" altLang="en-US" sz="2000" b="1" dirty="0" smtClean="0"/>
-              <a:t>された</a:t>
-            </a:r>
-            <a:r>
-              <a:rPr lang="ja-JP" altLang="en-US" sz="2000" b="1" dirty="0"/>
-              <a:t>方に遷移</a:t>
+              <a:t>・十字キーの左右で選択、決定ボタンで決定</a:t>
             </a:r>
             <a:r>
               <a:rPr lang="ja-JP" altLang="en-US" sz="2000" b="1" dirty="0" smtClean="0"/>
-              <a:t>する。</a:t>
+              <a:t>。</a:t>
             </a:r>
             <a:endParaRPr lang="en-US" altLang="ja-JP" sz="2000" b="1" dirty="0" smtClean="0"/>
           </a:p>
@@ -17152,7 +17484,7 @@
           <a:p>
             <a:r>
               <a:rPr lang="ja-JP" altLang="en-US" sz="2000" b="1" dirty="0" smtClean="0"/>
-              <a:t>・十字キーの左右で選択、決定ボタンで決定。</a:t>
+              <a:t>・選択されたゲームモードに移行する。</a:t>
             </a:r>
             <a:endParaRPr lang="en-US" altLang="ja-JP" sz="2000" b="1" dirty="0" smtClean="0"/>
           </a:p>
@@ -19315,7 +19647,7 @@
         </p:nvSpPr>
         <p:spPr>
           <a:xfrm>
-            <a:off x="6569294" y="306006"/>
+            <a:off x="6490165" y="859921"/>
             <a:ext cx="2726636" cy="524038"/>
           </a:xfrm>
           <a:prstGeom prst="flowChartProcess">
@@ -19370,12 +19702,12 @@
         </p:nvCxnSpPr>
         <p:spPr>
           <a:xfrm flipV="1">
-            <a:off x="5939463" y="568025"/>
-            <a:ext cx="629831" cy="4397674"/>
+            <a:off x="5939463" y="1121940"/>
+            <a:ext cx="550702" cy="3843759"/>
           </a:xfrm>
           <a:prstGeom prst="bentConnector3">
             <a:avLst>
-              <a:gd name="adj1" fmla="val 50000"/>
+              <a:gd name="adj1" fmla="val 59579"/>
             </a:avLst>
           </a:prstGeom>
           <a:ln w="38100">
@@ -19408,7 +19740,7 @@
         </p:nvSpPr>
         <p:spPr>
           <a:xfrm>
-            <a:off x="6569294" y="1092063"/>
+            <a:off x="6490165" y="1645978"/>
             <a:ext cx="2723196" cy="515306"/>
           </a:xfrm>
           <a:prstGeom prst="flowChartProcess">
@@ -19468,7 +19800,7 @@
         </p:nvCxnSpPr>
         <p:spPr>
           <a:xfrm flipH="1">
-            <a:off x="7930892" y="830044"/>
+            <a:off x="7851763" y="1383959"/>
             <a:ext cx="1720" cy="262019"/>
           </a:xfrm>
           <a:prstGeom prst="straightConnector1">
@@ -19504,7 +19836,7 @@
         </p:nvSpPr>
         <p:spPr>
           <a:xfrm>
-            <a:off x="6569294" y="1869388"/>
+            <a:off x="6490165" y="2423303"/>
             <a:ext cx="2723196" cy="515306"/>
           </a:xfrm>
           <a:prstGeom prst="flowChartProcess">
@@ -19556,7 +19888,7 @@
         </p:nvCxnSpPr>
         <p:spPr>
           <a:xfrm>
-            <a:off x="7930892" y="1607369"/>
+            <a:off x="7851763" y="2161284"/>
             <a:ext cx="0" cy="262019"/>
           </a:xfrm>
           <a:prstGeom prst="straightConnector1">
@@ -19592,7 +19924,7 @@
         </p:nvSpPr>
         <p:spPr>
           <a:xfrm>
-            <a:off x="6564230" y="2646713"/>
+            <a:off x="6485101" y="3200628"/>
             <a:ext cx="2723196" cy="515306"/>
           </a:xfrm>
           <a:prstGeom prst="flowChartProcess">
@@ -19644,7 +19976,7 @@
         </p:nvCxnSpPr>
         <p:spPr>
           <a:xfrm flipH="1">
-            <a:off x="7925828" y="2384694"/>
+            <a:off x="7846699" y="2938609"/>
             <a:ext cx="5064" cy="262019"/>
           </a:xfrm>
           <a:prstGeom prst="straightConnector1">
@@ -19680,7 +20012,7 @@
         </p:nvSpPr>
         <p:spPr>
           <a:xfrm>
-            <a:off x="6723143" y="3422309"/>
+            <a:off x="6644014" y="3976224"/>
             <a:ext cx="2415498" cy="831443"/>
           </a:xfrm>
           <a:prstGeom prst="flowChartDecision">
@@ -19747,7 +20079,7 @@
         </p:nvCxnSpPr>
         <p:spPr>
           <a:xfrm>
-            <a:off x="7925828" y="3162019"/>
+            <a:off x="7846699" y="3715934"/>
             <a:ext cx="5064" cy="260290"/>
           </a:xfrm>
           <a:prstGeom prst="straightConnector1">
@@ -19783,7 +20115,7 @@
         </p:nvSpPr>
         <p:spPr>
           <a:xfrm>
-            <a:off x="6569294" y="4514042"/>
+            <a:off x="6490165" y="5067957"/>
             <a:ext cx="2726636" cy="524038"/>
           </a:xfrm>
           <a:prstGeom prst="flowChartProcess">
@@ -19838,7 +20170,7 @@
         </p:nvCxnSpPr>
         <p:spPr>
           <a:xfrm>
-            <a:off x="7930892" y="4253752"/>
+            <a:off x="7851763" y="4807667"/>
             <a:ext cx="1720" cy="260290"/>
           </a:xfrm>
           <a:prstGeom prst="straightConnector1">
@@ -19874,7 +20206,7 @@
         </p:nvSpPr>
         <p:spPr>
           <a:xfrm>
-            <a:off x="9340083" y="4514042"/>
+            <a:off x="9260954" y="5067957"/>
             <a:ext cx="2726636" cy="524038"/>
           </a:xfrm>
           <a:prstGeom prst="flowChartProcess">
@@ -19929,7 +20261,7 @@
         </p:nvCxnSpPr>
         <p:spPr>
           <a:xfrm>
-            <a:off x="9138641" y="3838031"/>
+            <a:off x="9059512" y="4391946"/>
             <a:ext cx="1564760" cy="676011"/>
           </a:xfrm>
           <a:prstGeom prst="bentConnector2">
@@ -19965,7 +20297,7 @@
         </p:nvSpPr>
         <p:spPr>
           <a:xfrm>
-            <a:off x="6564230" y="5599685"/>
+            <a:off x="6485101" y="5810703"/>
             <a:ext cx="2723196" cy="515306"/>
           </a:xfrm>
           <a:prstGeom prst="flowChartProcess">
@@ -20017,8 +20349,8 @@
         </p:nvCxnSpPr>
         <p:spPr>
           <a:xfrm flipH="1">
-            <a:off x="7925828" y="5038080"/>
-            <a:ext cx="6784" cy="561605"/>
+            <a:off x="7846699" y="5591995"/>
+            <a:ext cx="6784" cy="218708"/>
           </a:xfrm>
           <a:prstGeom prst="straightConnector1">
             <a:avLst/>
@@ -20053,7 +20385,7 @@
         </p:nvSpPr>
         <p:spPr>
           <a:xfrm>
-            <a:off x="9335743" y="5599685"/>
+            <a:off x="9256614" y="5810703"/>
             <a:ext cx="2723196" cy="515306"/>
           </a:xfrm>
           <a:prstGeom prst="flowChartProcess">
@@ -20105,8 +20437,8 @@
         </p:nvCxnSpPr>
         <p:spPr>
           <a:xfrm flipH="1">
-            <a:off x="10697341" y="5038080"/>
-            <a:ext cx="6060" cy="561605"/>
+            <a:off x="10618212" y="5591995"/>
+            <a:ext cx="6060" cy="218708"/>
           </a:xfrm>
           <a:prstGeom prst="straightConnector1">
             <a:avLst/>
@@ -20171,8 +20503,8 @@
         </p:nvSpPr>
         <p:spPr>
           <a:xfrm>
-            <a:off x="158036" y="1140798"/>
-            <a:ext cx="4498162" cy="1489365"/>
+            <a:off x="549646" y="1140798"/>
+            <a:ext cx="3808664" cy="1489365"/>
           </a:xfrm>
           <a:prstGeom prst="roundRect">
             <a:avLst>
@@ -20292,7 +20624,7 @@
         </p:nvSpPr>
         <p:spPr>
           <a:xfrm>
-            <a:off x="1045205" y="1285315"/>
+            <a:off x="1092067" y="1285315"/>
             <a:ext cx="2723823" cy="1200329"/>
           </a:xfrm>
           <a:prstGeom prst="rect">
@@ -20375,7 +20707,7 @@
         <p:spPr>
           <a:xfrm>
             <a:off x="7574549" y="1140093"/>
-            <a:ext cx="4498162" cy="1489365"/>
+            <a:ext cx="4131564" cy="1489365"/>
           </a:xfrm>
           <a:prstGeom prst="roundRect">
             <a:avLst>
@@ -20427,7 +20759,7 @@
         </p:nvSpPr>
         <p:spPr>
           <a:xfrm>
-            <a:off x="8000055" y="1284610"/>
+            <a:off x="7816755" y="1284610"/>
             <a:ext cx="3647152" cy="1200329"/>
           </a:xfrm>
           <a:prstGeom prst="rect">
@@ -20505,8 +20837,8 @@
         </p:nvSpPr>
         <p:spPr>
           <a:xfrm>
-            <a:off x="61216" y="3754858"/>
-            <a:ext cx="4498162" cy="2292966"/>
+            <a:off x="348578" y="3738178"/>
+            <a:ext cx="4009732" cy="2292966"/>
           </a:xfrm>
           <a:prstGeom prst="roundRect">
             <a:avLst>
@@ -20558,7 +20890,7 @@
         </p:nvSpPr>
         <p:spPr>
           <a:xfrm>
-            <a:off x="602339" y="3885679"/>
+            <a:off x="645284" y="3911535"/>
             <a:ext cx="3416320" cy="2031325"/>
           </a:xfrm>
           <a:prstGeom prst="rect">
@@ -20680,8 +21012,8 @@
         </p:nvSpPr>
         <p:spPr>
           <a:xfrm>
-            <a:off x="7666930" y="5082769"/>
-            <a:ext cx="4498162" cy="1489365"/>
+            <a:off x="7988505" y="5082769"/>
+            <a:ext cx="3833408" cy="1489365"/>
           </a:xfrm>
           <a:prstGeom prst="roundRect">
             <a:avLst>
@@ -20733,7 +21065,7 @@
         </p:nvSpPr>
         <p:spPr>
           <a:xfrm>
-            <a:off x="8438685" y="5227286"/>
+            <a:off x="8427882" y="5227286"/>
             <a:ext cx="2954655" cy="1200329"/>
           </a:xfrm>
           <a:prstGeom prst="rect">
@@ -20946,6 +21278,198 @@
           </a:p>
         </p:txBody>
       </p:sp>
+      <p:cxnSp>
+        <p:nvCxnSpPr>
+          <p:cNvPr id="14" name="カギ線コネクタ 13"/>
+          <p:cNvCxnSpPr>
+            <a:stCxn id="6" idx="1"/>
+          </p:cNvCxnSpPr>
+          <p:nvPr/>
+        </p:nvCxnSpPr>
+        <p:spPr>
+          <a:xfrm rot="10800000" flipV="1">
+            <a:off x="7077813" y="1884776"/>
+            <a:ext cx="496737" cy="1517846"/>
+          </a:xfrm>
+          <a:prstGeom prst="bentConnector2">
+            <a:avLst/>
+          </a:prstGeom>
+          <a:ln w="38100">
+            <a:solidFill>
+              <a:srgbClr val="FFC000"/>
+            </a:solidFill>
+            <a:tailEnd type="triangle"/>
+          </a:ln>
+        </p:spPr>
+        <p:style>
+          <a:lnRef idx="1">
+            <a:schemeClr val="accent1"/>
+          </a:lnRef>
+          <a:fillRef idx="0">
+            <a:schemeClr val="accent1"/>
+          </a:fillRef>
+          <a:effectRef idx="0">
+            <a:schemeClr val="accent1"/>
+          </a:effectRef>
+          <a:fontRef idx="minor">
+            <a:schemeClr val="tx1"/>
+          </a:fontRef>
+        </p:style>
+      </p:cxnSp>
+      <p:cxnSp>
+        <p:nvCxnSpPr>
+          <p:cNvPr id="17" name="カギ線コネクタ 16"/>
+          <p:cNvCxnSpPr/>
+          <p:nvPr/>
+        </p:nvCxnSpPr>
+        <p:spPr>
+          <a:xfrm rot="10800000">
+            <a:off x="7656754" y="3402623"/>
+            <a:ext cx="712896" cy="413511"/>
+          </a:xfrm>
+          <a:prstGeom prst="bentConnector3">
+            <a:avLst>
+              <a:gd name="adj1" fmla="val 50000"/>
+            </a:avLst>
+          </a:prstGeom>
+          <a:ln w="38100">
+            <a:solidFill>
+              <a:srgbClr val="FFC000"/>
+            </a:solidFill>
+            <a:tailEnd type="triangle"/>
+          </a:ln>
+        </p:spPr>
+        <p:style>
+          <a:lnRef idx="1">
+            <a:schemeClr val="accent1"/>
+          </a:lnRef>
+          <a:fillRef idx="0">
+            <a:schemeClr val="accent1"/>
+          </a:fillRef>
+          <a:effectRef idx="0">
+            <a:schemeClr val="accent1"/>
+          </a:effectRef>
+          <a:fontRef idx="minor">
+            <a:schemeClr val="tx1"/>
+          </a:fontRef>
+        </p:style>
+      </p:cxnSp>
+      <p:cxnSp>
+        <p:nvCxnSpPr>
+          <p:cNvPr id="20" name="カギ線コネクタ 19"/>
+          <p:cNvCxnSpPr>
+            <a:stCxn id="23" idx="1"/>
+          </p:cNvCxnSpPr>
+          <p:nvPr/>
+        </p:nvCxnSpPr>
+        <p:spPr>
+          <a:xfrm rot="10800000">
+            <a:off x="7397581" y="3669126"/>
+            <a:ext cx="590925" cy="2158327"/>
+          </a:xfrm>
+          <a:prstGeom prst="bentConnector2">
+            <a:avLst/>
+          </a:prstGeom>
+          <a:ln w="38100">
+            <a:solidFill>
+              <a:srgbClr val="FFC000"/>
+            </a:solidFill>
+            <a:tailEnd type="triangle"/>
+          </a:ln>
+        </p:spPr>
+        <p:style>
+          <a:lnRef idx="1">
+            <a:schemeClr val="accent1"/>
+          </a:lnRef>
+          <a:fillRef idx="0">
+            <a:schemeClr val="accent1"/>
+          </a:fillRef>
+          <a:effectRef idx="0">
+            <a:schemeClr val="accent1"/>
+          </a:effectRef>
+          <a:fontRef idx="minor">
+            <a:schemeClr val="tx1"/>
+          </a:fontRef>
+        </p:style>
+      </p:cxnSp>
+      <p:cxnSp>
+        <p:nvCxnSpPr>
+          <p:cNvPr id="25" name="カギ線コネクタ 24"/>
+          <p:cNvCxnSpPr>
+            <a:stCxn id="8" idx="3"/>
+          </p:cNvCxnSpPr>
+          <p:nvPr/>
+        </p:nvCxnSpPr>
+        <p:spPr>
+          <a:xfrm flipV="1">
+            <a:off x="4358310" y="4146757"/>
+            <a:ext cx="1280031" cy="737904"/>
+          </a:xfrm>
+          <a:prstGeom prst="bentConnector3">
+            <a:avLst>
+              <a:gd name="adj1" fmla="val 50000"/>
+            </a:avLst>
+          </a:prstGeom>
+          <a:ln w="38100">
+            <a:solidFill>
+              <a:srgbClr val="FFC000"/>
+            </a:solidFill>
+            <a:tailEnd type="triangle"/>
+          </a:ln>
+        </p:spPr>
+        <p:style>
+          <a:lnRef idx="1">
+            <a:schemeClr val="accent1"/>
+          </a:lnRef>
+          <a:fillRef idx="0">
+            <a:schemeClr val="accent1"/>
+          </a:fillRef>
+          <a:effectRef idx="0">
+            <a:schemeClr val="accent1"/>
+          </a:effectRef>
+          <a:fontRef idx="minor">
+            <a:schemeClr val="tx1"/>
+          </a:fontRef>
+        </p:style>
+      </p:cxnSp>
+      <p:cxnSp>
+        <p:nvCxnSpPr>
+          <p:cNvPr id="28" name="カギ線コネクタ 27"/>
+          <p:cNvCxnSpPr>
+            <a:stCxn id="5" idx="3"/>
+          </p:cNvCxnSpPr>
+          <p:nvPr/>
+        </p:nvCxnSpPr>
+        <p:spPr>
+          <a:xfrm>
+            <a:off x="4358310" y="1885481"/>
+            <a:ext cx="652347" cy="1498139"/>
+          </a:xfrm>
+          <a:prstGeom prst="bentConnector2">
+            <a:avLst/>
+          </a:prstGeom>
+          <a:ln w="38100">
+            <a:solidFill>
+              <a:srgbClr val="FFC000"/>
+            </a:solidFill>
+            <a:tailEnd type="triangle"/>
+          </a:ln>
+        </p:spPr>
+        <p:style>
+          <a:lnRef idx="1">
+            <a:schemeClr val="accent1"/>
+          </a:lnRef>
+          <a:fillRef idx="0">
+            <a:schemeClr val="accent1"/>
+          </a:fillRef>
+          <a:effectRef idx="0">
+            <a:schemeClr val="accent1"/>
+          </a:effectRef>
+          <a:fontRef idx="minor">
+            <a:schemeClr val="tx1"/>
+          </a:fontRef>
+        </p:style>
+      </p:cxnSp>
     </p:spTree>
     <p:extLst>
       <p:ext uri="{BB962C8B-B14F-4D97-AF65-F5344CB8AC3E}">
@@ -26271,7 +26795,7 @@
         </p:nvSpPr>
         <p:spPr>
           <a:xfrm>
-            <a:off x="167981" y="3537334"/>
+            <a:off x="167981" y="3016757"/>
             <a:ext cx="2643554" cy="508071"/>
           </a:xfrm>
           <a:prstGeom prst="flowChartProcess">
@@ -26392,7 +26916,7 @@
         </p:nvSpPr>
         <p:spPr>
           <a:xfrm>
-            <a:off x="167981" y="4817405"/>
+            <a:off x="167981" y="3924828"/>
             <a:ext cx="2643554" cy="508071"/>
           </a:xfrm>
           <a:prstGeom prst="flowChartProcess">
@@ -26501,7 +27025,7 @@
         <p:spPr>
           <a:xfrm flipH="1">
             <a:off x="1489758" y="2762721"/>
-            <a:ext cx="1871" cy="774613"/>
+            <a:ext cx="1871" cy="254036"/>
           </a:xfrm>
           <a:prstGeom prst="straightConnector1">
             <a:avLst/>
@@ -26539,8 +27063,8 @@
         </p:nvCxnSpPr>
         <p:spPr>
           <a:xfrm>
-            <a:off x="1489758" y="4045405"/>
-            <a:ext cx="0" cy="772000"/>
+            <a:off x="1489758" y="3524828"/>
+            <a:ext cx="0" cy="400000"/>
           </a:xfrm>
           <a:prstGeom prst="straightConnector1">
             <a:avLst/>
@@ -26653,7 +27177,7 @@
         </p:nvSpPr>
         <p:spPr>
           <a:xfrm>
-            <a:off x="2986883" y="4817405"/>
+            <a:off x="2986883" y="3026348"/>
             <a:ext cx="2643554" cy="508071"/>
           </a:xfrm>
           <a:prstGeom prst="flowChartProcess">
@@ -26706,7 +27230,7 @@
         <p:spPr>
           <a:xfrm>
             <a:off x="4308660" y="2616755"/>
-            <a:ext cx="0" cy="2200650"/>
+            <a:ext cx="0" cy="409593"/>
           </a:xfrm>
           <a:prstGeom prst="straightConnector1">
             <a:avLst/>
@@ -26741,7 +27265,7 @@
         </p:nvSpPr>
         <p:spPr>
           <a:xfrm>
-            <a:off x="6049103" y="4360107"/>
+            <a:off x="6049103" y="4243981"/>
             <a:ext cx="2840598" cy="545941"/>
           </a:xfrm>
           <a:prstGeom prst="flowChartProcess">
@@ -26790,7 +27314,7 @@
         </p:nvSpPr>
         <p:spPr>
           <a:xfrm>
-            <a:off x="6049103" y="5416862"/>
+            <a:off x="6049103" y="5184610"/>
             <a:ext cx="2840598" cy="545941"/>
           </a:xfrm>
           <a:prstGeom prst="flowChartProcess">
@@ -26881,8 +27405,8 @@
         </p:nvCxnSpPr>
         <p:spPr>
           <a:xfrm>
-            <a:off x="7469402" y="4906048"/>
-            <a:ext cx="0" cy="510814"/>
+            <a:off x="7469402" y="4789922"/>
+            <a:ext cx="0" cy="394688"/>
           </a:xfrm>
           <a:prstGeom prst="straightConnector1">
             <a:avLst/>
@@ -27225,7 +27749,7 @@
         <p:spPr>
           <a:xfrm>
             <a:off x="10592236" y="2635692"/>
-            <a:ext cx="0" cy="2781170"/>
+            <a:ext cx="0" cy="667659"/>
           </a:xfrm>
           <a:prstGeom prst="straightConnector1">
             <a:avLst/>
@@ -27260,7 +27784,7 @@
         </p:nvSpPr>
         <p:spPr>
           <a:xfrm>
-            <a:off x="9171937" y="5416862"/>
+            <a:off x="9171937" y="3303351"/>
             <a:ext cx="2840598" cy="545941"/>
           </a:xfrm>
           <a:prstGeom prst="flowChartProcess">
@@ -27313,7 +27837,7 @@
         <p:spPr>
           <a:xfrm>
             <a:off x="7469402" y="3849293"/>
-            <a:ext cx="0" cy="510814"/>
+            <a:ext cx="0" cy="394688"/>
           </a:xfrm>
           <a:prstGeom prst="straightConnector1">
             <a:avLst/>
@@ -36001,7 +36525,7 @@
         </p:nvSpPr>
         <p:spPr>
           <a:xfrm>
-            <a:off x="457200" y="3527712"/>
+            <a:off x="457200" y="3140852"/>
             <a:ext cx="2927839" cy="562708"/>
           </a:xfrm>
           <a:prstGeom prst="flowChartProcess">
@@ -36053,7 +36577,7 @@
         </p:nvSpPr>
         <p:spPr>
           <a:xfrm>
-            <a:off x="600703" y="2358334"/>
+            <a:off x="600703" y="1971474"/>
             <a:ext cx="2637692" cy="886032"/>
           </a:xfrm>
           <a:prstGeom prst="flowChartDecision">
@@ -36102,7 +36626,7 @@
         </p:nvSpPr>
         <p:spPr>
           <a:xfrm>
-            <a:off x="457199" y="4373766"/>
+            <a:off x="455628" y="5679014"/>
             <a:ext cx="2927839" cy="562708"/>
           </a:xfrm>
           <a:prstGeom prst="flowChartProcess">
@@ -36155,7 +36679,7 @@
         </p:nvSpPr>
         <p:spPr>
           <a:xfrm>
-            <a:off x="457198" y="5219820"/>
+            <a:off x="457198" y="3986906"/>
             <a:ext cx="2927839" cy="562708"/>
           </a:xfrm>
           <a:prstGeom prst="flowChartProcess">
@@ -36204,7 +36728,7 @@
         </p:nvSpPr>
         <p:spPr>
           <a:xfrm>
-            <a:off x="457198" y="6065874"/>
+            <a:off x="455629" y="4832960"/>
             <a:ext cx="2927839" cy="562708"/>
           </a:xfrm>
           <a:prstGeom prst="flowChartProcess">
@@ -36253,7 +36777,7 @@
         </p:nvSpPr>
         <p:spPr>
           <a:xfrm>
-            <a:off x="3827584" y="2519996"/>
+            <a:off x="3827584" y="2133136"/>
             <a:ext cx="2927839" cy="562708"/>
           </a:xfrm>
           <a:prstGeom prst="flowChartProcess">
@@ -36305,7 +36829,7 @@
         </p:nvSpPr>
         <p:spPr>
           <a:xfrm>
-            <a:off x="3826796" y="6065874"/>
+            <a:off x="7070145" y="5034600"/>
             <a:ext cx="2927839" cy="562708"/>
           </a:xfrm>
           <a:prstGeom prst="flowChartProcess">
@@ -36358,7 +36882,7 @@
         </p:nvSpPr>
         <p:spPr>
           <a:xfrm>
-            <a:off x="3972656" y="3366050"/>
+            <a:off x="3972656" y="2979190"/>
             <a:ext cx="2637692" cy="886032"/>
           </a:xfrm>
           <a:prstGeom prst="flowChartDecision">
@@ -36414,7 +36938,7 @@
         </p:nvCxnSpPr>
         <p:spPr>
           <a:xfrm>
-            <a:off x="1919549" y="3244366"/>
+            <a:off x="1919549" y="2857506"/>
             <a:ext cx="1571" cy="283346"/>
           </a:xfrm>
           <a:prstGeom prst="straightConnector1">
@@ -36447,14 +36971,14 @@
           <p:cNvPr id="22" name="直線矢印コネクタ 21"/>
           <p:cNvCxnSpPr>
             <a:stCxn id="9" idx="2"/>
-            <a:endCxn id="11" idx="0"/>
+            <a:endCxn id="12" idx="0"/>
           </p:cNvCxnSpPr>
           <p:nvPr/>
         </p:nvCxnSpPr>
         <p:spPr>
           <a:xfrm flipH="1">
-            <a:off x="1921119" y="4090420"/>
-            <a:ext cx="1" cy="283346"/>
+            <a:off x="1921118" y="3703560"/>
+            <a:ext cx="2" cy="283346"/>
           </a:xfrm>
           <a:prstGeom prst="straightConnector1">
             <a:avLst/>
@@ -36485,14 +37009,14 @@
         <p:nvCxnSpPr>
           <p:cNvPr id="25" name="直線矢印コネクタ 24"/>
           <p:cNvCxnSpPr>
-            <a:stCxn id="11" idx="2"/>
-            <a:endCxn id="12" idx="0"/>
+            <a:stCxn id="13" idx="2"/>
+            <a:endCxn id="11" idx="0"/>
           </p:cNvCxnSpPr>
           <p:nvPr/>
         </p:nvCxnSpPr>
         <p:spPr>
           <a:xfrm flipH="1">
-            <a:off x="1921118" y="4936474"/>
+            <a:off x="1919548" y="5395668"/>
             <a:ext cx="1" cy="283346"/>
           </a:xfrm>
           <a:prstGeom prst="straightConnector1">
@@ -36530,9 +37054,9 @@
           <p:nvPr/>
         </p:nvCxnSpPr>
         <p:spPr>
-          <a:xfrm>
-            <a:off x="1921118" y="5782528"/>
-            <a:ext cx="0" cy="283346"/>
+          <a:xfrm flipH="1">
+            <a:off x="1919549" y="4549614"/>
+            <a:ext cx="1569" cy="283346"/>
           </a:xfrm>
           <a:prstGeom prst="straightConnector1">
             <a:avLst/>
@@ -36570,7 +37094,7 @@
         </p:nvCxnSpPr>
         <p:spPr>
           <a:xfrm>
-            <a:off x="3238395" y="2801350"/>
+            <a:off x="3238395" y="2414490"/>
             <a:ext cx="589189" cy="0"/>
           </a:xfrm>
           <a:prstGeom prst="straightConnector1">
@@ -36609,7 +37133,7 @@
         </p:nvCxnSpPr>
         <p:spPr>
           <a:xfrm flipH="1">
-            <a:off x="5291502" y="3082704"/>
+            <a:off x="5291502" y="2695844"/>
             <a:ext cx="2" cy="283346"/>
           </a:xfrm>
           <a:prstGeom prst="straightConnector1">
@@ -36649,7 +37173,7 @@
         <p:spPr>
           <a:xfrm>
             <a:off x="1919549" y="1626580"/>
-            <a:ext cx="0" cy="731754"/>
+            <a:ext cx="0" cy="344894"/>
           </a:xfrm>
           <a:prstGeom prst="straightConnector1">
             <a:avLst/>
@@ -36684,7 +37208,7 @@
         </p:nvSpPr>
         <p:spPr>
           <a:xfrm>
-            <a:off x="7197965" y="3527712"/>
+            <a:off x="3827584" y="4188546"/>
             <a:ext cx="2927839" cy="562708"/>
           </a:xfrm>
           <a:prstGeom prst="flowChartProcess">
@@ -36728,45 +37252,6 @@
           </a:p>
         </p:txBody>
       </p:sp>
-      <p:cxnSp>
-        <p:nvCxnSpPr>
-          <p:cNvPr id="44" name="直線矢印コネクタ 43"/>
-          <p:cNvCxnSpPr>
-            <a:stCxn id="16" idx="3"/>
-            <a:endCxn id="43" idx="1"/>
-          </p:cNvCxnSpPr>
-          <p:nvPr/>
-        </p:nvCxnSpPr>
-        <p:spPr>
-          <a:xfrm>
-            <a:off x="6610348" y="3809066"/>
-            <a:ext cx="587617" cy="0"/>
-          </a:xfrm>
-          <a:prstGeom prst="straightConnector1">
-            <a:avLst/>
-          </a:prstGeom>
-          <a:ln w="38100">
-            <a:solidFill>
-              <a:schemeClr val="tx1"/>
-            </a:solidFill>
-            <a:tailEnd type="triangle"/>
-          </a:ln>
-        </p:spPr>
-        <p:style>
-          <a:lnRef idx="1">
-            <a:schemeClr val="accent1"/>
-          </a:lnRef>
-          <a:fillRef idx="0">
-            <a:schemeClr val="accent1"/>
-          </a:fillRef>
-          <a:effectRef idx="0">
-            <a:schemeClr val="accent1"/>
-          </a:effectRef>
-          <a:fontRef idx="minor">
-            <a:schemeClr val="tx1"/>
-          </a:fontRef>
-        </p:style>
-      </p:cxnSp>
       <p:sp>
         <p:nvSpPr>
           <p:cNvPr id="51" name="フローチャート: 処理 50"/>
@@ -36775,7 +37260,7 @@
         </p:nvSpPr>
         <p:spPr>
           <a:xfrm>
-            <a:off x="3826796" y="5219820"/>
+            <a:off x="7070145" y="4188546"/>
             <a:ext cx="2927839" cy="562708"/>
           </a:xfrm>
           <a:prstGeom prst="flowChartProcess">
@@ -36824,14 +37309,14 @@
           <p:cNvPr id="52" name="直線矢印コネクタ 51"/>
           <p:cNvCxnSpPr>
             <a:stCxn id="16" idx="2"/>
-            <a:endCxn id="51" idx="0"/>
+            <a:endCxn id="43" idx="0"/>
           </p:cNvCxnSpPr>
           <p:nvPr/>
         </p:nvCxnSpPr>
         <p:spPr>
-          <a:xfrm flipH="1">
-            <a:off x="5290716" y="4252082"/>
-            <a:ext cx="786" cy="967738"/>
+          <a:xfrm>
+            <a:off x="5291502" y="3865222"/>
+            <a:ext cx="2" cy="323324"/>
           </a:xfrm>
           <a:prstGeom prst="straightConnector1">
             <a:avLst/>
@@ -36869,7 +37354,7 @@
         </p:nvCxnSpPr>
         <p:spPr>
           <a:xfrm>
-            <a:off x="5290716" y="5782528"/>
+            <a:off x="8534065" y="4751254"/>
             <a:ext cx="0" cy="283346"/>
           </a:xfrm>
           <a:prstGeom prst="straightConnector1">
@@ -36899,19 +37384,19 @@
       </p:cxnSp>
       <p:cxnSp>
         <p:nvCxnSpPr>
-          <p:cNvPr id="65" name="直線矢印コネクタ 64"/>
+          <p:cNvPr id="29" name="カギ線コネクタ 28"/>
           <p:cNvCxnSpPr>
-            <a:stCxn id="43" idx="2"/>
-            <a:endCxn id="67" idx="0"/>
+            <a:stCxn id="16" idx="3"/>
+            <a:endCxn id="51" idx="0"/>
           </p:cNvCxnSpPr>
           <p:nvPr/>
         </p:nvCxnSpPr>
         <p:spPr>
-          <a:xfrm flipH="1">
-            <a:off x="8660314" y="4090420"/>
-            <a:ext cx="1571" cy="1975454"/>
-          </a:xfrm>
-          <a:prstGeom prst="straightConnector1">
+          <a:xfrm>
+            <a:off x="6610348" y="3422206"/>
+            <a:ext cx="1923717" cy="766340"/>
+          </a:xfrm>
+          <a:prstGeom prst="bentConnector2">
             <a:avLst/>
           </a:prstGeom>
           <a:ln w="38100">
@@ -36936,55 +37421,48 @@
           </a:fontRef>
         </p:style>
       </p:cxnSp>
-      <p:sp>
-        <p:nvSpPr>
-          <p:cNvPr id="67" name="フローチャート: 処理 66"/>
-          <p:cNvSpPr/>
-          <p:nvPr/>
-        </p:nvSpPr>
-        <p:spPr>
-          <a:xfrm>
-            <a:off x="7196394" y="6065874"/>
-            <a:ext cx="2927839" cy="562708"/>
-          </a:xfrm>
-          <a:prstGeom prst="flowChartProcess">
-            <a:avLst/>
-          </a:prstGeom>
-          <a:ln w="19050">
+      <p:cxnSp>
+        <p:nvCxnSpPr>
+          <p:cNvPr id="36" name="カギ線コネクタ 35"/>
+          <p:cNvCxnSpPr>
+            <a:stCxn id="43" idx="2"/>
+            <a:endCxn id="10" idx="1"/>
+          </p:cNvCxnSpPr>
+          <p:nvPr/>
+        </p:nvCxnSpPr>
+        <p:spPr>
+          <a:xfrm rot="5400000" flipH="1">
+            <a:off x="1777722" y="1237472"/>
+            <a:ext cx="2336764" cy="4690801"/>
+          </a:xfrm>
+          <a:prstGeom prst="bentConnector4">
+            <a:avLst>
+              <a:gd name="adj1" fmla="val -75629"/>
+              <a:gd name="adj2" fmla="val 108809"/>
+            </a:avLst>
+          </a:prstGeom>
+          <a:ln w="38100">
             <a:solidFill>
               <a:schemeClr val="tx1"/>
             </a:solidFill>
+            <a:tailEnd type="triangle"/>
           </a:ln>
         </p:spPr>
         <p:style>
-          <a:lnRef idx="2">
-            <a:schemeClr val="accent1">
-              <a:shade val="50000"/>
-            </a:schemeClr>
+          <a:lnRef idx="1">
+            <a:schemeClr val="accent1"/>
           </a:lnRef>
-          <a:fillRef idx="1">
+          <a:fillRef idx="0">
             <a:schemeClr val="accent1"/>
           </a:fillRef>
           <a:effectRef idx="0">
             <a:schemeClr val="accent1"/>
           </a:effectRef>
           <a:fontRef idx="minor">
-            <a:schemeClr val="lt1"/>
+            <a:schemeClr val="tx1"/>
           </a:fontRef>
         </p:style>
-        <p:txBody>
-          <a:bodyPr rtlCol="0" anchor="ctr"/>
-          <a:lstStyle/>
-          <a:p>
-            <a:pPr algn="ctr"/>
-            <a:r>
-              <a:rPr lang="ja-JP" altLang="en-US" sz="1400" b="1" dirty="0" smtClean="0"/>
-              <a:t>そのまま</a:t>
-            </a:r>
-            <a:endParaRPr kumimoji="1" lang="ja-JP" altLang="en-US" sz="1400" b="1" dirty="0"/>
-          </a:p>
-        </p:txBody>
-      </p:sp>
+      </p:cxnSp>
     </p:spTree>
     <p:extLst>
       <p:ext uri="{BB962C8B-B14F-4D97-AF65-F5344CB8AC3E}">
@@ -37023,7 +37501,7 @@
         </p:nvSpPr>
         <p:spPr>
           <a:xfrm>
-            <a:off x="0" y="185446"/>
+            <a:off x="0" y="205192"/>
             <a:ext cx="11230960" cy="769441"/>
           </a:xfrm>
           <a:prstGeom prst="rect">
@@ -37289,11 +37767,7 @@
             </a:r>
             <a:r>
               <a:rPr lang="ja-JP" altLang="en-US" sz="1600" b="1" dirty="0" smtClean="0"/>
-              <a:t>に戻る</a:t>
-            </a:r>
-            <a:r>
-              <a:rPr lang="ja-JP" altLang="en-US" sz="1600" b="1" dirty="0" smtClean="0"/>
-              <a:t>。</a:t>
+              <a:t>に戻る。</a:t>
             </a:r>
             <a:endParaRPr lang="en-US" altLang="ja-JP" sz="1600" b="1" dirty="0" smtClean="0"/>
           </a:p>
@@ -37589,11 +38063,7 @@
             </a:r>
             <a:r>
               <a:rPr lang="ja-JP" altLang="en-US" sz="1600" b="1" dirty="0" smtClean="0"/>
-              <a:t>される</a:t>
-            </a:r>
-            <a:r>
-              <a:rPr lang="ja-JP" altLang="en-US" sz="1600" b="1" dirty="0" smtClean="0"/>
-              <a:t>。</a:t>
+              <a:t>される。</a:t>
             </a:r>
             <a:endParaRPr lang="en-US" altLang="ja-JP" sz="1600" b="1" dirty="0" smtClean="0"/>
           </a:p>
@@ -40952,7 +41422,11 @@
             </a:r>
             <a:r>
               <a:rPr lang="ja-JP" altLang="en-US" b="1" dirty="0" smtClean="0"/>
-              <a:t>：スピード</a:t>
+              <a:t>：</a:t>
+            </a:r>
+            <a:r>
+              <a:rPr lang="ja-JP" altLang="en-US" b="1" dirty="0" smtClean="0"/>
+              <a:t>スピード</a:t>
             </a:r>
             <a:r>
               <a:rPr lang="en-US" altLang="ja-JP" b="1" dirty="0" smtClean="0"/>
@@ -41647,11 +42121,7 @@
             </a:r>
             <a:r>
               <a:rPr lang="ja-JP" altLang="en-US" sz="1600" b="1" dirty="0" smtClean="0"/>
-              <a:t>カーブ等で左右にゆったり動くような動きが欲しい</a:t>
-            </a:r>
-            <a:r>
-              <a:rPr lang="ja-JP" altLang="en-US" sz="1600" b="1" dirty="0" smtClean="0"/>
-              <a:t>。</a:t>
+              <a:t>カーブ等で左右にゆったり動くような動きが欲しい。</a:t>
             </a:r>
             <a:endParaRPr lang="en-US" altLang="ja-JP" sz="1600" b="1" dirty="0" smtClean="0"/>
           </a:p>
@@ -42162,7 +42632,6 @@
               <a:rPr lang="en-US" altLang="ja-JP" b="1" dirty="0" smtClean="0"/>
               <a:t>》</a:t>
             </a:r>
-            <a:endParaRPr lang="en-US" altLang="ja-JP" b="1" dirty="0" smtClean="0"/>
           </a:p>
           <a:p>
             <a:r>
@@ -42240,7 +42709,7 @@
         </p:nvSpPr>
         <p:spPr>
           <a:xfrm>
-            <a:off x="4772734" y="1190700"/>
+            <a:off x="4930995" y="1190700"/>
             <a:ext cx="6723315" cy="3139321"/>
           </a:xfrm>
           <a:prstGeom prst="rect">
@@ -42264,12 +42733,13 @@
             </a:r>
             <a:r>
               <a:rPr lang="ja-JP" altLang="en-US" b="1" dirty="0" smtClean="0"/>
-              <a:t>試案</a:t>
+              <a:t>試しに出してみた案</a:t>
             </a:r>
             <a:r>
               <a:rPr lang="en-US" altLang="ja-JP" b="1" dirty="0" smtClean="0"/>
               <a:t>)</a:t>
             </a:r>
+            <a:endParaRPr lang="en-US" altLang="ja-JP" b="1" dirty="0" smtClean="0"/>
           </a:p>
           <a:p>
             <a:endParaRPr lang="en-US" altLang="ja-JP" b="1" dirty="0"/>
@@ -43244,7 +43714,7 @@
         </p:nvSpPr>
         <p:spPr>
           <a:xfrm>
-            <a:off x="6333390" y="3030199"/>
+            <a:off x="6333390" y="2144824"/>
             <a:ext cx="2726636" cy="524038"/>
           </a:xfrm>
           <a:prstGeom prst="flowChartProcess">
@@ -43296,7 +43766,7 @@
         </p:nvSpPr>
         <p:spPr>
           <a:xfrm>
-            <a:off x="6359766" y="5065917"/>
+            <a:off x="6359766" y="4399216"/>
             <a:ext cx="2681201" cy="515306"/>
           </a:xfrm>
           <a:prstGeom prst="flowChartProcess">
@@ -43348,7 +43818,7 @@
         </p:nvSpPr>
         <p:spPr>
           <a:xfrm>
-            <a:off x="6488959" y="3892798"/>
+            <a:off x="6488959" y="2962328"/>
             <a:ext cx="2415498" cy="811394"/>
           </a:xfrm>
           <a:prstGeom prst="flowChartDecision">
@@ -43397,7 +43867,7 @@
         </p:nvSpPr>
         <p:spPr>
           <a:xfrm>
-            <a:off x="6359765" y="5918886"/>
+            <a:off x="6359765" y="5252185"/>
             <a:ext cx="2681201" cy="515306"/>
           </a:xfrm>
           <a:prstGeom prst="flowChartProcess">
@@ -43449,8 +43919,8 @@
         </p:nvCxnSpPr>
         <p:spPr>
           <a:xfrm>
-            <a:off x="7696708" y="4704192"/>
-            <a:ext cx="3659" cy="361725"/>
+            <a:off x="7696708" y="3773722"/>
+            <a:ext cx="3659" cy="625494"/>
           </a:xfrm>
           <a:prstGeom prst="straightConnector1">
             <a:avLst/>
@@ -43488,7 +43958,7 @@
         </p:nvCxnSpPr>
         <p:spPr>
           <a:xfrm flipH="1">
-            <a:off x="7700366" y="5581223"/>
+            <a:off x="7700366" y="4914522"/>
             <a:ext cx="1" cy="337663"/>
           </a:xfrm>
           <a:prstGeom prst="straightConnector1">
@@ -43527,7 +43997,7 @@
         </p:nvCxnSpPr>
         <p:spPr>
           <a:xfrm>
-            <a:off x="10593713" y="5581223"/>
+            <a:off x="10593713" y="4914522"/>
             <a:ext cx="0" cy="337663"/>
           </a:xfrm>
           <a:prstGeom prst="straightConnector1">
@@ -43566,8 +44036,8 @@
         </p:nvCxnSpPr>
         <p:spPr>
           <a:xfrm>
-            <a:off x="7696708" y="3554237"/>
-            <a:ext cx="0" cy="338561"/>
+            <a:off x="7696708" y="2668862"/>
+            <a:ext cx="0" cy="293466"/>
           </a:xfrm>
           <a:prstGeom prst="straightConnector1">
             <a:avLst/>
@@ -43602,7 +44072,7 @@
         </p:nvSpPr>
         <p:spPr>
           <a:xfrm>
-            <a:off x="9253112" y="5065917"/>
+            <a:off x="9253112" y="4399216"/>
             <a:ext cx="2681201" cy="515306"/>
           </a:xfrm>
           <a:prstGeom prst="flowChartProcess">
@@ -43654,7 +44124,7 @@
         </p:nvSpPr>
         <p:spPr>
           <a:xfrm>
-            <a:off x="9253112" y="5918886"/>
+            <a:off x="9253112" y="5252185"/>
             <a:ext cx="2681201" cy="515306"/>
           </a:xfrm>
           <a:prstGeom prst="flowChartProcess">
@@ -43706,8 +44176,8 @@
         </p:nvCxnSpPr>
         <p:spPr>
           <a:xfrm>
-            <a:off x="8904457" y="4298495"/>
-            <a:ext cx="1689256" cy="767422"/>
+            <a:off x="8904457" y="3368025"/>
+            <a:ext cx="1689256" cy="1031191"/>
           </a:xfrm>
           <a:prstGeom prst="bentConnector2">
             <a:avLst/>
@@ -43847,45 +44317,6 @@
             <a:ext cx="3659" cy="219207"/>
           </a:xfrm>
           <a:prstGeom prst="straightConnector1">
-            <a:avLst/>
-          </a:prstGeom>
-          <a:ln w="38100">
-            <a:solidFill>
-              <a:schemeClr val="tx1"/>
-            </a:solidFill>
-            <a:tailEnd type="triangle"/>
-          </a:ln>
-        </p:spPr>
-        <p:style>
-          <a:lnRef idx="1">
-            <a:schemeClr val="accent1"/>
-          </a:lnRef>
-          <a:fillRef idx="0">
-            <a:schemeClr val="accent1"/>
-          </a:fillRef>
-          <a:effectRef idx="0">
-            <a:schemeClr val="accent1"/>
-          </a:effectRef>
-          <a:fontRef idx="minor">
-            <a:schemeClr val="tx1"/>
-          </a:fontRef>
-        </p:style>
-      </p:cxnSp>
-      <p:cxnSp>
-        <p:nvCxnSpPr>
-          <p:cNvPr id="28" name="カギ線コネクタ 27"/>
-          <p:cNvCxnSpPr>
-            <a:stCxn id="26" idx="3"/>
-            <a:endCxn id="14" idx="0"/>
-          </p:cNvCxnSpPr>
-          <p:nvPr/>
-        </p:nvCxnSpPr>
-        <p:spPr>
-          <a:xfrm>
-            <a:off x="3005549" y="2406843"/>
-            <a:ext cx="4691159" cy="623356"/>
-          </a:xfrm>
-          <a:prstGeom prst="bentConnector2">
             <a:avLst/>
           </a:prstGeom>
           <a:ln w="38100">
@@ -44013,7 +44444,7 @@
         </p:nvCxnSpPr>
         <p:spPr>
           <a:xfrm>
-            <a:off x="4807020" y="5581223"/>
+            <a:off x="4807020" y="4914522"/>
             <a:ext cx="0" cy="337663"/>
           </a:xfrm>
           <a:prstGeom prst="straightConnector1">
@@ -44049,7 +44480,7 @@
         </p:nvSpPr>
         <p:spPr>
           <a:xfrm>
-            <a:off x="3466419" y="5065917"/>
+            <a:off x="3466419" y="4399216"/>
             <a:ext cx="2681201" cy="515306"/>
           </a:xfrm>
           <a:prstGeom prst="flowChartProcess">
@@ -44101,7 +44532,7 @@
         </p:nvSpPr>
         <p:spPr>
           <a:xfrm>
-            <a:off x="3466419" y="5918886"/>
+            <a:off x="3466419" y="5252185"/>
             <a:ext cx="2681201" cy="515306"/>
           </a:xfrm>
           <a:prstGeom prst="flowChartProcess">
@@ -44153,10 +44584,91 @@
         </p:nvCxnSpPr>
         <p:spPr>
           <a:xfrm rot="10800000" flipV="1">
-            <a:off x="4807021" y="4298495"/>
-            <a:ext cx="1681939" cy="767422"/>
+            <a:off x="4807021" y="3368024"/>
+            <a:ext cx="1681939" cy="1031191"/>
           </a:xfrm>
           <a:prstGeom prst="bentConnector2">
+            <a:avLst/>
+          </a:prstGeom>
+          <a:ln w="38100">
+            <a:solidFill>
+              <a:schemeClr val="tx1"/>
+            </a:solidFill>
+            <a:tailEnd type="triangle"/>
+          </a:ln>
+        </p:spPr>
+        <p:style>
+          <a:lnRef idx="1">
+            <a:schemeClr val="accent1"/>
+          </a:lnRef>
+          <a:fillRef idx="0">
+            <a:schemeClr val="accent1"/>
+          </a:fillRef>
+          <a:effectRef idx="0">
+            <a:schemeClr val="accent1"/>
+          </a:effectRef>
+          <a:fontRef idx="minor">
+            <a:schemeClr val="tx1"/>
+          </a:fontRef>
+        </p:style>
+      </p:cxnSp>
+      <p:cxnSp>
+        <p:nvCxnSpPr>
+          <p:cNvPr id="30" name="カギ線コネクタ 29"/>
+          <p:cNvCxnSpPr>
+            <a:stCxn id="31" idx="2"/>
+            <a:endCxn id="25" idx="1"/>
+          </p:cNvCxnSpPr>
+          <p:nvPr/>
+        </p:nvCxnSpPr>
+        <p:spPr>
+          <a:xfrm rot="5400000" flipH="1">
+            <a:off x="-381260" y="2113628"/>
+            <a:ext cx="2987483" cy="1363318"/>
+          </a:xfrm>
+          <a:prstGeom prst="bentConnector4">
+            <a:avLst>
+              <a:gd name="adj1" fmla="val -7652"/>
+              <a:gd name="adj2" fmla="val 116768"/>
+            </a:avLst>
+          </a:prstGeom>
+          <a:ln w="38100">
+            <a:solidFill>
+              <a:schemeClr val="tx1"/>
+            </a:solidFill>
+            <a:tailEnd type="triangle"/>
+          </a:ln>
+        </p:spPr>
+        <p:style>
+          <a:lnRef idx="1">
+            <a:schemeClr val="accent1"/>
+          </a:lnRef>
+          <a:fillRef idx="0">
+            <a:schemeClr val="accent1"/>
+          </a:fillRef>
+          <a:effectRef idx="0">
+            <a:schemeClr val="accent1"/>
+          </a:effectRef>
+          <a:fontRef idx="minor">
+            <a:schemeClr val="tx1"/>
+          </a:fontRef>
+        </p:style>
+      </p:cxnSp>
+      <p:cxnSp>
+        <p:nvCxnSpPr>
+          <p:cNvPr id="32" name="直線矢印コネクタ 31"/>
+          <p:cNvCxnSpPr>
+            <a:stCxn id="26" idx="3"/>
+            <a:endCxn id="14" idx="1"/>
+          </p:cNvCxnSpPr>
+          <p:nvPr/>
+        </p:nvCxnSpPr>
+        <p:spPr>
+          <a:xfrm>
+            <a:off x="3005549" y="2406843"/>
+            <a:ext cx="3327841" cy="0"/>
+          </a:xfrm>
+          <a:prstGeom prst="straightConnector1">
             <a:avLst/>
           </a:prstGeom>
           <a:ln w="38100">
@@ -46109,6 +46621,48 @@
           </a:p>
         </p:txBody>
       </p:sp>
+      <p:cxnSp>
+        <p:nvCxnSpPr>
+          <p:cNvPr id="23" name="カギ線コネクタ 22"/>
+          <p:cNvCxnSpPr>
+            <a:stCxn id="22" idx="2"/>
+            <a:endCxn id="17" idx="1"/>
+          </p:cNvCxnSpPr>
+          <p:nvPr/>
+        </p:nvCxnSpPr>
+        <p:spPr>
+          <a:xfrm rot="5400000" flipH="1" flipV="1">
+            <a:off x="2030780" y="2694604"/>
+            <a:ext cx="3409159" cy="1994644"/>
+          </a:xfrm>
+          <a:prstGeom prst="bentConnector4">
+            <a:avLst>
+              <a:gd name="adj1" fmla="val -8768"/>
+              <a:gd name="adj2" fmla="val -80812"/>
+            </a:avLst>
+          </a:prstGeom>
+          <a:ln w="38100">
+            <a:solidFill>
+              <a:schemeClr val="tx1"/>
+            </a:solidFill>
+            <a:tailEnd type="triangle"/>
+          </a:ln>
+        </p:spPr>
+        <p:style>
+          <a:lnRef idx="1">
+            <a:schemeClr val="accent1"/>
+          </a:lnRef>
+          <a:fillRef idx="0">
+            <a:schemeClr val="accent1"/>
+          </a:fillRef>
+          <a:effectRef idx="0">
+            <a:schemeClr val="accent1"/>
+          </a:effectRef>
+          <a:fontRef idx="minor">
+            <a:schemeClr val="tx1"/>
+          </a:fontRef>
+        </p:style>
+      </p:cxnSp>
     </p:spTree>
     <p:extLst>
       <p:ext uri="{BB962C8B-B14F-4D97-AF65-F5344CB8AC3E}">

--- a/data/GS3_チーム2_仕様書.pptx
+++ b/data/GS3_チーム2_仕様書.pptx
@@ -3504,72 +3504,48 @@
           <a:p>
             <a:r>
               <a:rPr lang="ja-JP" altLang="en-US" sz="2000" b="1" dirty="0" smtClean="0"/>
-              <a:t>・各項目</a:t>
-            </a:r>
+              <a:t>・各項目の名称テクスチャとそれぞれの選択肢を表示。</a:t>
+            </a:r>
+            <a:endParaRPr lang="en-US" altLang="ja-JP" sz="2000" b="1" dirty="0" smtClean="0"/>
+          </a:p>
+          <a:p>
+            <a:endParaRPr kumimoji="1" lang="en-US" altLang="ja-JP" sz="2000" b="1" dirty="0" smtClean="0"/>
+          </a:p>
+          <a:p>
             <a:r>
               <a:rPr lang="ja-JP" altLang="en-US" sz="2000" b="1" dirty="0" smtClean="0"/>
-              <a:t>の名称テクスチャとそれぞれの選択肢を表示</a:t>
+              <a:t>・十字ボタンの上下で項目変更、左右でルール選択</a:t>
+            </a:r>
+            <a:r>
+              <a:rPr lang="ja-JP" altLang="en-US" sz="2000" b="1" dirty="0"/>
+              <a:t>。</a:t>
+            </a:r>
+            <a:endParaRPr lang="en-US" altLang="ja-JP" sz="2000" b="1" dirty="0"/>
+          </a:p>
+          <a:p>
+            <a:endParaRPr kumimoji="1" lang="en-US" altLang="ja-JP" sz="2000" b="1" dirty="0"/>
+          </a:p>
+          <a:p>
+            <a:r>
+              <a:rPr lang="ja-JP" altLang="en-US" sz="2000" b="1" dirty="0" smtClean="0"/>
+              <a:t>・カーソル表示や色変えで、どの選択肢を選んで</a:t>
+            </a:r>
+            <a:r>
+              <a:rPr lang="ja-JP" altLang="en-US" sz="2000" b="1" dirty="0"/>
+              <a:t>い</a:t>
+            </a:r>
+            <a:r>
+              <a:rPr lang="ja-JP" altLang="en-US" sz="2000" b="1" dirty="0" smtClean="0"/>
+              <a:t>るか分かるように</a:t>
+            </a:r>
+            <a:r>
+              <a:rPr lang="ja-JP" altLang="en-US" sz="2000" b="1" dirty="0"/>
+              <a:t>する</a:t>
             </a:r>
             <a:r>
               <a:rPr lang="ja-JP" altLang="en-US" sz="2000" b="1" dirty="0" smtClean="0"/>
               <a:t>。</a:t>
             </a:r>
-            <a:endParaRPr lang="en-US" altLang="ja-JP" sz="2000" b="1" dirty="0" smtClean="0"/>
-          </a:p>
-          <a:p>
-            <a:endParaRPr kumimoji="1" lang="en-US" altLang="ja-JP" sz="2000" b="1" dirty="0" smtClean="0"/>
-          </a:p>
-          <a:p>
-            <a:r>
-              <a:rPr lang="ja-JP" altLang="en-US" sz="2000" b="1" dirty="0" smtClean="0"/>
-              <a:t>・十字ボタンの上下で項目変更、左右でルール選択</a:t>
-            </a:r>
-            <a:r>
-              <a:rPr lang="ja-JP" altLang="en-US" sz="2000" b="1" dirty="0"/>
-              <a:t>。</a:t>
-            </a:r>
-            <a:endParaRPr lang="en-US" altLang="ja-JP" sz="2000" b="1" dirty="0"/>
-          </a:p>
-          <a:p>
-            <a:endParaRPr kumimoji="1" lang="en-US" altLang="ja-JP" sz="2000" b="1" dirty="0"/>
-          </a:p>
-          <a:p>
-            <a:r>
-              <a:rPr lang="ja-JP" altLang="en-US" sz="2000" b="1" dirty="0" smtClean="0"/>
-              <a:t>・</a:t>
-            </a:r>
-            <a:r>
-              <a:rPr lang="ja-JP" altLang="en-US" sz="2000" b="1" dirty="0" smtClean="0"/>
-              <a:t>カーソル表示や色変えで、</a:t>
-            </a:r>
-            <a:r>
-              <a:rPr lang="ja-JP" altLang="en-US" sz="2000" b="1" dirty="0" smtClean="0"/>
-              <a:t>どの選択肢</a:t>
-            </a:r>
-            <a:r>
-              <a:rPr lang="ja-JP" altLang="en-US" sz="2000" b="1" dirty="0" smtClean="0"/>
-              <a:t>を選んで</a:t>
-            </a:r>
-            <a:r>
-              <a:rPr lang="ja-JP" altLang="en-US" sz="2000" b="1" dirty="0"/>
-              <a:t>い</a:t>
-            </a:r>
-            <a:r>
-              <a:rPr lang="ja-JP" altLang="en-US" sz="2000" b="1" dirty="0" smtClean="0"/>
-              <a:t>るか</a:t>
-            </a:r>
-            <a:r>
-              <a:rPr lang="ja-JP" altLang="en-US" sz="2000" b="1" dirty="0" smtClean="0"/>
-              <a:t>分かるように</a:t>
-            </a:r>
-            <a:r>
-              <a:rPr lang="ja-JP" altLang="en-US" sz="2000" b="1" dirty="0"/>
-              <a:t>する</a:t>
-            </a:r>
-            <a:r>
-              <a:rPr lang="ja-JP" altLang="en-US" sz="2000" b="1" dirty="0" smtClean="0"/>
-              <a:t>。</a:t>
-            </a:r>
             <a:endParaRPr lang="en-US" altLang="ja-JP" sz="2000" b="1" dirty="0"/>
           </a:p>
           <a:p>
@@ -3617,15 +3593,7 @@
             </a:r>
             <a:r>
               <a:rPr lang="en-US" altLang="ja-JP" sz="2000" b="1" dirty="0" smtClean="0"/>
-              <a:t>】</a:t>
-            </a:r>
-            <a:r>
-              <a:rPr lang="en-US" altLang="ja-JP" sz="2000" b="1" dirty="0" smtClean="0"/>
-              <a:t>or【2vs2</a:t>
-            </a:r>
-            <a:r>
-              <a:rPr lang="en-US" altLang="ja-JP" sz="2000" b="1" dirty="0" smtClean="0"/>
-              <a:t>】</a:t>
+              <a:t>】or【2vs2】</a:t>
             </a:r>
             <a:endParaRPr lang="en-US" altLang="ja-JP" sz="2000" b="1" dirty="0"/>
           </a:p>
@@ -6953,11 +6921,7 @@
           <a:p>
             <a:r>
               <a:rPr lang="ja-JP" altLang="en-US" sz="2000" b="1" dirty="0" smtClean="0"/>
-              <a:t>・</a:t>
-            </a:r>
-            <a:r>
-              <a:rPr lang="ja-JP" altLang="en-US" sz="2000" b="1" dirty="0" smtClean="0"/>
-              <a:t>十字</a:t>
+              <a:t>・十字</a:t>
             </a:r>
             <a:r>
               <a:rPr lang="ja-JP" altLang="en-US" sz="2000" b="1" dirty="0"/>
@@ -6965,11 +6929,7 @@
             </a:r>
             <a:r>
               <a:rPr lang="ja-JP" altLang="en-US" sz="2000" b="1" dirty="0" smtClean="0"/>
-              <a:t>の</a:t>
-            </a:r>
-            <a:r>
-              <a:rPr lang="ja-JP" altLang="en-US" sz="2000" b="1" dirty="0" smtClean="0"/>
-              <a:t>左右で選択し、決定ボタンで決定する。</a:t>
+              <a:t>の左右で選択し、決定ボタンで決定する。</a:t>
             </a:r>
             <a:endParaRPr lang="en-US" altLang="ja-JP" sz="2000" b="1" dirty="0" smtClean="0"/>
           </a:p>
@@ -6989,15 +6949,7 @@
           <a:p>
             <a:r>
               <a:rPr lang="ja-JP" altLang="en-US" sz="2000" b="1" dirty="0" smtClean="0"/>
-              <a:t>・決定</a:t>
-            </a:r>
-            <a:r>
-              <a:rPr lang="ja-JP" altLang="en-US" sz="2000" b="1" dirty="0" smtClean="0"/>
-              <a:t>したら</a:t>
-            </a:r>
-            <a:r>
-              <a:rPr lang="ja-JP" altLang="en-US" sz="2000" b="1" dirty="0" smtClean="0"/>
-              <a:t>テクスチャ</a:t>
+              <a:t>・決定したらテクスチャ</a:t>
             </a:r>
             <a:r>
               <a:rPr lang="en-US" altLang="ja-JP" sz="2000" b="1" dirty="0" smtClean="0"/>
@@ -7025,11 +6977,7 @@
             </a:r>
             <a:r>
               <a:rPr lang="ja-JP" altLang="en-US" sz="2000" b="1" dirty="0" smtClean="0"/>
-              <a:t>で</a:t>
-            </a:r>
-            <a:r>
-              <a:rPr lang="ja-JP" altLang="en-US" sz="2000" b="1" dirty="0" smtClean="0"/>
-              <a:t>決定したことを表示する。</a:t>
+              <a:t>で決定したことを表示する。</a:t>
             </a:r>
             <a:endParaRPr lang="en-US" altLang="ja-JP" sz="2000" b="1" dirty="0" smtClean="0"/>
           </a:p>
@@ -7049,15 +6997,7 @@
           <a:p>
             <a:r>
               <a:rPr lang="ja-JP" altLang="en-US" sz="2000" b="1" dirty="0" smtClean="0"/>
-              <a:t>・プレビューのモデルは</a:t>
-            </a:r>
-            <a:r>
-              <a:rPr lang="ja-JP" altLang="en-US" sz="2000" b="1" dirty="0" smtClean="0"/>
-              <a:t>、静止状態またはニュートラルモーション</a:t>
-            </a:r>
-            <a:r>
-              <a:rPr lang="ja-JP" altLang="en-US" sz="2000" b="1" dirty="0" smtClean="0"/>
-              <a:t>させる。</a:t>
+              <a:t>・プレビューのモデルは、静止状態またはニュートラルモーションさせる。</a:t>
             </a:r>
             <a:endParaRPr lang="en-US" altLang="ja-JP" sz="2000" b="1" dirty="0" smtClean="0"/>
           </a:p>
@@ -10164,7 +10104,7 @@
         <p:spPr>
           <a:xfrm>
             <a:off x="600695" y="1143054"/>
-            <a:ext cx="10990610" cy="3501809"/>
+            <a:ext cx="10990610" cy="3736677"/>
           </a:xfrm>
           <a:prstGeom prst="roundRect">
             <a:avLst>
@@ -10263,7 +10203,7 @@
         <p:spPr>
           <a:xfrm>
             <a:off x="690171" y="1474765"/>
-            <a:ext cx="10187404" cy="3170099"/>
+            <a:ext cx="10187404" cy="3477875"/>
           </a:xfrm>
           <a:prstGeom prst="rect">
             <a:avLst/>
@@ -10288,7 +10228,30 @@
           <a:p>
             <a:r>
               <a:rPr lang="ja-JP" altLang="en-US" sz="2000" b="1" dirty="0"/>
-              <a:t>・各ステージの名前のテクスチャを、プレビュー画像の上部か下部に重ねて表示する。</a:t>
+              <a:t>・各ステージの名前のテクスチャを、プレビュー画像の上部か下部に重ねて表示する</a:t>
+            </a:r>
+            <a:r>
+              <a:rPr lang="ja-JP" altLang="en-US" sz="2000" b="1" dirty="0" smtClean="0"/>
+              <a:t>。</a:t>
+            </a:r>
+            <a:endParaRPr lang="en-US" altLang="ja-JP" sz="2000" b="1" dirty="0" smtClean="0"/>
+          </a:p>
+          <a:p>
+            <a:r>
+              <a:rPr lang="ja-JP" altLang="en-US" sz="2000" b="1" dirty="0"/>
+              <a:t>　</a:t>
+            </a:r>
+            <a:r>
+              <a:rPr lang="en-US" altLang="ja-JP" sz="2000" b="1" dirty="0" smtClean="0"/>
+              <a:t>(</a:t>
+            </a:r>
+            <a:r>
+              <a:rPr lang="ja-JP" altLang="en-US" sz="2000" b="1" dirty="0" smtClean="0"/>
+              <a:t>プレビュー画像に入れてもいい</a:t>
+            </a:r>
+            <a:r>
+              <a:rPr lang="en-US" altLang="ja-JP" sz="2000" b="1" dirty="0" smtClean="0"/>
+              <a:t>)</a:t>
             </a:r>
             <a:endParaRPr lang="en-US" altLang="ja-JP" sz="2000" b="1" dirty="0"/>
           </a:p>
@@ -10298,11 +10261,7 @@
           <a:p>
             <a:r>
               <a:rPr lang="ja-JP" altLang="en-US" sz="2000" b="1" dirty="0" smtClean="0"/>
-              <a:t>・</a:t>
-            </a:r>
-            <a:r>
-              <a:rPr lang="ja-JP" altLang="en-US" sz="2000" b="1" dirty="0" smtClean="0"/>
-              <a:t>十字</a:t>
+              <a:t>・十字</a:t>
             </a:r>
             <a:r>
               <a:rPr lang="ja-JP" altLang="en-US" sz="2000" b="1" dirty="0"/>
@@ -10310,11 +10269,7 @@
             </a:r>
             <a:r>
               <a:rPr lang="ja-JP" altLang="en-US" sz="2000" b="1" dirty="0" smtClean="0"/>
-              <a:t>の</a:t>
-            </a:r>
-            <a:r>
-              <a:rPr lang="ja-JP" altLang="en-US" sz="2000" b="1" dirty="0" smtClean="0"/>
-              <a:t>左右で選択し、決定ボタンで決定。</a:t>
+              <a:t>の左右で選択し、決定ボタンで決定。</a:t>
             </a:r>
             <a:endParaRPr lang="en-US" altLang="ja-JP" sz="2000" b="1" dirty="0" smtClean="0"/>
           </a:p>
@@ -12298,17 +12253,12 @@
           <a:p>
             <a:r>
               <a:rPr lang="ja-JP" altLang="en-US" sz="2000" b="1" dirty="0" smtClean="0"/>
-              <a:t>ゲームの</a:t>
-            </a:r>
-            <a:r>
-              <a:rPr lang="ja-JP" altLang="en-US" sz="2000" b="1" dirty="0" smtClean="0"/>
-              <a:t>流れ </a:t>
+              <a:t>ゲームの流れ </a:t>
             </a:r>
             <a:r>
               <a:rPr lang="en-US" altLang="ja-JP" sz="2000" b="1" dirty="0" smtClean="0"/>
               <a:t>… 3P</a:t>
             </a:r>
-            <a:endParaRPr lang="en-US" altLang="ja-JP" sz="2000" b="1" dirty="0" smtClean="0"/>
           </a:p>
           <a:p>
             <a:endParaRPr lang="en-US" altLang="ja-JP" sz="2000" b="1" dirty="0" smtClean="0"/>
@@ -17264,15 +17214,7 @@
           <a:p>
             <a:r>
               <a:rPr lang="ja-JP" altLang="en-US" sz="2000" b="1" dirty="0" smtClean="0"/>
-              <a:t>・プレイヤーの選択した</a:t>
-            </a:r>
-            <a:r>
-              <a:rPr lang="ja-JP" altLang="en-US" sz="2000" b="1" dirty="0" smtClean="0"/>
-              <a:t>キャラと、</a:t>
-            </a:r>
-            <a:r>
-              <a:rPr lang="ja-JP" altLang="en-US" sz="2000" b="1" dirty="0" smtClean="0"/>
-              <a:t>それぞれのカラーの柱</a:t>
+              <a:t>・プレイヤーの選択したキャラと、それぞれのカラーの柱</a:t>
             </a:r>
             <a:r>
               <a:rPr lang="en-US" altLang="ja-JP" sz="2000" b="1" dirty="0" smtClean="0"/>
@@ -17317,23 +17259,7 @@
           <a:p>
             <a:r>
               <a:rPr lang="ja-JP" altLang="en-US" sz="2000" b="1" dirty="0" smtClean="0"/>
-              <a:t>・</a:t>
-            </a:r>
-            <a:r>
-              <a:rPr lang="ja-JP" altLang="en-US" sz="2000" b="1" dirty="0" smtClean="0"/>
-              <a:t>各プレイヤーが</a:t>
-            </a:r>
-            <a:r>
-              <a:rPr lang="ja-JP" altLang="en-US" sz="2000" b="1" dirty="0" smtClean="0"/>
-              <a:t>塗ったパネル</a:t>
-            </a:r>
-            <a:r>
-              <a:rPr lang="ja-JP" altLang="en-US" sz="2000" b="1" dirty="0" smtClean="0"/>
-              <a:t>の分だけ柱の</a:t>
-            </a:r>
-            <a:r>
-              <a:rPr lang="ja-JP" altLang="en-US" sz="2000" b="1" dirty="0" smtClean="0"/>
-              <a:t>高さ</a:t>
+              <a:t>・各プレイヤーが塗ったパネルの分だけ柱の高さ</a:t>
             </a:r>
             <a:r>
               <a:rPr lang="ja-JP" altLang="en-US" sz="2000" b="1" dirty="0"/>
@@ -17402,29 +17328,17 @@
             </a:r>
             <a:r>
               <a:rPr lang="ja-JP" altLang="en-US" sz="2000" b="1" dirty="0" smtClean="0"/>
-              <a:t>」等</a:t>
-            </a:r>
+              <a:t>」等の順位テクスチャを表示し、エフェクトやモーション等で演出。</a:t>
+            </a:r>
+            <a:endParaRPr lang="en-US" altLang="ja-JP" sz="2000" b="1" dirty="0" smtClean="0"/>
+          </a:p>
+          <a:p>
+            <a:endParaRPr lang="en-US" altLang="ja-JP" sz="2000" b="1" dirty="0"/>
+          </a:p>
+          <a:p>
             <a:r>
               <a:rPr lang="ja-JP" altLang="en-US" sz="2000" b="1" dirty="0" smtClean="0"/>
-              <a:t>の順位テクスチャを表示し、エフェクトやモーション等で演出。</a:t>
-            </a:r>
-            <a:endParaRPr lang="en-US" altLang="ja-JP" sz="2000" b="1" dirty="0" smtClean="0"/>
-          </a:p>
-          <a:p>
-            <a:endParaRPr lang="en-US" altLang="ja-JP" sz="2000" b="1" dirty="0"/>
-          </a:p>
-          <a:p>
-            <a:r>
-              <a:rPr lang="ja-JP" altLang="en-US" sz="2000" b="1" dirty="0" smtClean="0"/>
-              <a:t>・演出後、「</a:t>
-            </a:r>
-            <a:r>
-              <a:rPr lang="ja-JP" altLang="en-US" sz="2000" b="1" dirty="0" smtClean="0"/>
-              <a:t>ゲームルール選択</a:t>
-            </a:r>
-            <a:r>
-              <a:rPr lang="ja-JP" altLang="en-US" sz="2000" b="1" dirty="0" smtClean="0"/>
-              <a:t>」</a:t>
+              <a:t>・演出後、「ゲームルール選択」</a:t>
             </a:r>
             <a:r>
               <a:rPr lang="ja-JP" altLang="en-US" sz="2000" b="1" dirty="0"/>
@@ -17432,11 +17346,7 @@
             </a:r>
             <a:r>
               <a:rPr lang="ja-JP" altLang="en-US" sz="2000" b="1" dirty="0" smtClean="0"/>
-              <a:t>「</a:t>
-            </a:r>
-            <a:r>
-              <a:rPr lang="ja-JP" altLang="en-US" sz="2000" b="1" dirty="0" smtClean="0"/>
-              <a:t>タイトルへ」の</a:t>
+              <a:t>「タイトルへ」の</a:t>
             </a:r>
             <a:r>
               <a:rPr lang="en-US" altLang="ja-JP" sz="2000" b="1" dirty="0" smtClean="0"/>
@@ -17470,11 +17380,7 @@
           <a:p>
             <a:r>
               <a:rPr lang="ja-JP" altLang="en-US" sz="2000" b="1" dirty="0" smtClean="0"/>
-              <a:t>・十字キーの左右で選択、決定ボタンで決定</a:t>
-            </a:r>
-            <a:r>
-              <a:rPr lang="ja-JP" altLang="en-US" sz="2000" b="1" dirty="0" smtClean="0"/>
-              <a:t>。</a:t>
+              <a:t>・十字キーの左右で選択、決定ボタンで決定。</a:t>
             </a:r>
             <a:endParaRPr lang="en-US" altLang="ja-JP" sz="2000" b="1" dirty="0" smtClean="0"/>
           </a:p>
@@ -29168,18 +29074,18 @@
       <p:cxnSp>
         <p:nvCxnSpPr>
           <p:cNvPr id="47" name="カギ線コネクタ 46"/>
-          <p:cNvCxnSpPr/>
+          <p:cNvCxnSpPr>
+            <a:endCxn id="4" idx="2"/>
+          </p:cNvCxnSpPr>
           <p:nvPr/>
         </p:nvCxnSpPr>
         <p:spPr>
           <a:xfrm rot="10800000">
-            <a:off x="512595" y="2991604"/>
-            <a:ext cx="4714130" cy="2247559"/>
-          </a:xfrm>
-          <a:prstGeom prst="bentConnector3">
-            <a:avLst>
-              <a:gd name="adj1" fmla="val 99937"/>
-            </a:avLst>
+            <a:off x="1319105" y="2988008"/>
+            <a:ext cx="3907620" cy="2251157"/>
+          </a:xfrm>
+          <a:prstGeom prst="bentConnector2">
+            <a:avLst/>
           </a:prstGeom>
           <a:ln w="76200">
             <a:solidFill>
@@ -41430,7 +41336,7 @@
             </a:r>
             <a:r>
               <a:rPr lang="en-US" altLang="ja-JP" b="1" dirty="0" smtClean="0"/>
-              <a:t>2</a:t>
+              <a:t>1.5</a:t>
             </a:r>
             <a:r>
               <a:rPr lang="ja-JP" altLang="en-US" b="1" dirty="0" smtClean="0"/>
@@ -41450,11 +41356,15 @@
             </a:r>
             <a:r>
               <a:rPr lang="ja-JP" altLang="en-US" b="1" dirty="0" smtClean="0"/>
-              <a:t>：スピード</a:t>
+              <a:t>：</a:t>
+            </a:r>
+            <a:r>
+              <a:rPr lang="ja-JP" altLang="en-US" b="1" dirty="0" smtClean="0"/>
+              <a:t>スピード</a:t>
             </a:r>
             <a:r>
               <a:rPr lang="en-US" altLang="ja-JP" b="1" dirty="0" smtClean="0"/>
-              <a:t>2.5</a:t>
+              <a:t>1.75</a:t>
             </a:r>
             <a:r>
               <a:rPr lang="ja-JP" altLang="en-US" b="1" dirty="0" smtClean="0"/>
@@ -41474,11 +41384,15 @@
             </a:r>
             <a:r>
               <a:rPr lang="ja-JP" altLang="en-US" b="1" dirty="0" smtClean="0"/>
-              <a:t>：スピード</a:t>
-            </a:r>
-            <a:r>
-              <a:rPr lang="en-US" altLang="ja-JP" b="1" dirty="0"/>
-              <a:t>3</a:t>
+              <a:t>：</a:t>
+            </a:r>
+            <a:r>
+              <a:rPr lang="ja-JP" altLang="en-US" b="1" dirty="0" smtClean="0"/>
+              <a:t>スピード</a:t>
+            </a:r>
+            <a:r>
+              <a:rPr lang="en-US" altLang="ja-JP" b="1" dirty="0" smtClean="0"/>
+              <a:t>2</a:t>
             </a:r>
             <a:r>
               <a:rPr lang="ja-JP" altLang="en-US" b="1" dirty="0" smtClean="0"/>
@@ -42739,7 +42653,6 @@
               <a:rPr lang="en-US" altLang="ja-JP" b="1" dirty="0" smtClean="0"/>
               <a:t>)</a:t>
             </a:r>
-            <a:endParaRPr lang="en-US" altLang="ja-JP" b="1" dirty="0" smtClean="0"/>
           </a:p>
           <a:p>
             <a:endParaRPr lang="en-US" altLang="ja-JP" b="1" dirty="0"/>

--- a/data/GS3_チーム2_仕様書.pptx
+++ b/data/GS3_チーム2_仕様書.pptx
@@ -12847,15 +12847,7 @@
           <a:p>
             <a:r>
               <a:rPr lang="ja-JP" altLang="en-US" sz="2000" b="1" dirty="0" smtClean="0"/>
-              <a:t>・ゲーム</a:t>
-            </a:r>
-            <a:r>
-              <a:rPr lang="ja-JP" altLang="en-US" sz="2000" b="1" dirty="0" smtClean="0"/>
-              <a:t>の</a:t>
-            </a:r>
-            <a:r>
-              <a:rPr lang="ja-JP" altLang="en-US" sz="2000" b="1" dirty="0" smtClean="0"/>
-              <a:t>流れ</a:t>
+              <a:t>・ゲームの流れ</a:t>
             </a:r>
             <a:endParaRPr lang="en-US" altLang="ja-JP" sz="2000" b="1" dirty="0" smtClean="0"/>
           </a:p>
@@ -12965,51 +12957,27 @@
           <a:p>
             <a:r>
               <a:rPr lang="ja-JP" altLang="en-US" sz="2000" b="1" dirty="0" smtClean="0"/>
-              <a:t>・スキル</a:t>
-            </a:r>
+              <a:t>・スキルについて</a:t>
+            </a:r>
+            <a:endParaRPr lang="en-US" altLang="ja-JP" sz="2000" b="1" dirty="0" smtClean="0"/>
+          </a:p>
+          <a:p>
+            <a:endParaRPr lang="en-US" altLang="ja-JP" sz="2000" b="1" dirty="0"/>
+          </a:p>
+          <a:p>
             <a:r>
               <a:rPr lang="ja-JP" altLang="en-US" sz="2000" b="1" dirty="0" smtClean="0"/>
-              <a:t>に</a:t>
-            </a:r>
+              <a:t>・アイテムについて</a:t>
+            </a:r>
+            <a:endParaRPr lang="en-US" altLang="ja-JP" sz="2000" b="1" dirty="0" smtClean="0"/>
+          </a:p>
+          <a:p>
+            <a:endParaRPr lang="en-US" altLang="ja-JP" sz="2000" b="1" dirty="0"/>
+          </a:p>
+          <a:p>
             <a:r>
               <a:rPr lang="ja-JP" altLang="en-US" sz="2000" b="1" dirty="0" smtClean="0"/>
-              <a:t>ついて</a:t>
-            </a:r>
-            <a:endParaRPr lang="en-US" altLang="ja-JP" sz="2000" b="1" dirty="0" smtClean="0"/>
-          </a:p>
-          <a:p>
-            <a:endParaRPr lang="en-US" altLang="ja-JP" sz="2000" b="1" dirty="0"/>
-          </a:p>
-          <a:p>
-            <a:r>
-              <a:rPr lang="ja-JP" altLang="en-US" sz="2000" b="1" dirty="0" smtClean="0"/>
-              <a:t>・アイテム</a:t>
-            </a:r>
-            <a:r>
-              <a:rPr lang="ja-JP" altLang="en-US" sz="2000" b="1" dirty="0" smtClean="0"/>
-              <a:t>に</a:t>
-            </a:r>
-            <a:r>
-              <a:rPr lang="ja-JP" altLang="en-US" sz="2000" b="1" dirty="0" smtClean="0"/>
-              <a:t>ついて</a:t>
-            </a:r>
-            <a:endParaRPr lang="en-US" altLang="ja-JP" sz="2000" b="1" dirty="0" smtClean="0"/>
-          </a:p>
-          <a:p>
-            <a:endParaRPr lang="en-US" altLang="ja-JP" sz="2000" b="1" dirty="0"/>
-          </a:p>
-          <a:p>
-            <a:r>
-              <a:rPr lang="ja-JP" altLang="en-US" sz="2000" b="1" dirty="0" smtClean="0"/>
-              <a:t>・過去</a:t>
-            </a:r>
-            <a:r>
-              <a:rPr lang="ja-JP" altLang="en-US" sz="2000" b="1" dirty="0" smtClean="0"/>
-              <a:t>エリア・未来エリアに</a:t>
-            </a:r>
-            <a:r>
-              <a:rPr lang="ja-JP" altLang="en-US" sz="2000" b="1" dirty="0" smtClean="0"/>
-              <a:t>ついて</a:t>
+              <a:t>・過去エリア・未来エリアについて</a:t>
             </a:r>
             <a:endParaRPr lang="en-US" altLang="ja-JP" sz="2000" b="1" dirty="0" smtClean="0"/>
           </a:p>
@@ -42945,7 +42913,15 @@
                   <a:srgbClr val="FF0000"/>
                 </a:solidFill>
               </a:rPr>
-              <a:t>過去・未来エリア召喚</a:t>
+              <a:t>未来</a:t>
+            </a:r>
+            <a:r>
+              <a:rPr lang="ja-JP" altLang="en-US" b="1" dirty="0" smtClean="0">
+                <a:solidFill>
+                  <a:srgbClr val="FF0000"/>
+                </a:solidFill>
+              </a:rPr>
+              <a:t>エリア召喚</a:t>
             </a:r>
             <a:endParaRPr lang="en-US" altLang="ja-JP" b="1" dirty="0">
               <a:solidFill>
@@ -42976,7 +42952,7 @@
             </a:r>
             <a:r>
               <a:rPr lang="ja-JP" altLang="en-US" b="1" dirty="0" smtClean="0"/>
-              <a:t>の過去エリア</a:t>
+              <a:t>のエリア</a:t>
             </a:r>
             <a:r>
               <a:rPr lang="en-US" altLang="ja-JP" b="1" dirty="0" smtClean="0"/>
@@ -42992,11 +42968,15 @@
             </a:r>
             <a:r>
               <a:rPr lang="en-US" altLang="ja-JP" b="1" dirty="0"/>
-              <a:t> 3×3</a:t>
+              <a:t> </a:t>
+            </a:r>
+            <a:r>
+              <a:rPr lang="en-US" altLang="ja-JP" b="1" dirty="0" smtClean="0"/>
+              <a:t>5×5</a:t>
             </a:r>
             <a:r>
               <a:rPr lang="ja-JP" altLang="en-US" b="1" dirty="0" smtClean="0"/>
-              <a:t>の未来エリア</a:t>
+              <a:t>のエリア</a:t>
             </a:r>
             <a:r>
               <a:rPr lang="en-US" altLang="ja-JP" b="1" dirty="0" smtClean="0"/>
@@ -43012,15 +42992,15 @@
             </a:r>
             <a:r>
               <a:rPr lang="en-US" altLang="ja-JP" b="1" dirty="0"/>
-              <a:t> 5</a:t>
+              <a:t> </a:t>
             </a:r>
             <a:r>
               <a:rPr lang="en-US" altLang="ja-JP" b="1" dirty="0" smtClean="0"/>
-              <a:t>×5</a:t>
+              <a:t>7×7</a:t>
             </a:r>
             <a:r>
               <a:rPr lang="ja-JP" altLang="en-US" b="1" dirty="0" smtClean="0"/>
-              <a:t>の未来エリア</a:t>
+              <a:t>のエリア</a:t>
             </a:r>
             <a:r>
               <a:rPr lang="en-US" altLang="ja-JP" b="1" dirty="0" smtClean="0"/>
@@ -43746,11 +43726,7 @@
             </a:r>
             <a:r>
               <a:rPr lang="ja-JP" altLang="en-US" sz="4400" b="1" dirty="0" smtClean="0"/>
-              <a:t>タイトル：</a:t>
-            </a:r>
-            <a:r>
-              <a:rPr lang="ja-JP" altLang="en-US" sz="4400" b="1" dirty="0" smtClean="0"/>
-              <a:t>レイアウト</a:t>
+              <a:t>タイトル：レイアウト</a:t>
             </a:r>
             <a:r>
               <a:rPr lang="en-US" altLang="ja-JP" sz="4400" b="1" dirty="0" smtClean="0"/>
@@ -44133,11 +44109,7 @@
             </a:r>
             <a:r>
               <a:rPr lang="ja-JP" altLang="en-US" sz="4400" b="1" dirty="0" smtClean="0"/>
-              <a:t>タイトル：</a:t>
-            </a:r>
-            <a:r>
-              <a:rPr lang="ja-JP" altLang="en-US" sz="4400" b="1" dirty="0" smtClean="0"/>
-              <a:t>レイアウト</a:t>
+              <a:t>タイトル：レイアウト</a:t>
             </a:r>
             <a:r>
               <a:rPr lang="en-US" altLang="ja-JP" sz="4400" b="1" dirty="0"/>

--- a/data/GS3_チーム2_仕様書.pptx
+++ b/data/GS3_チーム2_仕様書.pptx
@@ -284,7 +284,7 @@
           <a:p>
             <a:fld id="{A666E8CF-15D4-41D8-B0AD-7E6B72D4A5E0}" type="datetimeFigureOut">
               <a:rPr kumimoji="1" lang="ja-JP" altLang="en-US" smtClean="0"/>
-              <a:t>2023/5/24</a:t>
+              <a:t>2023/5/26</a:t>
             </a:fld>
             <a:endParaRPr kumimoji="1" lang="ja-JP" altLang="en-US"/>
           </a:p>
@@ -486,7 +486,7 @@
           <a:p>
             <a:fld id="{A666E8CF-15D4-41D8-B0AD-7E6B72D4A5E0}" type="datetimeFigureOut">
               <a:rPr kumimoji="1" lang="ja-JP" altLang="en-US" smtClean="0"/>
-              <a:t>2023/5/24</a:t>
+              <a:t>2023/5/26</a:t>
             </a:fld>
             <a:endParaRPr kumimoji="1" lang="ja-JP" altLang="en-US"/>
           </a:p>
@@ -698,7 +698,7 @@
           <a:p>
             <a:fld id="{A666E8CF-15D4-41D8-B0AD-7E6B72D4A5E0}" type="datetimeFigureOut">
               <a:rPr kumimoji="1" lang="ja-JP" altLang="en-US" smtClean="0"/>
-              <a:t>2023/5/24</a:t>
+              <a:t>2023/5/26</a:t>
             </a:fld>
             <a:endParaRPr kumimoji="1" lang="ja-JP" altLang="en-US"/>
           </a:p>
@@ -900,7 +900,7 @@
           <a:p>
             <a:fld id="{A666E8CF-15D4-41D8-B0AD-7E6B72D4A5E0}" type="datetimeFigureOut">
               <a:rPr kumimoji="1" lang="ja-JP" altLang="en-US" smtClean="0"/>
-              <a:t>2023/5/24</a:t>
+              <a:t>2023/5/26</a:t>
             </a:fld>
             <a:endParaRPr kumimoji="1" lang="ja-JP" altLang="en-US"/>
           </a:p>
@@ -1146,7 +1146,7 @@
           <a:p>
             <a:fld id="{A666E8CF-15D4-41D8-B0AD-7E6B72D4A5E0}" type="datetimeFigureOut">
               <a:rPr kumimoji="1" lang="ja-JP" altLang="en-US" smtClean="0"/>
-              <a:t>2023/5/24</a:t>
+              <a:t>2023/5/26</a:t>
             </a:fld>
             <a:endParaRPr kumimoji="1" lang="ja-JP" altLang="en-US"/>
           </a:p>
@@ -1442,7 +1442,7 @@
           <a:p>
             <a:fld id="{A666E8CF-15D4-41D8-B0AD-7E6B72D4A5E0}" type="datetimeFigureOut">
               <a:rPr kumimoji="1" lang="ja-JP" altLang="en-US" smtClean="0"/>
-              <a:t>2023/5/24</a:t>
+              <a:t>2023/5/26</a:t>
             </a:fld>
             <a:endParaRPr kumimoji="1" lang="ja-JP" altLang="en-US"/>
           </a:p>
@@ -1873,7 +1873,7 @@
           <a:p>
             <a:fld id="{A666E8CF-15D4-41D8-B0AD-7E6B72D4A5E0}" type="datetimeFigureOut">
               <a:rPr kumimoji="1" lang="ja-JP" altLang="en-US" smtClean="0"/>
-              <a:t>2023/5/24</a:t>
+              <a:t>2023/5/26</a:t>
             </a:fld>
             <a:endParaRPr kumimoji="1" lang="ja-JP" altLang="en-US"/>
           </a:p>
@@ -1991,7 +1991,7 @@
           <a:p>
             <a:fld id="{A666E8CF-15D4-41D8-B0AD-7E6B72D4A5E0}" type="datetimeFigureOut">
               <a:rPr kumimoji="1" lang="ja-JP" altLang="en-US" smtClean="0"/>
-              <a:t>2023/5/24</a:t>
+              <a:t>2023/5/26</a:t>
             </a:fld>
             <a:endParaRPr kumimoji="1" lang="ja-JP" altLang="en-US"/>
           </a:p>
@@ -2086,7 +2086,7 @@
           <a:p>
             <a:fld id="{A666E8CF-15D4-41D8-B0AD-7E6B72D4A5E0}" type="datetimeFigureOut">
               <a:rPr kumimoji="1" lang="ja-JP" altLang="en-US" smtClean="0"/>
-              <a:t>2023/5/24</a:t>
+              <a:t>2023/5/26</a:t>
             </a:fld>
             <a:endParaRPr kumimoji="1" lang="ja-JP" altLang="en-US"/>
           </a:p>
@@ -2395,7 +2395,7 @@
           <a:p>
             <a:fld id="{A666E8CF-15D4-41D8-B0AD-7E6B72D4A5E0}" type="datetimeFigureOut">
               <a:rPr kumimoji="1" lang="ja-JP" altLang="en-US" smtClean="0"/>
-              <a:t>2023/5/24</a:t>
+              <a:t>2023/5/26</a:t>
             </a:fld>
             <a:endParaRPr kumimoji="1" lang="ja-JP" altLang="en-US"/>
           </a:p>
@@ -2648,7 +2648,7 @@
           <a:p>
             <a:fld id="{A666E8CF-15D4-41D8-B0AD-7E6B72D4A5E0}" type="datetimeFigureOut">
               <a:rPr kumimoji="1" lang="ja-JP" altLang="en-US" smtClean="0"/>
-              <a:t>2023/5/24</a:t>
+              <a:t>2023/5/26</a:t>
             </a:fld>
             <a:endParaRPr kumimoji="1" lang="ja-JP" altLang="en-US"/>
           </a:p>
@@ -2902,7 +2902,7 @@
           <a:p>
             <a:fld id="{A666E8CF-15D4-41D8-B0AD-7E6B72D4A5E0}" type="datetimeFigureOut">
               <a:rPr kumimoji="1" lang="ja-JP" altLang="en-US" smtClean="0"/>
-              <a:t>2023/5/24</a:t>
+              <a:t>2023/5/26</a:t>
             </a:fld>
             <a:endParaRPr kumimoji="1" lang="ja-JP" altLang="en-US"/>
           </a:p>
@@ -7625,8 +7625,8 @@
         </p:nvSpPr>
         <p:spPr>
           <a:xfrm>
-            <a:off x="600695" y="1054760"/>
-            <a:ext cx="10990610" cy="4844878"/>
+            <a:off x="152287" y="1054759"/>
+            <a:ext cx="5993537" cy="5715317"/>
           </a:xfrm>
           <a:prstGeom prst="roundRect">
             <a:avLst>
@@ -7724,8 +7724,191 @@
         </p:nvSpPr>
         <p:spPr>
           <a:xfrm>
-            <a:off x="690171" y="1313790"/>
-            <a:ext cx="8905002" cy="4093428"/>
+            <a:off x="241764" y="1313790"/>
+            <a:ext cx="5904060" cy="4031873"/>
+          </a:xfrm>
+          <a:prstGeom prst="rect">
+            <a:avLst/>
+          </a:prstGeom>
+          <a:noFill/>
+        </p:spPr>
+        <p:txBody>
+          <a:bodyPr wrap="square" rtlCol="0">
+            <a:spAutoFit/>
+          </a:bodyPr>
+          <a:lstStyle/>
+          <a:p>
+            <a:r>
+              <a:rPr lang="ja-JP" altLang="en-US" sz="1600" b="1" dirty="0" smtClean="0"/>
+              <a:t>・キャラクターのプレビューとして、モデルを表示。</a:t>
+            </a:r>
+            <a:endParaRPr lang="en-US" altLang="ja-JP" sz="1600" b="1" dirty="0" smtClean="0"/>
+          </a:p>
+          <a:p>
+            <a:endParaRPr lang="en-US" altLang="ja-JP" sz="1600" b="1" dirty="0"/>
+          </a:p>
+          <a:p>
+            <a:r>
+              <a:rPr lang="ja-JP" altLang="en-US" sz="1600" b="1" dirty="0" smtClean="0"/>
+              <a:t>・十字</a:t>
+            </a:r>
+            <a:r>
+              <a:rPr lang="ja-JP" altLang="en-US" sz="1600" b="1" dirty="0"/>
+              <a:t>ボタン</a:t>
+            </a:r>
+            <a:r>
+              <a:rPr lang="ja-JP" altLang="en-US" sz="1600" b="1" dirty="0" smtClean="0"/>
+              <a:t>の左右で選択し、決定ボタンで決定する。</a:t>
+            </a:r>
+            <a:endParaRPr lang="en-US" altLang="ja-JP" sz="1600" b="1" dirty="0" smtClean="0"/>
+          </a:p>
+          <a:p>
+            <a:endParaRPr lang="en-US" altLang="ja-JP" sz="1600" b="1" dirty="0"/>
+          </a:p>
+          <a:p>
+            <a:r>
+              <a:rPr lang="ja-JP" altLang="en-US" sz="1600" b="1" dirty="0" smtClean="0"/>
+              <a:t>・左右を押したときに、プレビューのモデルと名前のテクスチャを変える。</a:t>
+            </a:r>
+            <a:endParaRPr lang="en-US" altLang="ja-JP" sz="1600" b="1" dirty="0" smtClean="0"/>
+          </a:p>
+          <a:p>
+            <a:endParaRPr lang="en-US" altLang="ja-JP" sz="1600" b="1" dirty="0"/>
+          </a:p>
+          <a:p>
+            <a:r>
+              <a:rPr lang="ja-JP" altLang="en-US" sz="1600" b="1" dirty="0" smtClean="0"/>
+              <a:t>・決定したらテクスチャ</a:t>
+            </a:r>
+            <a:r>
+              <a:rPr lang="en-US" altLang="ja-JP" sz="1600" b="1" dirty="0" smtClean="0"/>
+              <a:t>(</a:t>
+            </a:r>
+            <a:r>
+              <a:rPr lang="ja-JP" altLang="en-US" sz="1600" b="1" dirty="0" smtClean="0"/>
+              <a:t>「</a:t>
+            </a:r>
+            <a:r>
+              <a:rPr lang="en-US" altLang="ja-JP" sz="1600" b="1" dirty="0" smtClean="0"/>
+              <a:t>OK</a:t>
+            </a:r>
+            <a:r>
+              <a:rPr lang="en-US" altLang="ja-JP" sz="1600" b="1" dirty="0"/>
+              <a:t>!</a:t>
+            </a:r>
+            <a:r>
+              <a:rPr lang="ja-JP" altLang="en-US" sz="1600" b="1" dirty="0" smtClean="0"/>
+              <a:t>」等</a:t>
+            </a:r>
+            <a:r>
+              <a:rPr lang="en-US" altLang="ja-JP" sz="1600" b="1" dirty="0" smtClean="0"/>
+              <a:t>)</a:t>
+            </a:r>
+            <a:r>
+              <a:rPr lang="ja-JP" altLang="en-US" sz="1600" b="1" dirty="0" smtClean="0"/>
+              <a:t>で決定したことを表示する。</a:t>
+            </a:r>
+            <a:endParaRPr lang="en-US" altLang="ja-JP" sz="1600" b="1" dirty="0" smtClean="0"/>
+          </a:p>
+          <a:p>
+            <a:endParaRPr lang="en-US" altLang="ja-JP" sz="1600" b="1" dirty="0"/>
+          </a:p>
+          <a:p>
+            <a:r>
+              <a:rPr lang="ja-JP" altLang="en-US" sz="1600" b="1" dirty="0" smtClean="0"/>
+              <a:t>・プレイヤー全員が選択したら「ステージ選択」に移行する。</a:t>
+            </a:r>
+            <a:endParaRPr lang="en-US" altLang="ja-JP" sz="1600" b="1" dirty="0" smtClean="0"/>
+          </a:p>
+          <a:p>
+            <a:endParaRPr lang="en-US" altLang="ja-JP" sz="1600" b="1" dirty="0"/>
+          </a:p>
+          <a:p>
+            <a:r>
+              <a:rPr lang="ja-JP" altLang="en-US" sz="1600" b="1" dirty="0" smtClean="0"/>
+              <a:t>・プレビューのモデルは、静止状態またはニュートラルモーションさせる。</a:t>
+            </a:r>
+            <a:endParaRPr lang="en-US" altLang="ja-JP" sz="1600" b="1" dirty="0" smtClean="0"/>
+          </a:p>
+          <a:p>
+            <a:endParaRPr lang="en-US" altLang="ja-JP" sz="1600" b="1" dirty="0"/>
+          </a:p>
+          <a:p>
+            <a:r>
+              <a:rPr lang="ja-JP" altLang="en-US" sz="1600" b="1" dirty="0" smtClean="0"/>
+              <a:t>・背景は画像スクロール等で動きを付ける</a:t>
+            </a:r>
+            <a:r>
+              <a:rPr lang="ja-JP" altLang="en-US" sz="1600" b="1" dirty="0" smtClean="0"/>
+              <a:t>。</a:t>
+            </a:r>
+            <a:endParaRPr lang="en-US" altLang="ja-JP" sz="1600" b="1" dirty="0" smtClean="0"/>
+          </a:p>
+        </p:txBody>
+      </p:sp>
+      <p:sp>
+        <p:nvSpPr>
+          <p:cNvPr id="5" name="角丸四角形 4"/>
+          <p:cNvSpPr/>
+          <p:nvPr/>
+        </p:nvSpPr>
+        <p:spPr>
+          <a:xfrm>
+            <a:off x="6497516" y="1054759"/>
+            <a:ext cx="5530361" cy="5715317"/>
+          </a:xfrm>
+          <a:prstGeom prst="roundRect">
+            <a:avLst>
+              <a:gd name="adj" fmla="val 6667"/>
+            </a:avLst>
+          </a:prstGeom>
+          <a:solidFill>
+            <a:schemeClr val="accent4">
+              <a:lumMod val="40000"/>
+              <a:lumOff val="60000"/>
+            </a:schemeClr>
+          </a:solidFill>
+          <a:ln w="19050">
+            <a:solidFill>
+              <a:schemeClr val="tx1"/>
+            </a:solidFill>
+          </a:ln>
+        </p:spPr>
+        <p:style>
+          <a:lnRef idx="2">
+            <a:schemeClr val="accent1">
+              <a:shade val="50000"/>
+            </a:schemeClr>
+          </a:lnRef>
+          <a:fillRef idx="1">
+            <a:schemeClr val="accent1"/>
+          </a:fillRef>
+          <a:effectRef idx="0">
+            <a:schemeClr val="accent1"/>
+          </a:effectRef>
+          <a:fontRef idx="minor">
+            <a:schemeClr val="lt1"/>
+          </a:fontRef>
+        </p:style>
+        <p:txBody>
+          <a:bodyPr rtlCol="0" anchor="ctr"/>
+          <a:lstStyle/>
+          <a:p>
+            <a:pPr algn="ctr"/>
+            <a:endParaRPr kumimoji="1" lang="ja-JP" altLang="en-US"/>
+          </a:p>
+        </p:txBody>
+      </p:sp>
+      <p:sp>
+        <p:nvSpPr>
+          <p:cNvPr id="8" name="テキスト ボックス 7"/>
+          <p:cNvSpPr txBox="1"/>
+          <p:nvPr/>
+        </p:nvSpPr>
+        <p:spPr>
+          <a:xfrm>
+            <a:off x="7118519" y="1223780"/>
+            <a:ext cx="4288353" cy="400110"/>
           </a:xfrm>
           <a:prstGeom prst="rect">
             <a:avLst/>
@@ -7739,106 +7922,98 @@
           <a:lstStyle/>
           <a:p>
             <a:r>
+              <a:rPr lang="en-US" altLang="ja-JP" sz="2000" b="1" dirty="0" smtClean="0"/>
+              <a:t>《</a:t>
+            </a:r>
+            <a:r>
               <a:rPr lang="ja-JP" altLang="en-US" sz="2000" b="1" dirty="0" smtClean="0"/>
-              <a:t>・キャラクターのプレビューとして、モデルを表示。</a:t>
+              <a:t>キャラモデルとスキルについて</a:t>
+            </a:r>
+            <a:r>
+              <a:rPr lang="en-US" altLang="ja-JP" sz="2000" b="1" dirty="0" smtClean="0"/>
+              <a:t>》</a:t>
             </a:r>
             <a:endParaRPr lang="en-US" altLang="ja-JP" sz="2000" b="1" dirty="0" smtClean="0"/>
           </a:p>
-          <a:p>
-            <a:endParaRPr lang="en-US" altLang="ja-JP" sz="2000" b="1" dirty="0"/>
-          </a:p>
-          <a:p>
-            <a:r>
-              <a:rPr lang="ja-JP" altLang="en-US" sz="2000" b="1" dirty="0" smtClean="0"/>
-              <a:t>・十字</a:t>
-            </a:r>
-            <a:r>
-              <a:rPr lang="ja-JP" altLang="en-US" sz="2000" b="1" dirty="0"/>
-              <a:t>ボタン</a:t>
-            </a:r>
-            <a:r>
-              <a:rPr lang="ja-JP" altLang="en-US" sz="2000" b="1" dirty="0" smtClean="0"/>
-              <a:t>の左右で選択し、決定ボタンで決定する。</a:t>
-            </a:r>
-            <a:endParaRPr lang="en-US" altLang="ja-JP" sz="2000" b="1" dirty="0" smtClean="0"/>
-          </a:p>
-          <a:p>
-            <a:endParaRPr lang="en-US" altLang="ja-JP" sz="2000" b="1" dirty="0"/>
-          </a:p>
-          <a:p>
-            <a:r>
-              <a:rPr lang="ja-JP" altLang="en-US" sz="2000" b="1" dirty="0" smtClean="0"/>
-              <a:t>・左右を押したときに、プレビューのモデルと名前のテクスチャを変える。</a:t>
-            </a:r>
-            <a:endParaRPr lang="en-US" altLang="ja-JP" sz="2000" b="1" dirty="0" smtClean="0"/>
-          </a:p>
-          <a:p>
-            <a:endParaRPr lang="en-US" altLang="ja-JP" sz="2000" b="1" dirty="0"/>
-          </a:p>
-          <a:p>
-            <a:r>
-              <a:rPr lang="ja-JP" altLang="en-US" sz="2000" b="1" dirty="0" smtClean="0"/>
-              <a:t>・決定したらテクスチャ</a:t>
-            </a:r>
-            <a:r>
-              <a:rPr lang="en-US" altLang="ja-JP" sz="2000" b="1" dirty="0" smtClean="0"/>
+        </p:txBody>
+      </p:sp>
+      <p:sp>
+        <p:nvSpPr>
+          <p:cNvPr id="10" name="テキスト ボックス 9"/>
+          <p:cNvSpPr txBox="1"/>
+          <p:nvPr/>
+        </p:nvSpPr>
+        <p:spPr>
+          <a:xfrm>
+            <a:off x="6601532" y="1719345"/>
+            <a:ext cx="5067413" cy="830997"/>
+          </a:xfrm>
+          <a:prstGeom prst="rect">
+            <a:avLst/>
+          </a:prstGeom>
+          <a:noFill/>
+        </p:spPr>
+        <p:txBody>
+          <a:bodyPr wrap="none" rtlCol="0">
+            <a:spAutoFit/>
+          </a:bodyPr>
+          <a:lstStyle/>
+          <a:p>
+            <a:r>
+              <a:rPr lang="ja-JP" altLang="en-US" sz="1600" b="1" dirty="0"/>
+              <a:t>・スキルを変更するとパーツが変わる。</a:t>
+            </a:r>
+            <a:endParaRPr lang="en-US" altLang="ja-JP" sz="1600" b="1" dirty="0"/>
+          </a:p>
+          <a:p>
+            <a:r>
+              <a:rPr lang="ja-JP" altLang="en-US" sz="1600" b="1" dirty="0"/>
+              <a:t>　</a:t>
+            </a:r>
+            <a:r>
+              <a:rPr lang="en-US" altLang="ja-JP" sz="1600" b="1" dirty="0"/>
               <a:t>(</a:t>
             </a:r>
             <a:r>
-              <a:rPr lang="ja-JP" altLang="en-US" sz="2000" b="1" dirty="0" smtClean="0"/>
-              <a:t>「</a:t>
-            </a:r>
-            <a:r>
-              <a:rPr lang="en-US" altLang="ja-JP" sz="2000" b="1" dirty="0" smtClean="0"/>
-              <a:t>OK</a:t>
-            </a:r>
-            <a:r>
-              <a:rPr lang="en-US" altLang="ja-JP" sz="2000" b="1" dirty="0"/>
-              <a:t>!</a:t>
-            </a:r>
-            <a:r>
-              <a:rPr lang="ja-JP" altLang="en-US" sz="2000" b="1" dirty="0" smtClean="0"/>
-              <a:t>」等</a:t>
-            </a:r>
-            <a:r>
-              <a:rPr lang="en-US" altLang="ja-JP" sz="2000" b="1" dirty="0" smtClean="0"/>
-              <a:t>)</a:t>
-            </a:r>
-            <a:r>
-              <a:rPr lang="ja-JP" altLang="en-US" sz="2000" b="1" dirty="0" smtClean="0"/>
-              <a:t>で決定したことを表示する。</a:t>
-            </a:r>
-            <a:endParaRPr lang="en-US" altLang="ja-JP" sz="2000" b="1" dirty="0" smtClean="0"/>
-          </a:p>
-          <a:p>
-            <a:endParaRPr lang="en-US" altLang="ja-JP" sz="2000" b="1" dirty="0"/>
-          </a:p>
-          <a:p>
-            <a:r>
-              <a:rPr lang="ja-JP" altLang="en-US" sz="2000" b="1" dirty="0" smtClean="0"/>
-              <a:t>・プレイヤー全員が選択したら「ステージ選択」に移行する。</a:t>
-            </a:r>
-            <a:endParaRPr lang="en-US" altLang="ja-JP" sz="2000" b="1" dirty="0" smtClean="0"/>
-          </a:p>
-          <a:p>
-            <a:endParaRPr lang="en-US" altLang="ja-JP" sz="2000" b="1" dirty="0"/>
-          </a:p>
-          <a:p>
-            <a:r>
-              <a:rPr lang="ja-JP" altLang="en-US" sz="2000" b="1" dirty="0" smtClean="0"/>
-              <a:t>・プレビューのモデルは、静止状態またはニュートラルモーションさせる。</a:t>
-            </a:r>
-            <a:endParaRPr lang="en-US" altLang="ja-JP" sz="2000" b="1" dirty="0" smtClean="0"/>
-          </a:p>
-          <a:p>
-            <a:endParaRPr lang="en-US" altLang="ja-JP" sz="2000" b="1" dirty="0"/>
-          </a:p>
-          <a:p>
-            <a:r>
-              <a:rPr lang="ja-JP" altLang="en-US" sz="2000" b="1" dirty="0" smtClean="0"/>
-              <a:t>・背景は画像スクロール等で動きを付ける。</a:t>
-            </a:r>
-            <a:endParaRPr lang="en-US" altLang="ja-JP" sz="2000" b="1" dirty="0" smtClean="0"/>
+              <a:rPr lang="ja-JP" altLang="en-US" sz="1600" b="1" dirty="0"/>
+              <a:t>例</a:t>
+            </a:r>
+            <a:r>
+              <a:rPr lang="en-US" altLang="ja-JP" sz="1600" b="1" dirty="0"/>
+              <a:t>)『</a:t>
+            </a:r>
+            <a:r>
+              <a:rPr lang="ja-JP" altLang="en-US" sz="1600" b="1" dirty="0"/>
+              <a:t>スピードアップ</a:t>
+            </a:r>
+            <a:r>
+              <a:rPr lang="en-US" altLang="ja-JP" sz="1600" b="1" dirty="0"/>
+              <a:t>』</a:t>
+            </a:r>
+            <a:r>
+              <a:rPr lang="ja-JP" altLang="en-US" sz="1600" b="1" dirty="0"/>
+              <a:t>のスキルにすると、</a:t>
+            </a:r>
+            <a:r>
+              <a:rPr lang="ja-JP" altLang="en-US" sz="1600" b="1" dirty="0" smtClean="0"/>
+              <a:t>キャラ</a:t>
+            </a:r>
+            <a:endParaRPr lang="en-US" altLang="ja-JP" sz="1600" b="1" dirty="0" smtClean="0"/>
+          </a:p>
+          <a:p>
+            <a:r>
+              <a:rPr lang="ja-JP" altLang="en-US" sz="1600" b="1" dirty="0"/>
+              <a:t>　</a:t>
+            </a:r>
+            <a:r>
+              <a:rPr lang="ja-JP" altLang="en-US" sz="1600" b="1" dirty="0" smtClean="0"/>
+              <a:t>モデル</a:t>
+            </a:r>
+            <a:r>
+              <a:rPr lang="ja-JP" altLang="en-US" sz="1600" b="1" dirty="0"/>
+              <a:t>の足パーツが変わる。</a:t>
+            </a:r>
+            <a:endParaRPr lang="en-US" altLang="ja-JP" sz="1600" b="1" dirty="0"/>
           </a:p>
         </p:txBody>
       </p:sp>
@@ -42913,15 +43088,7 @@
                   <a:srgbClr val="FF0000"/>
                 </a:solidFill>
               </a:rPr>
-              <a:t>未来</a:t>
-            </a:r>
-            <a:r>
-              <a:rPr lang="ja-JP" altLang="en-US" b="1" dirty="0" smtClean="0">
-                <a:solidFill>
-                  <a:srgbClr val="FF0000"/>
-                </a:solidFill>
-              </a:rPr>
-              <a:t>エリア召喚</a:t>
+              <a:t>未来エリア召喚</a:t>
             </a:r>
             <a:endParaRPr lang="en-US" altLang="ja-JP" b="1" dirty="0">
               <a:solidFill>

--- a/data/GS3_チーム2_仕様書.pptx
+++ b/data/GS3_チーム2_仕様書.pptx
@@ -42486,8 +42486,8 @@
         </p:nvSpPr>
         <p:spPr>
           <a:xfrm>
-            <a:off x="5507104" y="2887083"/>
-            <a:ext cx="6411652" cy="1591352"/>
+            <a:off x="5507104" y="2887082"/>
+            <a:ext cx="6411652" cy="2986179"/>
           </a:xfrm>
           <a:prstGeom prst="roundRect">
             <a:avLst>
@@ -42582,7 +42582,7 @@
         <p:spPr>
           <a:xfrm>
             <a:off x="5658246" y="3295830"/>
-            <a:ext cx="6109365" cy="954107"/>
+            <a:ext cx="6109365" cy="1384995"/>
           </a:xfrm>
           <a:prstGeom prst="rect">
             <a:avLst/>
@@ -42617,6 +42617,16 @@
             <a:r>
               <a:rPr lang="ja-JP" altLang="en-US" sz="1400" b="1" dirty="0" smtClean="0"/>
               <a:t>塗って人がはけたらロゴになっている。</a:t>
+            </a:r>
+            <a:endParaRPr lang="en-US" altLang="ja-JP" sz="1400" b="1" dirty="0" smtClean="0"/>
+          </a:p>
+          <a:p>
+            <a:endParaRPr lang="en-US" altLang="ja-JP" sz="1400" b="1" dirty="0"/>
+          </a:p>
+          <a:p>
+            <a:r>
+              <a:rPr lang="ja-JP" altLang="en-US" sz="1400" b="1" dirty="0" smtClean="0"/>
+              <a:t>・頭文字を大きくして強調する。斜体もいいかも。</a:t>
             </a:r>
             <a:endParaRPr lang="en-US" altLang="ja-JP" sz="1400" b="1" dirty="0" smtClean="0"/>
           </a:p>
@@ -52002,11 +52012,7 @@
             </a:r>
             <a:r>
               <a:rPr lang="ja-JP" altLang="en-US" sz="4400" b="1" dirty="0" smtClean="0"/>
-              <a:t>タイトル：</a:t>
-            </a:r>
-            <a:r>
-              <a:rPr lang="ja-JP" altLang="en-US" sz="4400" b="1" dirty="0" smtClean="0"/>
-              <a:t>レイアウト</a:t>
+              <a:t>タイトル：レイアウト</a:t>
             </a:r>
             <a:r>
               <a:rPr lang="en-US" altLang="ja-JP" sz="4400" b="1" dirty="0" smtClean="0"/>

--- a/data/GS3_チーム2_仕様書.pptx
+++ b/data/GS3_チーム2_仕様書.pptx
@@ -4551,11 +4551,7 @@
             </a:r>
             <a:r>
               <a:rPr lang="ja-JP" altLang="en-US" sz="4400" b="1" dirty="0" smtClean="0"/>
-              <a:t>チュートリアル</a:t>
-            </a:r>
-            <a:r>
-              <a:rPr lang="ja-JP" altLang="en-US" sz="4400" b="1" dirty="0" smtClean="0"/>
-              <a:t>：</a:t>
+              <a:t>チュートリアル：</a:t>
             </a:r>
             <a:r>
               <a:rPr lang="ja-JP" altLang="en-US" sz="4400" b="1" dirty="0"/>
@@ -5549,11 +5545,7 @@
             </a:r>
             <a:r>
               <a:rPr lang="ja-JP" altLang="en-US" sz="4400" b="1" dirty="0" smtClean="0"/>
-              <a:t>チュートリアル</a:t>
-            </a:r>
-            <a:r>
-              <a:rPr lang="ja-JP" altLang="en-US" sz="4400" b="1" dirty="0" smtClean="0"/>
-              <a:t>：</a:t>
+              <a:t>チュートリアル：</a:t>
             </a:r>
             <a:r>
               <a:rPr lang="ja-JP" altLang="en-US" sz="4400" b="1" dirty="0"/>
@@ -6656,11 +6648,7 @@
             </a:r>
             <a:r>
               <a:rPr lang="ja-JP" altLang="en-US" sz="4400" b="1" dirty="0" smtClean="0"/>
-              <a:t>チュートリアル</a:t>
-            </a:r>
-            <a:r>
-              <a:rPr lang="ja-JP" altLang="en-US" sz="4400" b="1" dirty="0" smtClean="0"/>
-              <a:t>：</a:t>
+              <a:t>チュートリアル：</a:t>
             </a:r>
             <a:r>
               <a:rPr lang="ja-JP" altLang="en-US" sz="4400" b="1" dirty="0"/>
@@ -7822,11 +7810,7 @@
             </a:r>
             <a:r>
               <a:rPr lang="ja-JP" altLang="en-US" sz="4400" b="1" dirty="0" smtClean="0"/>
-              <a:t>チュートリアル</a:t>
-            </a:r>
-            <a:r>
-              <a:rPr lang="ja-JP" altLang="en-US" sz="4400" b="1" dirty="0" smtClean="0"/>
-              <a:t>：</a:t>
+              <a:t>チュートリアル：</a:t>
             </a:r>
             <a:r>
               <a:rPr lang="ja-JP" altLang="en-US" sz="4400" b="1" dirty="0"/>
